--- a/presentation/Retrofitting Tests.pptx
+++ b/presentation/Retrofitting Tests.pptx
@@ -5,7 +5,7 @@
     <p:sldMasterId id="2147483648" r:id="rId1"/>
   </p:sldMasterIdLst>
   <p:notesMasterIdLst>
-    <p:notesMasterId r:id="rId9"/>
+    <p:notesMasterId r:id="rId10"/>
   </p:notesMasterIdLst>
   <p:sldIdLst>
     <p:sldId id="256" r:id="rId2"/>
@@ -14,7 +14,8 @@
     <p:sldId id="259" r:id="rId5"/>
     <p:sldId id="260" r:id="rId6"/>
     <p:sldId id="261" r:id="rId7"/>
-    <p:sldId id="262" r:id="rId8"/>
+    <p:sldId id="264" r:id="rId8"/>
+    <p:sldId id="262" r:id="rId9"/>
   </p:sldIdLst>
   <p:sldSz cx="9144000" cy="6858000" type="screen4x3"/>
   <p:notesSz cx="6858000" cy="9144000"/>
@@ -1017,6 +1018,87 @@
             <a:fld id="{67768334-229D-42F3-B14D-CAD03AE00597}" type="slidenum">
               <a:rPr lang="en-GB" smtClean="0"/>
               <a:t>7</a:t>
+            </a:fld>
+            <a:endParaRPr lang="en-GB"/>
+          </a:p>
+        </p:txBody>
+      </p:sp>
+    </p:spTree>
+  </p:cSld>
+  <p:clrMapOvr>
+    <a:masterClrMapping/>
+  </p:clrMapOvr>
+</p:notes>
+</file>
+
+<file path=ppt/notesSlides/notesSlide8.xml><?xml version="1.0" encoding="utf-8"?>
+<p:notes xmlns:a="http://schemas.openxmlformats.org/drawingml/2006/main" xmlns:r="http://schemas.openxmlformats.org/officeDocument/2006/relationships" xmlns:p="http://schemas.openxmlformats.org/presentationml/2006/main">
+  <p:cSld>
+    <p:spTree>
+      <p:nvGrpSpPr>
+        <p:cNvPr id="1" name=""/>
+        <p:cNvGrpSpPr/>
+        <p:nvPr/>
+      </p:nvGrpSpPr>
+      <p:grpSpPr>
+        <a:xfrm>
+          <a:off x="0" y="0"/>
+          <a:ext cx="0" cy="0"/>
+          <a:chOff x="0" y="0"/>
+          <a:chExt cx="0" cy="0"/>
+        </a:xfrm>
+      </p:grpSpPr>
+      <p:sp>
+        <p:nvSpPr>
+          <p:cNvPr id="2" name="Slide Image Placeholder 1"/>
+          <p:cNvSpPr>
+            <a:spLocks noGrp="1" noRot="1" noChangeAspect="1"/>
+          </p:cNvSpPr>
+          <p:nvPr>
+            <p:ph type="sldImg"/>
+          </p:nvPr>
+        </p:nvSpPr>
+        <p:spPr/>
+      </p:sp>
+      <p:sp>
+        <p:nvSpPr>
+          <p:cNvPr id="3" name="Notes Placeholder 2"/>
+          <p:cNvSpPr>
+            <a:spLocks noGrp="1"/>
+          </p:cNvSpPr>
+          <p:nvPr>
+            <p:ph type="body" idx="1"/>
+          </p:nvPr>
+        </p:nvSpPr>
+        <p:spPr/>
+        <p:txBody>
+          <a:bodyPr>
+            <a:normAutofit/>
+          </a:bodyPr>
+          <a:lstStyle/>
+          <a:p>
+            <a:endParaRPr lang="en-GB"/>
+          </a:p>
+        </p:txBody>
+      </p:sp>
+      <p:sp>
+        <p:nvSpPr>
+          <p:cNvPr id="4" name="Slide Number Placeholder 3"/>
+          <p:cNvSpPr>
+            <a:spLocks noGrp="1"/>
+          </p:cNvSpPr>
+          <p:nvPr>
+            <p:ph type="sldNum" sz="quarter" idx="10"/>
+          </p:nvPr>
+        </p:nvSpPr>
+        <p:spPr/>
+        <p:txBody>
+          <a:bodyPr/>
+          <a:lstStyle/>
+          <a:p>
+            <a:fld id="{67768334-229D-42F3-B14D-CAD03AE00597}" type="slidenum">
+              <a:rPr lang="en-GB" smtClean="0"/>
+              <a:t>8</a:t>
             </a:fld>
             <a:endParaRPr lang="en-GB"/>
           </a:p>
@@ -4080,16 +4162,9 @@
   <p:cSld>
     <p:bg>
       <p:bgPr>
-        <a:blipFill dpi="0" rotWithShape="1">
-          <a:blip r:embed="rId3">
-            <a:alphaModFix amt="64000"/>
-            <a:lum/>
-          </a:blip>
-          <a:srcRect/>
-          <a:stretch>
-            <a:fillRect/>
-          </a:stretch>
-        </a:blipFill>
+        <a:solidFill>
+          <a:schemeClr val="tx1"/>
+        </a:solidFill>
         <a:effectLst/>
       </p:bgPr>
     </p:bg>
@@ -4123,18 +4198,10 @@
           <a:lstStyle/>
           <a:p>
             <a:r>
-              <a:rPr lang="en-GB" dirty="0" smtClean="0">
-                <a:solidFill>
-                  <a:schemeClr val="tx1"/>
-                </a:solidFill>
-              </a:rPr>
+              <a:rPr lang="en-GB" dirty="0" smtClean="0"/>
               <a:t>Legacy Code</a:t>
             </a:r>
-            <a:endParaRPr lang="en-GB" dirty="0">
-              <a:solidFill>
-                <a:schemeClr val="tx1"/>
-              </a:solidFill>
-            </a:endParaRPr>
+            <a:endParaRPr lang="en-GB" dirty="0"/>
           </a:p>
         </p:txBody>
       </p:sp>
@@ -4148,87 +4215,93 @@
             <p:ph idx="1"/>
           </p:nvPr>
         </p:nvSpPr>
-        <p:spPr/>
-        <p:txBody>
-          <a:bodyPr/>
-          <a:lstStyle/>
-          <a:p>
-            <a:r>
-              <a:rPr lang="en-GB" sz="3600" dirty="0" smtClean="0">
-                <a:solidFill>
-                  <a:schemeClr val="tx1"/>
-                </a:solidFill>
-              </a:rPr>
+        <p:spPr>
+          <a:xfrm>
+            <a:off x="428596" y="1571612"/>
+            <a:ext cx="5857916" cy="4525963"/>
+          </a:xfrm>
+        </p:spPr>
+        <p:txBody>
+          <a:bodyPr>
+            <a:normAutofit fontScale="85000" lnSpcReduction="20000"/>
+          </a:bodyPr>
+          <a:lstStyle/>
+          <a:p>
+            <a:r>
+              <a:rPr lang="en-GB" sz="3600" dirty="0" smtClean="0"/>
               <a:t>We don’t always start with a clean sheet of paper.</a:t>
             </a:r>
           </a:p>
           <a:p>
             <a:pPr lvl="2"/>
             <a:r>
-              <a:rPr lang="en-GB" i="1" dirty="0" smtClean="0">
-                <a:solidFill>
-                  <a:schemeClr val="tx1"/>
-                </a:solidFill>
-              </a:rPr>
+              <a:rPr lang="en-GB" i="1" dirty="0" smtClean="0"/>
               <a:t>“Our summer student put this together – can you make these changes …”</a:t>
             </a:r>
           </a:p>
           <a:p>
-            <a:r>
-              <a:rPr lang="en-GB" sz="3600" dirty="0" smtClean="0">
-                <a:solidFill>
-                  <a:schemeClr val="tx1"/>
-                </a:solidFill>
-              </a:rPr>
+            <a:pPr lvl="2"/>
+            <a:endParaRPr lang="en-GB" i="1" dirty="0" smtClean="0"/>
+          </a:p>
+          <a:p>
+            <a:r>
+              <a:rPr lang="en-GB" sz="3600" dirty="0" smtClean="0"/>
               <a:t>Sometimes ‘tactical’ becomes ‘strategic’</a:t>
             </a:r>
           </a:p>
           <a:p>
             <a:pPr lvl="2"/>
             <a:r>
-              <a:rPr lang="en-GB" i="1" dirty="0" smtClean="0">
-                <a:solidFill>
-                  <a:schemeClr val="tx1"/>
-                </a:solidFill>
-              </a:rPr>
+              <a:rPr lang="en-GB" i="1" dirty="0" smtClean="0"/>
               <a:t>“This tool is essential to the platform – fix it!”</a:t>
             </a:r>
-            <a:endParaRPr lang="en-GB" i="1" dirty="0">
-              <a:solidFill>
-                <a:schemeClr val="tx1"/>
-              </a:solidFill>
-            </a:endParaRPr>
-          </a:p>
-          <a:p>
-            <a:r>
-              <a:rPr lang="en-GB" sz="3600" dirty="0" smtClean="0">
-                <a:solidFill>
-                  <a:schemeClr val="tx1"/>
-                </a:solidFill>
-              </a:rPr>
+          </a:p>
+          <a:p>
+            <a:pPr lvl="2"/>
+            <a:endParaRPr lang="en-GB" i="1" dirty="0"/>
+          </a:p>
+          <a:p>
+            <a:r>
+              <a:rPr lang="en-GB" sz="3600" dirty="0" smtClean="0"/>
               <a:t>We never stop learning.</a:t>
             </a:r>
           </a:p>
           <a:p>
             <a:pPr lvl="2"/>
             <a:r>
-              <a:rPr lang="en-GB" i="1" dirty="0" smtClean="0">
-                <a:solidFill>
-                  <a:schemeClr val="tx1"/>
-                </a:solidFill>
-              </a:rPr>
+              <a:rPr lang="en-GB" i="1" dirty="0" smtClean="0"/>
               <a:t>“It’s about that system you wrote 6 years ago …”</a:t>
             </a:r>
           </a:p>
           <a:p>
-            <a:endParaRPr lang="en-GB" dirty="0">
-              <a:solidFill>
-                <a:schemeClr val="tx1"/>
-              </a:solidFill>
-            </a:endParaRPr>
-          </a:p>
-        </p:txBody>
-      </p:sp>
+            <a:endParaRPr lang="en-GB" dirty="0"/>
+          </a:p>
+        </p:txBody>
+      </p:sp>
+      <p:pic>
+        <p:nvPicPr>
+          <p:cNvPr id="4" name="Picture 3" descr="w_tangle.jpg"/>
+          <p:cNvPicPr>
+            <a:picLocks noChangeAspect="1"/>
+          </p:cNvPicPr>
+          <p:nvPr/>
+        </p:nvPicPr>
+        <p:blipFill>
+          <a:blip r:embed="rId3"/>
+          <a:stretch>
+            <a:fillRect/>
+          </a:stretch>
+        </p:blipFill>
+        <p:spPr>
+          <a:xfrm>
+            <a:off x="6072198" y="1357298"/>
+            <a:ext cx="2952739" cy="2214554"/>
+          </a:xfrm>
+          <a:prstGeom prst="rect">
+            <a:avLst/>
+          </a:prstGeom>
+        </p:spPr>
+      </p:pic>
     </p:spTree>
   </p:cSld>
   <p:clrMapOvr>
@@ -4249,16 +4322,9 @@
   <p:cSld>
     <p:bg>
       <p:bgPr>
-        <a:blipFill dpi="0" rotWithShape="1">
-          <a:blip r:embed="rId3">
-            <a:alphaModFix amt="73000"/>
-            <a:lum bright="-34000" contrast="-28000"/>
-          </a:blip>
-          <a:srcRect/>
-          <a:stretch>
-            <a:fillRect t="-25000" b="-25000"/>
-          </a:stretch>
-        </a:blipFill>
+        <a:solidFill>
+          <a:schemeClr val="tx1"/>
+        </a:solidFill>
         <a:effectLst/>
       </p:bgPr>
     </p:bg>
@@ -4374,6 +4440,32 @@
           </a:p>
         </p:txBody>
       </p:sp>
+      <p:pic>
+        <p:nvPicPr>
+          <p:cNvPr id="4" name="Picture 3" descr="risky.bmp"/>
+          <p:cNvPicPr>
+            <a:picLocks noChangeAspect="1"/>
+          </p:cNvPicPr>
+          <p:nvPr/>
+        </p:nvPicPr>
+        <p:blipFill>
+          <a:blip r:embed="rId3" cstate="print">
+            <a:lum bright="-2000" contrast="-22000"/>
+          </a:blip>
+          <a:stretch>
+            <a:fillRect/>
+          </a:stretch>
+        </p:blipFill>
+        <p:spPr>
+          <a:xfrm>
+            <a:off x="6929454" y="1357298"/>
+            <a:ext cx="2030878" cy="2936650"/>
+          </a:xfrm>
+          <a:prstGeom prst="rect">
+            <a:avLst/>
+          </a:prstGeom>
+        </p:spPr>
+      </p:pic>
     </p:spTree>
   </p:cSld>
   <p:clrMapOvr>
@@ -4394,16 +4486,9 @@
   <p:cSld>
     <p:bg>
       <p:bgPr>
-        <a:blipFill dpi="0" rotWithShape="1">
-          <a:blip r:embed="rId3" cstate="print">
-            <a:alphaModFix amt="33000"/>
-            <a:lum/>
-          </a:blip>
-          <a:srcRect/>
-          <a:stretch>
-            <a:fillRect l="-20000" r="-20000"/>
-          </a:stretch>
-        </a:blipFill>
+        <a:solidFill>
+          <a:schemeClr val="tx1"/>
+        </a:solidFill>
         <a:effectLst/>
       </p:bgPr>
     </p:bg>
@@ -4421,6 +4506,30 @@
           <a:chExt cx="0" cy="0"/>
         </a:xfrm>
       </p:grpSpPr>
+      <p:pic>
+        <p:nvPicPr>
+          <p:cNvPr id="4" name="Picture 3" descr="trapeze.jpg"/>
+          <p:cNvPicPr>
+            <a:picLocks noChangeAspect="1"/>
+          </p:cNvPicPr>
+          <p:nvPr/>
+        </p:nvPicPr>
+        <p:blipFill>
+          <a:blip r:embed="rId3" cstate="print"/>
+          <a:stretch>
+            <a:fillRect/>
+          </a:stretch>
+        </p:blipFill>
+        <p:spPr>
+          <a:xfrm>
+            <a:off x="6429388" y="1500174"/>
+            <a:ext cx="2558257" cy="1928826"/>
+          </a:xfrm>
+          <a:prstGeom prst="rect">
+            <a:avLst/>
+          </a:prstGeom>
+        </p:spPr>
+      </p:pic>
       <p:sp>
         <p:nvSpPr>
           <p:cNvPr id="2" name="Title 1"/>
@@ -4437,18 +4546,10 @@
           <a:lstStyle/>
           <a:p>
             <a:r>
-              <a:rPr lang="en-GB" dirty="0" smtClean="0">
-                <a:solidFill>
-                  <a:schemeClr val="tx1"/>
-                </a:solidFill>
-              </a:rPr>
+              <a:rPr lang="en-GB" dirty="0" smtClean="0"/>
               <a:t>The Cost Of Change</a:t>
             </a:r>
-            <a:endParaRPr lang="en-GB" dirty="0">
-              <a:solidFill>
-                <a:schemeClr val="tx1"/>
-              </a:solidFill>
-            </a:endParaRPr>
+            <a:endParaRPr lang="en-GB" dirty="0"/>
           </a:p>
         </p:txBody>
       </p:sp>
@@ -4462,93 +4563,58 @@
             <p:ph idx="1"/>
           </p:nvPr>
         </p:nvSpPr>
-        <p:spPr/>
+        <p:spPr>
+          <a:xfrm>
+            <a:off x="457200" y="1600200"/>
+            <a:ext cx="5614998" cy="4525963"/>
+          </a:xfrm>
+        </p:spPr>
         <p:txBody>
           <a:bodyPr>
-            <a:normAutofit fontScale="92500" lnSpcReduction="20000"/>
+            <a:normAutofit fontScale="77500" lnSpcReduction="20000"/>
           </a:bodyPr>
           <a:lstStyle/>
           <a:p>
             <a:r>
-              <a:rPr lang="en-GB" sz="3600" dirty="0" smtClean="0">
-                <a:solidFill>
-                  <a:schemeClr val="tx1"/>
-                </a:solidFill>
-              </a:rPr>
+              <a:rPr lang="en-GB" sz="3600" dirty="0" smtClean="0"/>
               <a:t>Changing unknown code can be a leap of faith</a:t>
             </a:r>
           </a:p>
           <a:p>
-            <a:endParaRPr lang="en-GB" sz="3600" dirty="0" smtClean="0">
-              <a:solidFill>
-                <a:schemeClr val="tx1"/>
-              </a:solidFill>
-            </a:endParaRPr>
-          </a:p>
-          <a:p>
-            <a:r>
-              <a:rPr lang="en-GB" sz="3600" dirty="0" smtClean="0">
-                <a:solidFill>
-                  <a:schemeClr val="tx1"/>
-                </a:solidFill>
-              </a:rPr>
+            <a:endParaRPr lang="en-GB" sz="3600" dirty="0" smtClean="0"/>
+          </a:p>
+          <a:p>
+            <a:r>
+              <a:rPr lang="en-GB" sz="3600" dirty="0" smtClean="0"/>
               <a:t>I want to make it cleaner, but how do I </a:t>
             </a:r>
             <a:r>
-              <a:rPr lang="en-GB" sz="3600" u="sng" dirty="0" smtClean="0">
-                <a:solidFill>
-                  <a:schemeClr val="tx1"/>
-                </a:solidFill>
-              </a:rPr>
+              <a:rPr lang="en-GB" sz="3600" u="sng" dirty="0" smtClean="0"/>
               <a:t>know</a:t>
             </a:r>
             <a:r>
-              <a:rPr lang="en-GB" sz="3600" dirty="0" smtClean="0">
-                <a:solidFill>
-                  <a:schemeClr val="tx1"/>
-                </a:solidFill>
-              </a:rPr>
+              <a:rPr lang="en-GB" sz="3600" dirty="0" smtClean="0"/>
               <a:t> I won’t break it?</a:t>
             </a:r>
           </a:p>
           <a:p>
-            <a:endParaRPr lang="en-GB" sz="3600" dirty="0">
-              <a:solidFill>
-                <a:schemeClr val="tx1"/>
-              </a:solidFill>
-            </a:endParaRPr>
-          </a:p>
-          <a:p>
-            <a:r>
-              <a:rPr lang="en-GB" sz="3600" dirty="0" smtClean="0">
-                <a:solidFill>
-                  <a:schemeClr val="tx1"/>
-                </a:solidFill>
-              </a:rPr>
-              <a:t>… and I’ll be back again next month</a:t>
-            </a:r>
-          </a:p>
-          <a:p>
-            <a:endParaRPr lang="en-GB" sz="3600" dirty="0">
-              <a:solidFill>
-                <a:schemeClr val="tx1"/>
-              </a:solidFill>
-            </a:endParaRPr>
-          </a:p>
-          <a:p>
-            <a:r>
-              <a:rPr lang="en-GB" sz="3600" dirty="0" smtClean="0">
-                <a:solidFill>
-                  <a:schemeClr val="tx1"/>
-                </a:solidFill>
-              </a:rPr>
-              <a:t>A safety net would be nice</a:t>
-            </a:r>
-            <a:endParaRPr lang="en-GB" dirty="0">
-              <a:solidFill>
-                <a:schemeClr val="tx1"/>
-              </a:solidFill>
-            </a:endParaRPr>
+            <a:endParaRPr lang="en-GB" sz="3600" dirty="0"/>
+          </a:p>
+          <a:p>
+            <a:r>
+              <a:rPr lang="en-GB" sz="3600" dirty="0" smtClean="0"/>
+              <a:t>… and I’m certain I’ll be back again next month</a:t>
+            </a:r>
+          </a:p>
+          <a:p>
+            <a:endParaRPr lang="en-GB" sz="3600" dirty="0"/>
+          </a:p>
+          <a:p>
+            <a:r>
+              <a:rPr lang="en-GB" sz="3600" dirty="0" smtClean="0"/>
+              <a:t>For my next trick, I will require the use of a safety net</a:t>
+            </a:r>
+            <a:endParaRPr lang="en-GB" dirty="0"/>
           </a:p>
         </p:txBody>
       </p:sp>
@@ -4572,16 +4638,9 @@
   <p:cSld>
     <p:bg>
       <p:bgPr>
-        <a:blipFill dpi="0" rotWithShape="1">
-          <a:blip r:embed="rId3">
-            <a:alphaModFix amt="56000"/>
-            <a:lum/>
-          </a:blip>
-          <a:srcRect/>
-          <a:stretch>
-            <a:fillRect t="-13000" b="-13000"/>
-          </a:stretch>
-        </a:blipFill>
+        <a:solidFill>
+          <a:schemeClr val="tx1"/>
+        </a:solidFill>
         <a:effectLst/>
       </p:bgPr>
     </p:bg>
@@ -4599,6 +4658,34 @@
           <a:chExt cx="0" cy="0"/>
         </a:xfrm>
       </p:grpSpPr>
+      <p:pic>
+        <p:nvPicPr>
+          <p:cNvPr id="4" name="Picture 3" descr="puzzled.jpg"/>
+          <p:cNvPicPr>
+            <a:picLocks noChangeAspect="1"/>
+          </p:cNvPicPr>
+          <p:nvPr/>
+        </p:nvPicPr>
+        <p:blipFill>
+          <a:blip r:embed="rId3"/>
+          <a:stretch>
+            <a:fillRect/>
+          </a:stretch>
+        </p:blipFill>
+        <p:spPr>
+          <a:xfrm>
+            <a:off x="6994938" y="1071547"/>
+            <a:ext cx="1934780" cy="1857388"/>
+          </a:xfrm>
+          <a:prstGeom prst="rect">
+            <a:avLst/>
+          </a:prstGeom>
+          <a:noFill/>
+          <a:ln>
+            <a:noFill/>
+          </a:ln>
+        </p:spPr>
+      </p:pic>
       <p:sp>
         <p:nvSpPr>
           <p:cNvPr id="2" name="Title 1"/>
@@ -4615,18 +4702,10 @@
           <a:lstStyle/>
           <a:p>
             <a:r>
-              <a:rPr lang="en-GB" dirty="0" smtClean="0">
-                <a:solidFill>
-                  <a:schemeClr val="tx1"/>
-                </a:solidFill>
-              </a:rPr>
-              <a:t>What’s a coder to do?</a:t>
-            </a:r>
-            <a:endParaRPr lang="en-GB" dirty="0">
-              <a:solidFill>
-                <a:schemeClr val="tx1"/>
-              </a:solidFill>
-            </a:endParaRPr>
+              <a:rPr lang="en-GB" dirty="0" smtClean="0"/>
+              <a:t>Weaving the net</a:t>
+            </a:r>
+            <a:endParaRPr lang="en-GB" dirty="0" smtClean="0"/>
           </a:p>
         </p:txBody>
       </p:sp>
@@ -4640,104 +4719,70 @@
             <p:ph idx="1"/>
           </p:nvPr>
         </p:nvSpPr>
-        <p:spPr/>
-        <p:txBody>
-          <a:bodyPr/>
-          <a:lstStyle/>
-          <a:p>
-            <a:r>
-              <a:rPr lang="en-GB" dirty="0" smtClean="0">
-                <a:solidFill>
-                  <a:schemeClr val="tx1"/>
-                </a:solidFill>
-              </a:rPr>
-              <a:t>Buy ‘Working Effectively With Legacy Code’</a:t>
+        <p:spPr>
+          <a:xfrm>
+            <a:off x="457200" y="1600200"/>
+            <a:ext cx="6972320" cy="4525963"/>
+          </a:xfrm>
+        </p:spPr>
+        <p:txBody>
+          <a:bodyPr>
+            <a:normAutofit fontScale="85000" lnSpcReduction="20000"/>
+          </a:bodyPr>
+          <a:lstStyle/>
+          <a:p>
+            <a:r>
+              <a:rPr lang="en-GB" dirty="0" smtClean="0"/>
+              <a:t>Find the code you need to change</a:t>
+            </a:r>
+          </a:p>
+          <a:p>
+            <a:endParaRPr lang="en-GB" dirty="0" smtClean="0"/>
+          </a:p>
+          <a:p>
+            <a:r>
+              <a:rPr lang="en-GB" dirty="0" smtClean="0"/>
+              <a:t>Get it to compile on it’s own (no collaborators)</a:t>
             </a:r>
           </a:p>
           <a:p>
             <a:pPr lvl="2"/>
             <a:r>
-              <a:rPr lang="en-GB" dirty="0" smtClean="0">
-                <a:solidFill>
-                  <a:schemeClr val="tx1"/>
-                </a:solidFill>
-              </a:rPr>
-              <a:t>Michael Feathers - Prentice Hall (7 Oct 2004)</a:t>
-            </a:r>
-          </a:p>
-          <a:p>
-            <a:r>
-              <a:rPr lang="en-GB" dirty="0" smtClean="0">
-                <a:solidFill>
-                  <a:schemeClr val="tx1"/>
-                </a:solidFill>
-              </a:rPr>
-              <a:t>Steps to success</a:t>
+              <a:rPr lang="en-GB" dirty="0" smtClean="0"/>
+              <a:t>May need mocks, stubs or language tricks</a:t>
             </a:r>
           </a:p>
           <a:p>
             <a:pPr lvl="2"/>
-            <a:r>
-              <a:rPr lang="en-GB" dirty="0" smtClean="0">
-                <a:solidFill>
-                  <a:schemeClr val="tx1"/>
-                </a:solidFill>
-              </a:rPr>
-              <a:t>Find the code you need to change</a:t>
+            <a:endParaRPr lang="en-GB" dirty="0" smtClean="0"/>
+          </a:p>
+          <a:p>
+            <a:r>
+              <a:rPr lang="en-GB" dirty="0" smtClean="0"/>
+              <a:t>Guess a behaviour and capture with an assertion</a:t>
             </a:r>
           </a:p>
           <a:p>
             <a:pPr lvl="2"/>
             <a:r>
-              <a:rPr lang="en-GB" dirty="0" smtClean="0">
-                <a:solidFill>
-                  <a:schemeClr val="tx1"/>
-                </a:solidFill>
-              </a:rPr>
-              <a:t>Get it to compile on it’s own (no collaborators)</a:t>
-            </a:r>
-          </a:p>
-          <a:p>
-            <a:pPr lvl="4"/>
-            <a:r>
-              <a:rPr lang="en-GB" dirty="0" smtClean="0">
-                <a:solidFill>
-                  <a:schemeClr val="tx1"/>
-                </a:solidFill>
-              </a:rPr>
-              <a:t>May need mocks, stubs or language tricks</a:t>
+              <a:rPr lang="en-GB" dirty="0" smtClean="0"/>
+              <a:t>Characterisation tests</a:t>
             </a:r>
           </a:p>
           <a:p>
             <a:pPr lvl="2"/>
-            <a:r>
-              <a:rPr lang="en-GB" dirty="0" smtClean="0">
-                <a:solidFill>
-                  <a:schemeClr val="tx1"/>
-                </a:solidFill>
-              </a:rPr>
-              <a:t>Guess a behaviour and capture with an assertion</a:t>
+            <a:endParaRPr lang="en-GB" dirty="0" smtClean="0"/>
+          </a:p>
+          <a:p>
+            <a:r>
+              <a:rPr lang="en-GB" dirty="0" smtClean="0"/>
+              <a:t>Repeat guess and test for happy and sad paths</a:t>
             </a:r>
           </a:p>
           <a:p>
             <a:pPr lvl="2"/>
             <a:r>
-              <a:rPr lang="en-GB" dirty="0" smtClean="0">
-                <a:solidFill>
-                  <a:schemeClr val="tx1"/>
-                </a:solidFill>
-              </a:rPr>
-              <a:t>Repeat guess and test for happy and sad paths</a:t>
-            </a:r>
-          </a:p>
-          <a:p>
-            <a:pPr lvl="4"/>
-            <a:r>
-              <a:rPr lang="en-GB" dirty="0" smtClean="0">
-                <a:solidFill>
-                  <a:schemeClr val="tx1"/>
-                </a:solidFill>
-              </a:rPr>
+              <a:rPr lang="en-GB" dirty="0" smtClean="0"/>
               <a:t>Coverage tools can help</a:t>
             </a:r>
           </a:p>
@@ -4912,6 +4957,145 @@
 </file>
 
 <file path=ppt/slides/slide7.xml><?xml version="1.0" encoding="utf-8"?>
+<p:sld xmlns:a="http://schemas.openxmlformats.org/drawingml/2006/main" xmlns:r="http://schemas.openxmlformats.org/officeDocument/2006/relationships" xmlns:p="http://schemas.openxmlformats.org/presentationml/2006/main">
+  <p:cSld>
+    <p:spTree>
+      <p:nvGrpSpPr>
+        <p:cNvPr id="1" name=""/>
+        <p:cNvGrpSpPr/>
+        <p:nvPr/>
+      </p:nvGrpSpPr>
+      <p:grpSpPr>
+        <a:xfrm>
+          <a:off x="0" y="0"/>
+          <a:ext cx="0" cy="0"/>
+          <a:chOff x="0" y="0"/>
+          <a:chExt cx="0" cy="0"/>
+        </a:xfrm>
+      </p:grpSpPr>
+      <p:sp>
+        <p:nvSpPr>
+          <p:cNvPr id="2" name="Title 1"/>
+          <p:cNvSpPr>
+            <a:spLocks noGrp="1"/>
+          </p:cNvSpPr>
+          <p:nvPr>
+            <p:ph type="title"/>
+          </p:nvPr>
+        </p:nvSpPr>
+        <p:spPr/>
+        <p:txBody>
+          <a:bodyPr/>
+          <a:lstStyle/>
+          <a:p>
+            <a:r>
+              <a:rPr lang="en-GB" dirty="0" smtClean="0"/>
+              <a:t>And the payback is …</a:t>
+            </a:r>
+            <a:endParaRPr lang="en-GB" dirty="0"/>
+          </a:p>
+        </p:txBody>
+      </p:sp>
+      <p:sp>
+        <p:nvSpPr>
+          <p:cNvPr id="3" name="Content Placeholder 2"/>
+          <p:cNvSpPr>
+            <a:spLocks noGrp="1"/>
+          </p:cNvSpPr>
+          <p:nvPr>
+            <p:ph idx="1"/>
+          </p:nvPr>
+        </p:nvSpPr>
+        <p:spPr>
+          <a:xfrm>
+            <a:off x="457200" y="1600200"/>
+            <a:ext cx="5900750" cy="4525963"/>
+          </a:xfrm>
+        </p:spPr>
+        <p:txBody>
+          <a:bodyPr/>
+          <a:lstStyle/>
+          <a:p>
+            <a:r>
+              <a:rPr lang="en-GB" dirty="0" smtClean="0"/>
+              <a:t>With my tests is place I can</a:t>
+            </a:r>
+          </a:p>
+          <a:p>
+            <a:pPr lvl="1"/>
+            <a:r>
+              <a:rPr lang="en-GB" dirty="0" smtClean="0"/>
+              <a:t>Make these changes, and the next ones, and the next ones </a:t>
+            </a:r>
+          </a:p>
+          <a:p>
+            <a:pPr lvl="1"/>
+            <a:endParaRPr lang="en-GB" dirty="0" smtClean="0"/>
+          </a:p>
+          <a:p>
+            <a:pPr lvl="1"/>
+            <a:r>
+              <a:rPr lang="en-GB" dirty="0" smtClean="0"/>
+              <a:t>Refactor</a:t>
+            </a:r>
+          </a:p>
+          <a:p>
+            <a:pPr lvl="1"/>
+            <a:endParaRPr lang="en-GB" dirty="0" smtClean="0"/>
+          </a:p>
+          <a:p>
+            <a:pPr lvl="1"/>
+            <a:r>
+              <a:rPr lang="en-GB" dirty="0" smtClean="0"/>
+              <a:t>Add </a:t>
+            </a:r>
+            <a:r>
+              <a:rPr lang="en-GB" dirty="0"/>
+              <a:t>assertions to my build to stop the coverage from </a:t>
+            </a:r>
+            <a:r>
+              <a:rPr lang="en-GB" dirty="0" smtClean="0"/>
+              <a:t>falling</a:t>
+            </a:r>
+            <a:endParaRPr lang="en-GB" dirty="0"/>
+          </a:p>
+        </p:txBody>
+      </p:sp>
+      <p:pic>
+        <p:nvPicPr>
+          <p:cNvPr id="4" name="Content Placeholder 3" descr="bouncer-500.jpg"/>
+          <p:cNvPicPr>
+            <a:picLocks noChangeAspect="1"/>
+          </p:cNvPicPr>
+          <p:nvPr/>
+        </p:nvPicPr>
+        <p:blipFill>
+          <a:blip r:embed="rId3">
+            <a:lum bright="-19000"/>
+          </a:blip>
+          <a:stretch>
+            <a:fillRect/>
+          </a:stretch>
+        </p:blipFill>
+        <p:spPr>
+          <a:xfrm>
+            <a:off x="6858016" y="1714488"/>
+            <a:ext cx="2023124" cy="2857520"/>
+          </a:xfrm>
+          <a:prstGeom prst="rect">
+            <a:avLst/>
+          </a:prstGeom>
+        </p:spPr>
+      </p:pic>
+    </p:spTree>
+  </p:cSld>
+  <p:clrMapOvr>
+    <a:masterClrMapping/>
+  </p:clrMapOvr>
+</p:sld>
+</file>
+
+<file path=ppt/slides/slide8.xml><?xml version="1.0" encoding="utf-8"?>
 <p:sld xmlns:a="http://schemas.openxmlformats.org/drawingml/2006/main" xmlns:r="http://schemas.openxmlformats.org/officeDocument/2006/relationships" xmlns:p="http://schemas.openxmlformats.org/presentationml/2006/main">
   <p:cSld>
     <p:bg>

--- a/presentation/Retrofitting Tests.pptx
+++ b/presentation/Retrofitting Tests.pptx
@@ -5,7 +5,7 @@
     <p:sldMasterId id="2147483648" r:id="rId1"/>
   </p:sldMasterIdLst>
   <p:notesMasterIdLst>
-    <p:notesMasterId r:id="rId10"/>
+    <p:notesMasterId r:id="rId15"/>
   </p:notesMasterIdLst>
   <p:sldIdLst>
     <p:sldId id="256" r:id="rId2"/>
@@ -14,8 +14,13 @@
     <p:sldId id="259" r:id="rId5"/>
     <p:sldId id="260" r:id="rId6"/>
     <p:sldId id="261" r:id="rId7"/>
-    <p:sldId id="264" r:id="rId8"/>
-    <p:sldId id="262" r:id="rId9"/>
+    <p:sldId id="266" r:id="rId8"/>
+    <p:sldId id="269" r:id="rId9"/>
+    <p:sldId id="271" r:id="rId10"/>
+    <p:sldId id="272" r:id="rId11"/>
+    <p:sldId id="273" r:id="rId12"/>
+    <p:sldId id="264" r:id="rId13"/>
+    <p:sldId id="262" r:id="rId14"/>
   </p:sldIdLst>
   <p:sldSz cx="9144000" cy="6858000" type="screen4x3"/>
   <p:notesSz cx="6858000" cy="9144000"/>
@@ -545,6 +550,330 @@
 </p:notes>
 </file>
 
+<file path=ppt/notesSlides/notesSlide10.xml><?xml version="1.0" encoding="utf-8"?>
+<p:notes xmlns:a="http://schemas.openxmlformats.org/drawingml/2006/main" xmlns:r="http://schemas.openxmlformats.org/officeDocument/2006/relationships" xmlns:p="http://schemas.openxmlformats.org/presentationml/2006/main">
+  <p:cSld>
+    <p:spTree>
+      <p:nvGrpSpPr>
+        <p:cNvPr id="1" name=""/>
+        <p:cNvGrpSpPr/>
+        <p:nvPr/>
+      </p:nvGrpSpPr>
+      <p:grpSpPr>
+        <a:xfrm>
+          <a:off x="0" y="0"/>
+          <a:ext cx="0" cy="0"/>
+          <a:chOff x="0" y="0"/>
+          <a:chExt cx="0" cy="0"/>
+        </a:xfrm>
+      </p:grpSpPr>
+      <p:sp>
+        <p:nvSpPr>
+          <p:cNvPr id="2" name="Slide Image Placeholder 1"/>
+          <p:cNvSpPr>
+            <a:spLocks noGrp="1" noRot="1" noChangeAspect="1"/>
+          </p:cNvSpPr>
+          <p:nvPr>
+            <p:ph type="sldImg"/>
+          </p:nvPr>
+        </p:nvSpPr>
+        <p:spPr/>
+      </p:sp>
+      <p:sp>
+        <p:nvSpPr>
+          <p:cNvPr id="3" name="Notes Placeholder 2"/>
+          <p:cNvSpPr>
+            <a:spLocks noGrp="1"/>
+          </p:cNvSpPr>
+          <p:nvPr>
+            <p:ph type="body" idx="1"/>
+          </p:nvPr>
+        </p:nvSpPr>
+        <p:spPr/>
+        <p:txBody>
+          <a:bodyPr>
+            <a:normAutofit/>
+          </a:bodyPr>
+          <a:lstStyle/>
+          <a:p>
+            <a:endParaRPr lang="en-GB"/>
+          </a:p>
+        </p:txBody>
+      </p:sp>
+      <p:sp>
+        <p:nvSpPr>
+          <p:cNvPr id="4" name="Slide Number Placeholder 3"/>
+          <p:cNvSpPr>
+            <a:spLocks noGrp="1"/>
+          </p:cNvSpPr>
+          <p:nvPr>
+            <p:ph type="sldNum" sz="quarter" idx="10"/>
+          </p:nvPr>
+        </p:nvSpPr>
+        <p:spPr/>
+        <p:txBody>
+          <a:bodyPr/>
+          <a:lstStyle/>
+          <a:p>
+            <a:fld id="{67768334-229D-42F3-B14D-CAD03AE00597}" type="slidenum">
+              <a:rPr lang="en-GB" smtClean="0"/>
+              <a:t>10</a:t>
+            </a:fld>
+            <a:endParaRPr lang="en-GB"/>
+          </a:p>
+        </p:txBody>
+      </p:sp>
+    </p:spTree>
+  </p:cSld>
+  <p:clrMapOvr>
+    <a:masterClrMapping/>
+  </p:clrMapOvr>
+</p:notes>
+</file>
+
+<file path=ppt/notesSlides/notesSlide11.xml><?xml version="1.0" encoding="utf-8"?>
+<p:notes xmlns:a="http://schemas.openxmlformats.org/drawingml/2006/main" xmlns:r="http://schemas.openxmlformats.org/officeDocument/2006/relationships" xmlns:p="http://schemas.openxmlformats.org/presentationml/2006/main">
+  <p:cSld>
+    <p:spTree>
+      <p:nvGrpSpPr>
+        <p:cNvPr id="1" name=""/>
+        <p:cNvGrpSpPr/>
+        <p:nvPr/>
+      </p:nvGrpSpPr>
+      <p:grpSpPr>
+        <a:xfrm>
+          <a:off x="0" y="0"/>
+          <a:ext cx="0" cy="0"/>
+          <a:chOff x="0" y="0"/>
+          <a:chExt cx="0" cy="0"/>
+        </a:xfrm>
+      </p:grpSpPr>
+      <p:sp>
+        <p:nvSpPr>
+          <p:cNvPr id="2" name="Slide Image Placeholder 1"/>
+          <p:cNvSpPr>
+            <a:spLocks noGrp="1" noRot="1" noChangeAspect="1"/>
+          </p:cNvSpPr>
+          <p:nvPr>
+            <p:ph type="sldImg"/>
+          </p:nvPr>
+        </p:nvSpPr>
+        <p:spPr/>
+      </p:sp>
+      <p:sp>
+        <p:nvSpPr>
+          <p:cNvPr id="3" name="Notes Placeholder 2"/>
+          <p:cNvSpPr>
+            <a:spLocks noGrp="1"/>
+          </p:cNvSpPr>
+          <p:nvPr>
+            <p:ph type="body" idx="1"/>
+          </p:nvPr>
+        </p:nvSpPr>
+        <p:spPr/>
+        <p:txBody>
+          <a:bodyPr>
+            <a:normAutofit/>
+          </a:bodyPr>
+          <a:lstStyle/>
+          <a:p>
+            <a:endParaRPr lang="en-GB"/>
+          </a:p>
+        </p:txBody>
+      </p:sp>
+      <p:sp>
+        <p:nvSpPr>
+          <p:cNvPr id="4" name="Slide Number Placeholder 3"/>
+          <p:cNvSpPr>
+            <a:spLocks noGrp="1"/>
+          </p:cNvSpPr>
+          <p:nvPr>
+            <p:ph type="sldNum" sz="quarter" idx="10"/>
+          </p:nvPr>
+        </p:nvSpPr>
+        <p:spPr/>
+        <p:txBody>
+          <a:bodyPr/>
+          <a:lstStyle/>
+          <a:p>
+            <a:fld id="{67768334-229D-42F3-B14D-CAD03AE00597}" type="slidenum">
+              <a:rPr lang="en-GB" smtClean="0"/>
+              <a:t>11</a:t>
+            </a:fld>
+            <a:endParaRPr lang="en-GB"/>
+          </a:p>
+        </p:txBody>
+      </p:sp>
+    </p:spTree>
+  </p:cSld>
+  <p:clrMapOvr>
+    <a:masterClrMapping/>
+  </p:clrMapOvr>
+</p:notes>
+</file>
+
+<file path=ppt/notesSlides/notesSlide12.xml><?xml version="1.0" encoding="utf-8"?>
+<p:notes xmlns:a="http://schemas.openxmlformats.org/drawingml/2006/main" xmlns:r="http://schemas.openxmlformats.org/officeDocument/2006/relationships" xmlns:p="http://schemas.openxmlformats.org/presentationml/2006/main">
+  <p:cSld>
+    <p:spTree>
+      <p:nvGrpSpPr>
+        <p:cNvPr id="1" name=""/>
+        <p:cNvGrpSpPr/>
+        <p:nvPr/>
+      </p:nvGrpSpPr>
+      <p:grpSpPr>
+        <a:xfrm>
+          <a:off x="0" y="0"/>
+          <a:ext cx="0" cy="0"/>
+          <a:chOff x="0" y="0"/>
+          <a:chExt cx="0" cy="0"/>
+        </a:xfrm>
+      </p:grpSpPr>
+      <p:sp>
+        <p:nvSpPr>
+          <p:cNvPr id="2" name="Slide Image Placeholder 1"/>
+          <p:cNvSpPr>
+            <a:spLocks noGrp="1" noRot="1" noChangeAspect="1"/>
+          </p:cNvSpPr>
+          <p:nvPr>
+            <p:ph type="sldImg"/>
+          </p:nvPr>
+        </p:nvSpPr>
+        <p:spPr/>
+      </p:sp>
+      <p:sp>
+        <p:nvSpPr>
+          <p:cNvPr id="3" name="Notes Placeholder 2"/>
+          <p:cNvSpPr>
+            <a:spLocks noGrp="1"/>
+          </p:cNvSpPr>
+          <p:nvPr>
+            <p:ph type="body" idx="1"/>
+          </p:nvPr>
+        </p:nvSpPr>
+        <p:spPr/>
+        <p:txBody>
+          <a:bodyPr>
+            <a:normAutofit/>
+          </a:bodyPr>
+          <a:lstStyle/>
+          <a:p>
+            <a:endParaRPr lang="en-GB"/>
+          </a:p>
+        </p:txBody>
+      </p:sp>
+      <p:sp>
+        <p:nvSpPr>
+          <p:cNvPr id="4" name="Slide Number Placeholder 3"/>
+          <p:cNvSpPr>
+            <a:spLocks noGrp="1"/>
+          </p:cNvSpPr>
+          <p:nvPr>
+            <p:ph type="sldNum" sz="quarter" idx="10"/>
+          </p:nvPr>
+        </p:nvSpPr>
+        <p:spPr/>
+        <p:txBody>
+          <a:bodyPr/>
+          <a:lstStyle/>
+          <a:p>
+            <a:fld id="{67768334-229D-42F3-B14D-CAD03AE00597}" type="slidenum">
+              <a:rPr lang="en-GB" smtClean="0"/>
+              <a:t>12</a:t>
+            </a:fld>
+            <a:endParaRPr lang="en-GB"/>
+          </a:p>
+        </p:txBody>
+      </p:sp>
+    </p:spTree>
+  </p:cSld>
+  <p:clrMapOvr>
+    <a:masterClrMapping/>
+  </p:clrMapOvr>
+</p:notes>
+</file>
+
+<file path=ppt/notesSlides/notesSlide13.xml><?xml version="1.0" encoding="utf-8"?>
+<p:notes xmlns:a="http://schemas.openxmlformats.org/drawingml/2006/main" xmlns:r="http://schemas.openxmlformats.org/officeDocument/2006/relationships" xmlns:p="http://schemas.openxmlformats.org/presentationml/2006/main">
+  <p:cSld>
+    <p:spTree>
+      <p:nvGrpSpPr>
+        <p:cNvPr id="1" name=""/>
+        <p:cNvGrpSpPr/>
+        <p:nvPr/>
+      </p:nvGrpSpPr>
+      <p:grpSpPr>
+        <a:xfrm>
+          <a:off x="0" y="0"/>
+          <a:ext cx="0" cy="0"/>
+          <a:chOff x="0" y="0"/>
+          <a:chExt cx="0" cy="0"/>
+        </a:xfrm>
+      </p:grpSpPr>
+      <p:sp>
+        <p:nvSpPr>
+          <p:cNvPr id="2" name="Slide Image Placeholder 1"/>
+          <p:cNvSpPr>
+            <a:spLocks noGrp="1" noRot="1" noChangeAspect="1"/>
+          </p:cNvSpPr>
+          <p:nvPr>
+            <p:ph type="sldImg"/>
+          </p:nvPr>
+        </p:nvSpPr>
+        <p:spPr/>
+      </p:sp>
+      <p:sp>
+        <p:nvSpPr>
+          <p:cNvPr id="3" name="Notes Placeholder 2"/>
+          <p:cNvSpPr>
+            <a:spLocks noGrp="1"/>
+          </p:cNvSpPr>
+          <p:nvPr>
+            <p:ph type="body" idx="1"/>
+          </p:nvPr>
+        </p:nvSpPr>
+        <p:spPr/>
+        <p:txBody>
+          <a:bodyPr>
+            <a:normAutofit/>
+          </a:bodyPr>
+          <a:lstStyle/>
+          <a:p>
+            <a:endParaRPr lang="en-GB"/>
+          </a:p>
+        </p:txBody>
+      </p:sp>
+      <p:sp>
+        <p:nvSpPr>
+          <p:cNvPr id="4" name="Slide Number Placeholder 3"/>
+          <p:cNvSpPr>
+            <a:spLocks noGrp="1"/>
+          </p:cNvSpPr>
+          <p:nvPr>
+            <p:ph type="sldNum" sz="quarter" idx="10"/>
+          </p:nvPr>
+        </p:nvSpPr>
+        <p:spPr/>
+        <p:txBody>
+          <a:bodyPr/>
+          <a:lstStyle/>
+          <a:p>
+            <a:fld id="{67768334-229D-42F3-B14D-CAD03AE00597}" type="slidenum">
+              <a:rPr lang="en-GB" smtClean="0"/>
+              <a:t>13</a:t>
+            </a:fld>
+            <a:endParaRPr lang="en-GB"/>
+          </a:p>
+        </p:txBody>
+      </p:sp>
+    </p:spTree>
+  </p:cSld>
+  <p:clrMapOvr>
+    <a:masterClrMapping/>
+  </p:clrMapOvr>
+</p:notes>
+</file>
+
 <file path=ppt/notesSlides/notesSlide2.xml><?xml version="1.0" encoding="utf-8"?>
 <p:notes xmlns:a="http://schemas.openxmlformats.org/drawingml/2006/main" xmlns:r="http://schemas.openxmlformats.org/officeDocument/2006/relationships" xmlns:p="http://schemas.openxmlformats.org/presentationml/2006/main">
   <p:cSld>
@@ -1099,6 +1428,87 @@
             <a:fld id="{67768334-229D-42F3-B14D-CAD03AE00597}" type="slidenum">
               <a:rPr lang="en-GB" smtClean="0"/>
               <a:t>8</a:t>
+            </a:fld>
+            <a:endParaRPr lang="en-GB"/>
+          </a:p>
+        </p:txBody>
+      </p:sp>
+    </p:spTree>
+  </p:cSld>
+  <p:clrMapOvr>
+    <a:masterClrMapping/>
+  </p:clrMapOvr>
+</p:notes>
+</file>
+
+<file path=ppt/notesSlides/notesSlide9.xml><?xml version="1.0" encoding="utf-8"?>
+<p:notes xmlns:a="http://schemas.openxmlformats.org/drawingml/2006/main" xmlns:r="http://schemas.openxmlformats.org/officeDocument/2006/relationships" xmlns:p="http://schemas.openxmlformats.org/presentationml/2006/main">
+  <p:cSld>
+    <p:spTree>
+      <p:nvGrpSpPr>
+        <p:cNvPr id="1" name=""/>
+        <p:cNvGrpSpPr/>
+        <p:nvPr/>
+      </p:nvGrpSpPr>
+      <p:grpSpPr>
+        <a:xfrm>
+          <a:off x="0" y="0"/>
+          <a:ext cx="0" cy="0"/>
+          <a:chOff x="0" y="0"/>
+          <a:chExt cx="0" cy="0"/>
+        </a:xfrm>
+      </p:grpSpPr>
+      <p:sp>
+        <p:nvSpPr>
+          <p:cNvPr id="2" name="Slide Image Placeholder 1"/>
+          <p:cNvSpPr>
+            <a:spLocks noGrp="1" noRot="1" noChangeAspect="1"/>
+          </p:cNvSpPr>
+          <p:nvPr>
+            <p:ph type="sldImg"/>
+          </p:nvPr>
+        </p:nvSpPr>
+        <p:spPr/>
+      </p:sp>
+      <p:sp>
+        <p:nvSpPr>
+          <p:cNvPr id="3" name="Notes Placeholder 2"/>
+          <p:cNvSpPr>
+            <a:spLocks noGrp="1"/>
+          </p:cNvSpPr>
+          <p:nvPr>
+            <p:ph type="body" idx="1"/>
+          </p:nvPr>
+        </p:nvSpPr>
+        <p:spPr/>
+        <p:txBody>
+          <a:bodyPr>
+            <a:normAutofit/>
+          </a:bodyPr>
+          <a:lstStyle/>
+          <a:p>
+            <a:endParaRPr lang="en-GB"/>
+          </a:p>
+        </p:txBody>
+      </p:sp>
+      <p:sp>
+        <p:nvSpPr>
+          <p:cNvPr id="4" name="Slide Number Placeholder 3"/>
+          <p:cNvSpPr>
+            <a:spLocks noGrp="1"/>
+          </p:cNvSpPr>
+          <p:nvPr>
+            <p:ph type="sldNum" sz="quarter" idx="10"/>
+          </p:nvPr>
+        </p:nvSpPr>
+        <p:spPr/>
+        <p:txBody>
+          <a:bodyPr/>
+          <a:lstStyle/>
+          <a:p>
+            <a:fld id="{67768334-229D-42F3-B14D-CAD03AE00597}" type="slidenum">
+              <a:rPr lang="en-GB" smtClean="0"/>
+              <a:t>9</a:t>
             </a:fld>
             <a:endParaRPr lang="en-GB"/>
           </a:p>
@@ -4157,6 +4567,1371 @@
 </p:sld>
 </file>
 
+<file path=ppt/slides/slide10.xml><?xml version="1.0" encoding="utf-8"?>
+<p:sld xmlns:a="http://schemas.openxmlformats.org/drawingml/2006/main" xmlns:r="http://schemas.openxmlformats.org/officeDocument/2006/relationships" xmlns:p="http://schemas.openxmlformats.org/presentationml/2006/main">
+  <p:cSld>
+    <p:spTree>
+      <p:nvGrpSpPr>
+        <p:cNvPr id="1" name=""/>
+        <p:cNvGrpSpPr/>
+        <p:nvPr/>
+      </p:nvGrpSpPr>
+      <p:grpSpPr>
+        <a:xfrm>
+          <a:off x="0" y="0"/>
+          <a:ext cx="0" cy="0"/>
+          <a:chOff x="0" y="0"/>
+          <a:chExt cx="0" cy="0"/>
+        </a:xfrm>
+      </p:grpSpPr>
+      <p:sp>
+        <p:nvSpPr>
+          <p:cNvPr id="5" name="TextBox 4"/>
+          <p:cNvSpPr txBox="1"/>
+          <p:nvPr/>
+        </p:nvSpPr>
+        <p:spPr>
+          <a:xfrm>
+            <a:off x="285720" y="1500174"/>
+            <a:ext cx="7143800" cy="1200329"/>
+          </a:xfrm>
+          <a:prstGeom prst="rect">
+            <a:avLst/>
+          </a:prstGeom>
+          <a:solidFill>
+            <a:schemeClr val="bg1"/>
+          </a:solidFill>
+          <a:scene3d>
+            <a:camera prst="orthographicFront"/>
+            <a:lightRig rig="threePt" dir="t"/>
+          </a:scene3d>
+          <a:sp3d>
+            <a:bevelT w="165100" prst="coolSlant"/>
+          </a:sp3d>
+        </p:spPr>
+        <p:txBody>
+          <a:bodyPr wrap="square" rtlCol="0">
+            <a:spAutoFit/>
+          </a:bodyPr>
+          <a:lstStyle/>
+          <a:p>
+            <a:r>
+              <a:rPr lang="en-GB" sz="1200" dirty="0" smtClean="0">
+                <a:solidFill>
+                  <a:srgbClr val="7F0055"/>
+                </a:solidFill>
+                <a:latin typeface="Courier New"/>
+              </a:rPr>
+              <a:t>    if</a:t>
+            </a:r>
+            <a:r>
+              <a:rPr lang="en-GB" sz="1200" dirty="0" smtClean="0">
+                <a:solidFill>
+                  <a:srgbClr val="000000"/>
+                </a:solidFill>
+                <a:latin typeface="Courier New"/>
+              </a:rPr>
+              <a:t> (</a:t>
+            </a:r>
+            <a:r>
+              <a:rPr lang="en-GB" sz="1200" dirty="0" err="1" smtClean="0">
+                <a:solidFill>
+                  <a:srgbClr val="000000"/>
+                </a:solidFill>
+                <a:latin typeface="Courier New"/>
+              </a:rPr>
+              <a:t>senderflag.equals</a:t>
+            </a:r>
+            <a:r>
+              <a:rPr lang="en-GB" sz="1200" dirty="0" smtClean="0">
+                <a:solidFill>
+                  <a:srgbClr val="000000"/>
+                </a:solidFill>
+                <a:latin typeface="Courier New"/>
+              </a:rPr>
+              <a:t>(</a:t>
+            </a:r>
+            <a:r>
+              <a:rPr lang="en-GB" sz="1200" dirty="0" smtClean="0">
+                <a:solidFill>
+                  <a:srgbClr val="2A00FF"/>
+                </a:solidFill>
+                <a:latin typeface="Courier New"/>
+              </a:rPr>
+              <a:t>"REDIRECT"</a:t>
+            </a:r>
+            <a:r>
+              <a:rPr lang="en-GB" sz="1200" dirty="0" smtClean="0">
+                <a:solidFill>
+                  <a:srgbClr val="000000"/>
+                </a:solidFill>
+                <a:latin typeface="Courier New"/>
+              </a:rPr>
+              <a:t>)) {</a:t>
+            </a:r>
+          </a:p>
+          <a:p>
+            <a:r>
+              <a:rPr lang="en-GB" sz="1200" dirty="0" smtClean="0">
+                <a:solidFill>
+                  <a:srgbClr val="000000"/>
+                </a:solidFill>
+                <a:latin typeface="Courier New"/>
+              </a:rPr>
+              <a:t>      queue = </a:t>
+            </a:r>
+            <a:r>
+              <a:rPr lang="en-GB" sz="1200" dirty="0" err="1" smtClean="0">
+                <a:solidFill>
+                  <a:srgbClr val="0000C0"/>
+                </a:solidFill>
+                <a:latin typeface="Courier New"/>
+              </a:rPr>
+              <a:t>serviceProvider</a:t>
+            </a:r>
+            <a:r>
+              <a:rPr lang="en-GB" sz="1200" dirty="0" err="1" smtClean="0">
+                <a:solidFill>
+                  <a:srgbClr val="000000"/>
+                </a:solidFill>
+                <a:latin typeface="Courier New"/>
+              </a:rPr>
+              <a:t>.getQueue</a:t>
+            </a:r>
+            <a:r>
+              <a:rPr lang="en-GB" sz="1200" dirty="0" smtClean="0">
+                <a:solidFill>
+                  <a:srgbClr val="000000"/>
+                </a:solidFill>
+                <a:latin typeface="Courier New"/>
+              </a:rPr>
+              <a:t>(</a:t>
+            </a:r>
+            <a:r>
+              <a:rPr lang="en-GB" sz="1200" dirty="0" err="1" smtClean="0">
+                <a:solidFill>
+                  <a:srgbClr val="000000"/>
+                </a:solidFill>
+                <a:latin typeface="Courier New"/>
+              </a:rPr>
+              <a:t>MessageDrivenBean.</a:t>
+            </a:r>
+            <a:r>
+              <a:rPr lang="en-GB" sz="1200" i="1" dirty="0" err="1" smtClean="0">
+                <a:solidFill>
+                  <a:srgbClr val="0000C0"/>
+                </a:solidFill>
+                <a:latin typeface="Courier New"/>
+              </a:rPr>
+              <a:t>REDIRECT_QUEUE</a:t>
+            </a:r>
+            <a:r>
+              <a:rPr lang="en-GB" sz="1200" i="1" dirty="0" smtClean="0">
+                <a:solidFill>
+                  <a:srgbClr val="000000"/>
+                </a:solidFill>
+                <a:latin typeface="Courier New"/>
+              </a:rPr>
+              <a:t>);</a:t>
+            </a:r>
+          </a:p>
+          <a:p>
+            <a:r>
+              <a:rPr lang="en-GB" sz="1200" dirty="0" smtClean="0">
+                <a:solidFill>
+                  <a:srgbClr val="000000"/>
+                </a:solidFill>
+                <a:latin typeface="Courier New"/>
+              </a:rPr>
+              <a:t>    }</a:t>
+            </a:r>
+          </a:p>
+          <a:p>
+            <a:r>
+              <a:rPr lang="en-GB" sz="1200" dirty="0" smtClean="0">
+                <a:solidFill>
+                  <a:srgbClr val="7F0055"/>
+                </a:solidFill>
+                <a:latin typeface="Courier New"/>
+              </a:rPr>
+              <a:t>    else</a:t>
+            </a:r>
+            <a:r>
+              <a:rPr lang="en-GB" sz="1200" dirty="0" smtClean="0">
+                <a:solidFill>
+                  <a:srgbClr val="000000"/>
+                </a:solidFill>
+                <a:latin typeface="Courier New"/>
+              </a:rPr>
+              <a:t> {</a:t>
+            </a:r>
+          </a:p>
+          <a:p>
+            <a:r>
+              <a:rPr lang="en-GB" sz="1200" dirty="0" smtClean="0">
+                <a:solidFill>
+                  <a:srgbClr val="000000"/>
+                </a:solidFill>
+                <a:latin typeface="Courier New"/>
+              </a:rPr>
+              <a:t>      queue = </a:t>
+            </a:r>
+            <a:r>
+              <a:rPr lang="en-GB" sz="1200" dirty="0" err="1" smtClean="0">
+                <a:solidFill>
+                  <a:srgbClr val="0000C0"/>
+                </a:solidFill>
+                <a:latin typeface="Courier New"/>
+              </a:rPr>
+              <a:t>serviceProvider</a:t>
+            </a:r>
+            <a:r>
+              <a:rPr lang="en-GB" sz="1200" dirty="0" err="1" smtClean="0">
+                <a:solidFill>
+                  <a:srgbClr val="000000"/>
+                </a:solidFill>
+                <a:latin typeface="Courier New"/>
+              </a:rPr>
+              <a:t>.getQueue</a:t>
+            </a:r>
+            <a:r>
+              <a:rPr lang="en-GB" sz="1200" dirty="0" smtClean="0">
+                <a:solidFill>
+                  <a:srgbClr val="000000"/>
+                </a:solidFill>
+                <a:latin typeface="Courier New"/>
+              </a:rPr>
+              <a:t>(</a:t>
+            </a:r>
+            <a:r>
+              <a:rPr lang="en-GB" sz="1200" dirty="0" err="1" smtClean="0">
+                <a:solidFill>
+                  <a:srgbClr val="000000"/>
+                </a:solidFill>
+                <a:latin typeface="Courier New"/>
+              </a:rPr>
+              <a:t>MessageDrivenBean.</a:t>
+            </a:r>
+            <a:r>
+              <a:rPr lang="en-GB" sz="1200" i="1" dirty="0" err="1" smtClean="0">
+                <a:solidFill>
+                  <a:srgbClr val="0000C0"/>
+                </a:solidFill>
+                <a:latin typeface="Courier New"/>
+              </a:rPr>
+              <a:t>RESPONSE_QUEUE</a:t>
+            </a:r>
+            <a:r>
+              <a:rPr lang="en-GB" sz="1200" i="1" dirty="0" smtClean="0">
+                <a:solidFill>
+                  <a:srgbClr val="000000"/>
+                </a:solidFill>
+                <a:latin typeface="Courier New"/>
+              </a:rPr>
+              <a:t>);</a:t>
+            </a:r>
+          </a:p>
+          <a:p>
+            <a:r>
+              <a:rPr lang="en-GB" sz="1200" dirty="0" smtClean="0">
+                <a:solidFill>
+                  <a:srgbClr val="000000"/>
+                </a:solidFill>
+                <a:latin typeface="Courier New"/>
+              </a:rPr>
+              <a:t>    }</a:t>
+            </a:r>
+            <a:endParaRPr lang="en-GB" sz="1200" dirty="0"/>
+          </a:p>
+        </p:txBody>
+      </p:sp>
+      <p:sp>
+        <p:nvSpPr>
+          <p:cNvPr id="7" name="TextBox 6"/>
+          <p:cNvSpPr txBox="1"/>
+          <p:nvPr/>
+        </p:nvSpPr>
+        <p:spPr>
+          <a:xfrm>
+            <a:off x="285720" y="3143248"/>
+            <a:ext cx="7143800" cy="1569660"/>
+          </a:xfrm>
+          <a:prstGeom prst="rect">
+            <a:avLst/>
+          </a:prstGeom>
+          <a:solidFill>
+            <a:schemeClr val="bg1"/>
+          </a:solidFill>
+          <a:scene3d>
+            <a:camera prst="orthographicFront"/>
+            <a:lightRig rig="threePt" dir="t"/>
+          </a:scene3d>
+          <a:sp3d>
+            <a:bevelT w="165100" prst="coolSlant"/>
+          </a:sp3d>
+        </p:spPr>
+        <p:txBody>
+          <a:bodyPr wrap="square" rtlCol="0">
+            <a:spAutoFit/>
+          </a:bodyPr>
+          <a:lstStyle/>
+          <a:p>
+            <a:r>
+              <a:rPr lang="en-GB" sz="1200" dirty="0" smtClean="0">
+                <a:solidFill>
+                  <a:srgbClr val="000000"/>
+                </a:solidFill>
+                <a:latin typeface="Courier New"/>
+              </a:rPr>
+              <a:t>    </a:t>
+            </a:r>
+            <a:r>
+              <a:rPr lang="en-GB" sz="1200" dirty="0" err="1" smtClean="0">
+                <a:solidFill>
+                  <a:srgbClr val="000000"/>
+                </a:solidFill>
+                <a:latin typeface="Courier New"/>
+              </a:rPr>
+              <a:t>queueConnection</a:t>
+            </a:r>
+            <a:r>
+              <a:rPr lang="en-GB" sz="1200" dirty="0" smtClean="0">
+                <a:solidFill>
+                  <a:srgbClr val="000000"/>
+                </a:solidFill>
+                <a:latin typeface="Courier New"/>
+              </a:rPr>
+              <a:t> = </a:t>
+            </a:r>
+            <a:r>
+              <a:rPr lang="en-GB" sz="1200" dirty="0" err="1" smtClean="0">
+                <a:solidFill>
+                  <a:srgbClr val="000000"/>
+                </a:solidFill>
+                <a:latin typeface="Courier New"/>
+              </a:rPr>
+              <a:t>queueConnectionFactory.createQueueConnection</a:t>
+            </a:r>
+            <a:r>
+              <a:rPr lang="en-GB" sz="1200" dirty="0" smtClean="0">
+                <a:solidFill>
+                  <a:srgbClr val="000000"/>
+                </a:solidFill>
+                <a:latin typeface="Courier New"/>
+              </a:rPr>
+              <a:t>();</a:t>
+            </a:r>
+          </a:p>
+          <a:p>
+            <a:r>
+              <a:rPr lang="en-GB" sz="1200" dirty="0" smtClean="0">
+                <a:solidFill>
+                  <a:srgbClr val="000000"/>
+                </a:solidFill>
+                <a:latin typeface="Courier New"/>
+              </a:rPr>
+              <a:t>    </a:t>
+            </a:r>
+            <a:r>
+              <a:rPr lang="en-GB" sz="1200" dirty="0" err="1" smtClean="0">
+                <a:solidFill>
+                  <a:srgbClr val="000000"/>
+                </a:solidFill>
+                <a:latin typeface="Courier New"/>
+              </a:rPr>
+              <a:t>queueSession</a:t>
+            </a:r>
+            <a:r>
+              <a:rPr lang="en-GB" sz="1200" dirty="0" smtClean="0">
+                <a:solidFill>
+                  <a:srgbClr val="000000"/>
+                </a:solidFill>
+                <a:latin typeface="Courier New"/>
+              </a:rPr>
+              <a:t> = </a:t>
+            </a:r>
+            <a:r>
+              <a:rPr lang="en-GB" sz="1200" dirty="0" err="1" smtClean="0">
+                <a:solidFill>
+                  <a:srgbClr val="000000"/>
+                </a:solidFill>
+                <a:latin typeface="Courier New"/>
+              </a:rPr>
+              <a:t>queueConnection.createQueueSession</a:t>
+            </a:r>
+            <a:r>
+              <a:rPr lang="en-GB" sz="1200" dirty="0" smtClean="0">
+                <a:solidFill>
+                  <a:srgbClr val="000000"/>
+                </a:solidFill>
+                <a:latin typeface="Courier New"/>
+              </a:rPr>
+              <a:t>(</a:t>
+            </a:r>
+            <a:r>
+              <a:rPr lang="en-GB" sz="1200" dirty="0" smtClean="0">
+                <a:solidFill>
+                  <a:srgbClr val="7F0055"/>
+                </a:solidFill>
+                <a:latin typeface="Courier New"/>
+              </a:rPr>
+              <a:t>false</a:t>
+            </a:r>
+            <a:r>
+              <a:rPr lang="en-GB" sz="1200" dirty="0" smtClean="0">
+                <a:solidFill>
+                  <a:srgbClr val="000000"/>
+                </a:solidFill>
+                <a:latin typeface="Courier New"/>
+              </a:rPr>
+              <a:t>,  </a:t>
+            </a:r>
+          </a:p>
+          <a:p>
+            <a:r>
+              <a:rPr lang="en-GB" sz="1200" dirty="0" smtClean="0">
+                <a:solidFill>
+                  <a:srgbClr val="000000"/>
+                </a:solidFill>
+                <a:latin typeface="Courier New"/>
+              </a:rPr>
+              <a:t>                        </a:t>
+            </a:r>
+            <a:r>
+              <a:rPr lang="en-GB" sz="1200" dirty="0" err="1" smtClean="0">
+                <a:solidFill>
+                  <a:srgbClr val="000000"/>
+                </a:solidFill>
+                <a:latin typeface="Courier New"/>
+              </a:rPr>
+              <a:t>Session.</a:t>
+            </a:r>
+            <a:r>
+              <a:rPr lang="en-GB" sz="1200" i="1" dirty="0" err="1" smtClean="0">
+                <a:solidFill>
+                  <a:srgbClr val="0000C0"/>
+                </a:solidFill>
+                <a:latin typeface="Courier New"/>
+              </a:rPr>
+              <a:t>AUTO_ACKNOWLEDGE</a:t>
+            </a:r>
+            <a:r>
+              <a:rPr lang="en-GB" sz="1200" i="1" dirty="0" smtClean="0">
+                <a:solidFill>
+                  <a:srgbClr val="000000"/>
+                </a:solidFill>
+                <a:latin typeface="Courier New"/>
+              </a:rPr>
+              <a:t>);</a:t>
+            </a:r>
+          </a:p>
+          <a:p>
+            <a:r>
+              <a:rPr lang="en-GB" sz="1200" dirty="0" smtClean="0">
+                <a:solidFill>
+                  <a:srgbClr val="000000"/>
+                </a:solidFill>
+                <a:latin typeface="Courier New"/>
+              </a:rPr>
+              <a:t>    ...</a:t>
+            </a:r>
+          </a:p>
+          <a:p>
+            <a:r>
+              <a:rPr lang="en-GB" sz="1200" dirty="0" smtClean="0">
+                <a:solidFill>
+                  <a:srgbClr val="000000"/>
+                </a:solidFill>
+                <a:latin typeface="Courier New"/>
+              </a:rPr>
+              <a:t>    </a:t>
+            </a:r>
+            <a:r>
+              <a:rPr lang="en-GB" sz="1200" b="1" dirty="0" err="1" smtClean="0">
+                <a:solidFill>
+                  <a:srgbClr val="000000"/>
+                </a:solidFill>
+                <a:latin typeface="Courier New"/>
+              </a:rPr>
+              <a:t>textMessage.setText</a:t>
+            </a:r>
+            <a:r>
+              <a:rPr lang="en-GB" sz="1200" b="1" dirty="0" smtClean="0">
+                <a:solidFill>
+                  <a:srgbClr val="000000"/>
+                </a:solidFill>
+                <a:latin typeface="Courier New"/>
+              </a:rPr>
+              <a:t>(text);</a:t>
+            </a:r>
+          </a:p>
+          <a:p>
+            <a:r>
+              <a:rPr lang="en-GB" sz="1200" dirty="0" smtClean="0">
+                <a:solidFill>
+                  <a:srgbClr val="000000"/>
+                </a:solidFill>
+                <a:latin typeface="Courier New"/>
+              </a:rPr>
+              <a:t>    </a:t>
+            </a:r>
+            <a:r>
+              <a:rPr lang="en-GB" sz="1200" dirty="0" err="1" smtClean="0">
+                <a:solidFill>
+                  <a:srgbClr val="000000"/>
+                </a:solidFill>
+                <a:latin typeface="Courier New"/>
+              </a:rPr>
+              <a:t>textMessage.setStringProperty</a:t>
+            </a:r>
+            <a:r>
+              <a:rPr lang="en-GB" sz="1200" dirty="0" smtClean="0">
+                <a:solidFill>
+                  <a:srgbClr val="000000"/>
+                </a:solidFill>
+                <a:latin typeface="Courier New"/>
+              </a:rPr>
+              <a:t>(</a:t>
+            </a:r>
+            <a:r>
+              <a:rPr lang="en-GB" sz="1200" dirty="0" smtClean="0">
+                <a:solidFill>
+                  <a:srgbClr val="2A00FF"/>
+                </a:solidFill>
+                <a:latin typeface="Courier New"/>
+              </a:rPr>
+              <a:t>"</a:t>
+            </a:r>
+            <a:r>
+              <a:rPr lang="en-GB" sz="1200" dirty="0" err="1" smtClean="0">
+                <a:solidFill>
+                  <a:srgbClr val="2A00FF"/>
+                </a:solidFill>
+                <a:latin typeface="Courier New"/>
+              </a:rPr>
+              <a:t>messageId</a:t>
+            </a:r>
+            <a:r>
+              <a:rPr lang="en-GB" sz="1200" dirty="0" smtClean="0">
+                <a:solidFill>
+                  <a:srgbClr val="2A00FF"/>
+                </a:solidFill>
+                <a:latin typeface="Courier New"/>
+              </a:rPr>
+              <a:t>"</a:t>
+            </a:r>
+            <a:r>
+              <a:rPr lang="en-GB" sz="1200" dirty="0" smtClean="0">
+                <a:solidFill>
+                  <a:srgbClr val="000000"/>
+                </a:solidFill>
+                <a:latin typeface="Courier New"/>
+              </a:rPr>
+              <a:t>, </a:t>
+            </a:r>
+            <a:r>
+              <a:rPr lang="en-GB" sz="1200" dirty="0" err="1" smtClean="0">
+                <a:solidFill>
+                  <a:srgbClr val="000000"/>
+                </a:solidFill>
+                <a:latin typeface="Courier New"/>
+              </a:rPr>
+              <a:t>messageID</a:t>
+            </a:r>
+            <a:r>
+              <a:rPr lang="en-GB" sz="1200" dirty="0" smtClean="0">
+                <a:solidFill>
+                  <a:srgbClr val="000000"/>
+                </a:solidFill>
+                <a:latin typeface="Courier New"/>
+              </a:rPr>
+              <a:t>);</a:t>
+            </a:r>
+          </a:p>
+          <a:p>
+            <a:r>
+              <a:rPr lang="en-GB" sz="1200" dirty="0" smtClean="0">
+                <a:solidFill>
+                  <a:srgbClr val="000000"/>
+                </a:solidFill>
+                <a:latin typeface="Courier New"/>
+              </a:rPr>
+              <a:t>    </a:t>
+            </a:r>
+            <a:r>
+              <a:rPr lang="en-GB" sz="1200" dirty="0" err="1" smtClean="0">
+                <a:solidFill>
+                  <a:srgbClr val="000000"/>
+                </a:solidFill>
+                <a:latin typeface="Courier New"/>
+              </a:rPr>
+              <a:t>queueConnection.start</a:t>
+            </a:r>
+            <a:r>
+              <a:rPr lang="en-GB" sz="1200" dirty="0" smtClean="0">
+                <a:solidFill>
+                  <a:srgbClr val="000000"/>
+                </a:solidFill>
+                <a:latin typeface="Courier New"/>
+              </a:rPr>
+              <a:t>();</a:t>
+            </a:r>
+          </a:p>
+          <a:p>
+            <a:r>
+              <a:rPr lang="en-GB" sz="1200" dirty="0" smtClean="0">
+                <a:solidFill>
+                  <a:srgbClr val="000000"/>
+                </a:solidFill>
+                <a:latin typeface="Courier New"/>
+              </a:rPr>
+              <a:t>    </a:t>
+            </a:r>
+            <a:r>
+              <a:rPr lang="en-GB" sz="1200" b="1" dirty="0" err="1" smtClean="0">
+                <a:solidFill>
+                  <a:srgbClr val="000000"/>
+                </a:solidFill>
+                <a:latin typeface="Courier New"/>
+              </a:rPr>
+              <a:t>queueSender.send</a:t>
+            </a:r>
+            <a:r>
+              <a:rPr lang="en-GB" sz="1200" b="1" dirty="0" smtClean="0">
+                <a:solidFill>
+                  <a:srgbClr val="000000"/>
+                </a:solidFill>
+                <a:latin typeface="Courier New"/>
+              </a:rPr>
+              <a:t>(</a:t>
+            </a:r>
+            <a:r>
+              <a:rPr lang="en-GB" sz="1200" b="1" dirty="0" err="1" smtClean="0">
+                <a:solidFill>
+                  <a:srgbClr val="000000"/>
+                </a:solidFill>
+                <a:latin typeface="Courier New"/>
+              </a:rPr>
+              <a:t>textMessage</a:t>
+            </a:r>
+            <a:r>
+              <a:rPr lang="en-GB" sz="1200" b="1" dirty="0" smtClean="0">
+                <a:solidFill>
+                  <a:srgbClr val="000000"/>
+                </a:solidFill>
+                <a:latin typeface="Courier New"/>
+              </a:rPr>
+              <a:t>);</a:t>
+            </a:r>
+            <a:endParaRPr lang="en-GB" sz="1200" b="1" dirty="0" smtClean="0">
+              <a:solidFill>
+                <a:srgbClr val="000000"/>
+              </a:solidFill>
+              <a:latin typeface="Courier New"/>
+            </a:endParaRPr>
+          </a:p>
+        </p:txBody>
+      </p:sp>
+      <p:sp>
+        <p:nvSpPr>
+          <p:cNvPr id="9" name="Title 1"/>
+          <p:cNvSpPr>
+            <a:spLocks noGrp="1"/>
+          </p:cNvSpPr>
+          <p:nvPr>
+            <p:ph type="title"/>
+          </p:nvPr>
+        </p:nvSpPr>
+        <p:spPr>
+          <a:xfrm>
+            <a:off x="457200" y="274638"/>
+            <a:ext cx="8229600" cy="1143000"/>
+          </a:xfrm>
+        </p:spPr>
+        <p:txBody>
+          <a:bodyPr/>
+          <a:lstStyle/>
+          <a:p>
+            <a:r>
+              <a:rPr lang="en-GB" dirty="0" smtClean="0"/>
+              <a:t>Business Logic</a:t>
+            </a:r>
+            <a:endParaRPr lang="en-GB" dirty="0"/>
+          </a:p>
+        </p:txBody>
+      </p:sp>
+      <p:sp>
+        <p:nvSpPr>
+          <p:cNvPr id="10" name="TextBox 9"/>
+          <p:cNvSpPr txBox="1"/>
+          <p:nvPr/>
+        </p:nvSpPr>
+        <p:spPr>
+          <a:xfrm>
+            <a:off x="285720" y="1142984"/>
+            <a:ext cx="2222532" cy="369332"/>
+          </a:xfrm>
+          <a:prstGeom prst="rect">
+            <a:avLst/>
+          </a:prstGeom>
+          <a:noFill/>
+        </p:spPr>
+        <p:txBody>
+          <a:bodyPr wrap="none" rtlCol="0">
+            <a:spAutoFit/>
+          </a:bodyPr>
+          <a:lstStyle/>
+          <a:p>
+            <a:r>
+              <a:rPr lang="en-GB" dirty="0" smtClean="0">
+                <a:solidFill>
+                  <a:schemeClr val="bg1"/>
+                </a:solidFill>
+              </a:rPr>
+              <a:t>Switch on parameters</a:t>
+            </a:r>
+            <a:endParaRPr lang="en-GB" dirty="0">
+              <a:solidFill>
+                <a:schemeClr val="bg1"/>
+              </a:solidFill>
+            </a:endParaRPr>
+          </a:p>
+        </p:txBody>
+      </p:sp>
+      <p:sp>
+        <p:nvSpPr>
+          <p:cNvPr id="11" name="TextBox 10"/>
+          <p:cNvSpPr txBox="1"/>
+          <p:nvPr/>
+        </p:nvSpPr>
+        <p:spPr>
+          <a:xfrm>
+            <a:off x="285720" y="2786058"/>
+            <a:ext cx="3708451" cy="369332"/>
+          </a:xfrm>
+          <a:prstGeom prst="rect">
+            <a:avLst/>
+          </a:prstGeom>
+          <a:noFill/>
+        </p:spPr>
+        <p:txBody>
+          <a:bodyPr wrap="none" rtlCol="0">
+            <a:spAutoFit/>
+          </a:bodyPr>
+          <a:lstStyle/>
+          <a:p>
+            <a:r>
+              <a:rPr lang="en-GB" dirty="0" smtClean="0">
+                <a:solidFill>
+                  <a:schemeClr val="bg1"/>
+                </a:solidFill>
+              </a:rPr>
+              <a:t>Some boilerplate, and some real logic</a:t>
+            </a:r>
+            <a:endParaRPr lang="en-GB" dirty="0">
+              <a:solidFill>
+                <a:schemeClr val="bg1"/>
+              </a:solidFill>
+            </a:endParaRPr>
+          </a:p>
+        </p:txBody>
+      </p:sp>
+      <p:sp>
+        <p:nvSpPr>
+          <p:cNvPr id="8" name="TextBox 7"/>
+          <p:cNvSpPr txBox="1"/>
+          <p:nvPr/>
+        </p:nvSpPr>
+        <p:spPr>
+          <a:xfrm>
+            <a:off x="285720" y="5288340"/>
+            <a:ext cx="7143800" cy="830997"/>
+          </a:xfrm>
+          <a:prstGeom prst="rect">
+            <a:avLst/>
+          </a:prstGeom>
+          <a:solidFill>
+            <a:schemeClr val="bg1"/>
+          </a:solidFill>
+          <a:scene3d>
+            <a:camera prst="orthographicFront"/>
+            <a:lightRig rig="threePt" dir="t"/>
+          </a:scene3d>
+          <a:sp3d>
+            <a:bevelT w="165100" prst="coolSlant"/>
+          </a:sp3d>
+        </p:spPr>
+        <p:txBody>
+          <a:bodyPr wrap="square" rtlCol="0">
+            <a:spAutoFit/>
+          </a:bodyPr>
+          <a:lstStyle/>
+          <a:p>
+            <a:r>
+              <a:rPr lang="en-GB" sz="1200" dirty="0" smtClean="0">
+                <a:solidFill>
+                  <a:srgbClr val="7F0055"/>
+                </a:solidFill>
+                <a:latin typeface="Courier New"/>
+              </a:rPr>
+              <a:t>  catch</a:t>
+            </a:r>
+            <a:r>
+              <a:rPr lang="en-GB" sz="1200" dirty="0" smtClean="0">
+                <a:solidFill>
+                  <a:srgbClr val="000000"/>
+                </a:solidFill>
+                <a:latin typeface="Courier New"/>
+              </a:rPr>
+              <a:t> (Exception e) {</a:t>
+            </a:r>
+          </a:p>
+          <a:p>
+            <a:r>
+              <a:rPr lang="en-GB" sz="1200" dirty="0" smtClean="0">
+                <a:solidFill>
+                  <a:srgbClr val="0000C0"/>
+                </a:solidFill>
+                <a:latin typeface="Courier New"/>
+              </a:rPr>
+              <a:t>    logger</a:t>
+            </a:r>
+            <a:r>
+              <a:rPr lang="en-GB" sz="1200" dirty="0" smtClean="0">
+                <a:solidFill>
+                  <a:srgbClr val="000000"/>
+                </a:solidFill>
+                <a:latin typeface="Courier New"/>
+              </a:rPr>
+              <a:t>.info(</a:t>
+            </a:r>
+            <a:r>
+              <a:rPr lang="en-GB" sz="1200" dirty="0" smtClean="0">
+                <a:solidFill>
+                  <a:srgbClr val="2A00FF"/>
+                </a:solidFill>
+                <a:latin typeface="Courier New"/>
+              </a:rPr>
+              <a:t>"Unable to send message to the </a:t>
+            </a:r>
+            <a:r>
+              <a:rPr lang="en-GB" sz="1200" dirty="0" err="1" smtClean="0">
+                <a:solidFill>
+                  <a:srgbClr val="2A00FF"/>
+                </a:solidFill>
+                <a:latin typeface="Courier New"/>
+              </a:rPr>
+              <a:t>Queue"</a:t>
+            </a:r>
+            <a:r>
+              <a:rPr lang="en-GB" sz="1200" dirty="0" err="1" smtClean="0">
+                <a:solidFill>
+                  <a:srgbClr val="000000"/>
+                </a:solidFill>
+                <a:latin typeface="Courier New"/>
+              </a:rPr>
+              <a:t>,e</a:t>
+            </a:r>
+            <a:r>
+              <a:rPr lang="en-GB" sz="1200" dirty="0" smtClean="0">
+                <a:solidFill>
+                  <a:srgbClr val="000000"/>
+                </a:solidFill>
+                <a:latin typeface="Courier New"/>
+              </a:rPr>
+              <a:t>);</a:t>
+            </a:r>
+          </a:p>
+          <a:p>
+            <a:r>
+              <a:rPr lang="en-GB" sz="1200" dirty="0" smtClean="0">
+                <a:solidFill>
+                  <a:srgbClr val="000000"/>
+                </a:solidFill>
+                <a:latin typeface="Courier New"/>
+              </a:rPr>
+              <a:t>    </a:t>
+            </a:r>
+            <a:r>
+              <a:rPr lang="en-GB" sz="1200" b="1" dirty="0" err="1" smtClean="0">
+                <a:solidFill>
+                  <a:srgbClr val="000000"/>
+                </a:solidFill>
+                <a:latin typeface="Courier New"/>
+              </a:rPr>
+              <a:t>MessageDrivenBean.</a:t>
+            </a:r>
+            <a:r>
+              <a:rPr lang="en-GB" sz="1200" b="1" i="1" dirty="0" err="1" smtClean="0">
+                <a:solidFill>
+                  <a:srgbClr val="000000"/>
+                </a:solidFill>
+                <a:latin typeface="Courier New"/>
+              </a:rPr>
+              <a:t>sendMail</a:t>
+            </a:r>
+            <a:r>
+              <a:rPr lang="en-GB" sz="1200" b="1" i="1" dirty="0" smtClean="0">
+                <a:solidFill>
+                  <a:srgbClr val="000000"/>
+                </a:solidFill>
+                <a:latin typeface="Courier New"/>
+              </a:rPr>
+              <a:t>(</a:t>
+            </a:r>
+            <a:r>
+              <a:rPr lang="en-GB" sz="1200" b="1" i="1" dirty="0" err="1" smtClean="0">
+                <a:solidFill>
+                  <a:srgbClr val="000000"/>
+                </a:solidFill>
+                <a:latin typeface="Courier New"/>
+              </a:rPr>
+              <a:t>e.getMessage</a:t>
+            </a:r>
+            <a:r>
+              <a:rPr lang="en-GB" sz="1200" b="1" i="1" dirty="0" smtClean="0">
+                <a:solidFill>
+                  <a:srgbClr val="000000"/>
+                </a:solidFill>
+                <a:latin typeface="Courier New"/>
+              </a:rPr>
+              <a:t>());</a:t>
+            </a:r>
+          </a:p>
+          <a:p>
+            <a:r>
+              <a:rPr lang="en-GB" sz="1200" dirty="0" smtClean="0">
+                <a:solidFill>
+                  <a:srgbClr val="000000"/>
+                </a:solidFill>
+                <a:latin typeface="Courier New"/>
+              </a:rPr>
+              <a:t>  }</a:t>
+            </a:r>
+            <a:endParaRPr lang="en-GB" sz="1200" b="1" dirty="0" smtClean="0">
+              <a:solidFill>
+                <a:srgbClr val="000000"/>
+              </a:solidFill>
+              <a:latin typeface="Courier New"/>
+            </a:endParaRPr>
+          </a:p>
+        </p:txBody>
+      </p:sp>
+      <p:sp>
+        <p:nvSpPr>
+          <p:cNvPr id="12" name="TextBox 11"/>
+          <p:cNvSpPr txBox="1"/>
+          <p:nvPr/>
+        </p:nvSpPr>
+        <p:spPr>
+          <a:xfrm>
+            <a:off x="285720" y="4931150"/>
+            <a:ext cx="1521057" cy="369332"/>
+          </a:xfrm>
+          <a:prstGeom prst="rect">
+            <a:avLst/>
+          </a:prstGeom>
+          <a:noFill/>
+        </p:spPr>
+        <p:txBody>
+          <a:bodyPr wrap="none" rtlCol="0">
+            <a:spAutoFit/>
+          </a:bodyPr>
+          <a:lstStyle/>
+          <a:p>
+            <a:r>
+              <a:rPr lang="en-GB" dirty="0" smtClean="0">
+                <a:solidFill>
+                  <a:schemeClr val="bg1"/>
+                </a:solidFill>
+              </a:rPr>
+              <a:t>Error handling</a:t>
+            </a:r>
+            <a:endParaRPr lang="en-GB" dirty="0">
+              <a:solidFill>
+                <a:schemeClr val="bg1"/>
+              </a:solidFill>
+            </a:endParaRPr>
+          </a:p>
+        </p:txBody>
+      </p:sp>
+    </p:spTree>
+  </p:cSld>
+  <p:clrMapOvr>
+    <a:masterClrMapping/>
+  </p:clrMapOvr>
+</p:sld>
+</file>
+
+<file path=ppt/slides/slide11.xml><?xml version="1.0" encoding="utf-8"?>
+<p:sld xmlns:a="http://schemas.openxmlformats.org/drawingml/2006/main" xmlns:r="http://schemas.openxmlformats.org/officeDocument/2006/relationships" xmlns:p="http://schemas.openxmlformats.org/presentationml/2006/main">
+  <p:cSld>
+    <p:spTree>
+      <p:nvGrpSpPr>
+        <p:cNvPr id="1" name=""/>
+        <p:cNvGrpSpPr/>
+        <p:nvPr/>
+      </p:nvGrpSpPr>
+      <p:grpSpPr>
+        <a:xfrm>
+          <a:off x="0" y="0"/>
+          <a:ext cx="0" cy="0"/>
+          <a:chOff x="0" y="0"/>
+          <a:chExt cx="0" cy="0"/>
+        </a:xfrm>
+      </p:grpSpPr>
+      <p:sp>
+        <p:nvSpPr>
+          <p:cNvPr id="2" name="Title 1"/>
+          <p:cNvSpPr>
+            <a:spLocks noGrp="1"/>
+          </p:cNvSpPr>
+          <p:nvPr>
+            <p:ph type="title"/>
+          </p:nvPr>
+        </p:nvSpPr>
+        <p:spPr/>
+        <p:txBody>
+          <a:bodyPr/>
+          <a:lstStyle/>
+          <a:p>
+            <a:r>
+              <a:rPr lang="en-GB" dirty="0" smtClean="0"/>
+              <a:t>Testing the Business Logic</a:t>
+            </a:r>
+            <a:endParaRPr lang="en-GB" dirty="0"/>
+          </a:p>
+        </p:txBody>
+      </p:sp>
+      <p:sp>
+        <p:nvSpPr>
+          <p:cNvPr id="3" name="Content Placeholder 2"/>
+          <p:cNvSpPr>
+            <a:spLocks noGrp="1"/>
+          </p:cNvSpPr>
+          <p:nvPr>
+            <p:ph idx="1"/>
+          </p:nvPr>
+        </p:nvSpPr>
+        <p:spPr>
+          <a:xfrm>
+            <a:off x="457200" y="1600200"/>
+            <a:ext cx="8229600" cy="5114948"/>
+          </a:xfrm>
+        </p:spPr>
+        <p:txBody>
+          <a:bodyPr>
+            <a:normAutofit fontScale="70000" lnSpcReduction="20000"/>
+          </a:bodyPr>
+          <a:lstStyle/>
+          <a:p>
+            <a:r>
+              <a:rPr lang="en-GB" dirty="0" smtClean="0"/>
+              <a:t>Mocks + Stubs</a:t>
+            </a:r>
+          </a:p>
+          <a:p>
+            <a:pPr lvl="1"/>
+            <a:r>
+              <a:rPr lang="en-GB" dirty="0" err="1" smtClean="0"/>
+              <a:t>EasyMock</a:t>
+            </a:r>
+            <a:endParaRPr lang="en-GB" dirty="0" smtClean="0"/>
+          </a:p>
+          <a:p>
+            <a:endParaRPr lang="en-GB" dirty="0"/>
+          </a:p>
+          <a:p>
+            <a:r>
+              <a:rPr lang="en-GB" dirty="0" err="1" smtClean="0"/>
+              <a:t>PowerMock</a:t>
+            </a:r>
+            <a:endParaRPr lang="en-GB" dirty="0" smtClean="0"/>
+          </a:p>
+          <a:p>
+            <a:pPr lvl="1"/>
+            <a:r>
+              <a:rPr lang="en-GB" dirty="0" smtClean="0"/>
+              <a:t>Mock constructors and static methods</a:t>
+            </a:r>
+          </a:p>
+          <a:p>
+            <a:pPr lvl="1"/>
+            <a:r>
+              <a:rPr lang="en-GB" dirty="0" smtClean="0"/>
+              <a:t>The sledgehammer – great for breaking-up hard dependencies, a sign of problems if used for everyday jobs.</a:t>
+            </a:r>
+          </a:p>
+          <a:p>
+            <a:endParaRPr lang="en-GB" dirty="0" smtClean="0"/>
+          </a:p>
+          <a:p>
+            <a:r>
+              <a:rPr lang="en-GB" dirty="0" smtClean="0"/>
+              <a:t>Treat test code like production code</a:t>
+            </a:r>
+          </a:p>
+          <a:p>
+            <a:pPr lvl="1"/>
+            <a:r>
+              <a:rPr lang="en-GB" dirty="0" smtClean="0"/>
+              <a:t>Refactor duplication out</a:t>
+            </a:r>
+          </a:p>
+          <a:p>
+            <a:pPr lvl="1"/>
+            <a:r>
+              <a:rPr lang="en-GB" dirty="0" smtClean="0"/>
+              <a:t>Keep tests small and focus</a:t>
+            </a:r>
+          </a:p>
+          <a:p>
+            <a:endParaRPr lang="en-GB" dirty="0"/>
+          </a:p>
+          <a:p>
+            <a:r>
+              <a:rPr lang="en-GB" dirty="0" smtClean="0"/>
+              <a:t>Characterisation tests != unit tests</a:t>
+            </a:r>
+          </a:p>
+          <a:p>
+            <a:pPr lvl="1"/>
+            <a:r>
+              <a:rPr lang="en-GB" dirty="0" smtClean="0"/>
+              <a:t>Trying to capture existing behaviour</a:t>
+            </a:r>
+          </a:p>
+          <a:p>
+            <a:pPr lvl="1"/>
+            <a:r>
+              <a:rPr lang="en-GB" dirty="0" smtClean="0"/>
+              <a:t>Expect to have to do more work</a:t>
+            </a:r>
+          </a:p>
+          <a:p>
+            <a:pPr lvl="1"/>
+            <a:r>
+              <a:rPr lang="en-GB" dirty="0" smtClean="0"/>
+              <a:t>Use test-coverage tools to look for missed behaviour</a:t>
+            </a:r>
+            <a:endParaRPr lang="en-GB" dirty="0"/>
+          </a:p>
+        </p:txBody>
+      </p:sp>
+    </p:spTree>
+  </p:cSld>
+  <p:clrMapOvr>
+    <a:masterClrMapping/>
+  </p:clrMapOvr>
+</p:sld>
+</file>
+
+<file path=ppt/slides/slide12.xml><?xml version="1.0" encoding="utf-8"?>
+<p:sld xmlns:a="http://schemas.openxmlformats.org/drawingml/2006/main" xmlns:r="http://schemas.openxmlformats.org/officeDocument/2006/relationships" xmlns:p="http://schemas.openxmlformats.org/presentationml/2006/main">
+  <p:cSld>
+    <p:spTree>
+      <p:nvGrpSpPr>
+        <p:cNvPr id="1" name=""/>
+        <p:cNvGrpSpPr/>
+        <p:nvPr/>
+      </p:nvGrpSpPr>
+      <p:grpSpPr>
+        <a:xfrm>
+          <a:off x="0" y="0"/>
+          <a:ext cx="0" cy="0"/>
+          <a:chOff x="0" y="0"/>
+          <a:chExt cx="0" cy="0"/>
+        </a:xfrm>
+      </p:grpSpPr>
+      <p:sp>
+        <p:nvSpPr>
+          <p:cNvPr id="2" name="Title 1"/>
+          <p:cNvSpPr>
+            <a:spLocks noGrp="1"/>
+          </p:cNvSpPr>
+          <p:nvPr>
+            <p:ph type="title"/>
+          </p:nvPr>
+        </p:nvSpPr>
+        <p:spPr/>
+        <p:txBody>
+          <a:bodyPr/>
+          <a:lstStyle/>
+          <a:p>
+            <a:r>
+              <a:rPr lang="en-GB" dirty="0" smtClean="0"/>
+              <a:t>And the payback is …</a:t>
+            </a:r>
+            <a:endParaRPr lang="en-GB" dirty="0"/>
+          </a:p>
+        </p:txBody>
+      </p:sp>
+      <p:sp>
+        <p:nvSpPr>
+          <p:cNvPr id="3" name="Content Placeholder 2"/>
+          <p:cNvSpPr>
+            <a:spLocks noGrp="1"/>
+          </p:cNvSpPr>
+          <p:nvPr>
+            <p:ph idx="1"/>
+          </p:nvPr>
+        </p:nvSpPr>
+        <p:spPr>
+          <a:xfrm>
+            <a:off x="457200" y="1600200"/>
+            <a:ext cx="5900750" cy="4525963"/>
+          </a:xfrm>
+        </p:spPr>
+        <p:txBody>
+          <a:bodyPr/>
+          <a:lstStyle/>
+          <a:p>
+            <a:r>
+              <a:rPr lang="en-GB" dirty="0" smtClean="0"/>
+              <a:t>With my tests is place I can</a:t>
+            </a:r>
+          </a:p>
+          <a:p>
+            <a:pPr lvl="1"/>
+            <a:r>
+              <a:rPr lang="en-GB" dirty="0" smtClean="0"/>
+              <a:t>Make these changes, and the next ones, and the next ones </a:t>
+            </a:r>
+          </a:p>
+          <a:p>
+            <a:pPr lvl="1"/>
+            <a:endParaRPr lang="en-GB" dirty="0" smtClean="0"/>
+          </a:p>
+          <a:p>
+            <a:pPr lvl="1"/>
+            <a:r>
+              <a:rPr lang="en-GB" dirty="0" smtClean="0"/>
+              <a:t>Refactor</a:t>
+            </a:r>
+          </a:p>
+          <a:p>
+            <a:pPr lvl="1"/>
+            <a:endParaRPr lang="en-GB" dirty="0" smtClean="0"/>
+          </a:p>
+          <a:p>
+            <a:pPr lvl="1"/>
+            <a:r>
+              <a:rPr lang="en-GB" dirty="0" smtClean="0"/>
+              <a:t>Add </a:t>
+            </a:r>
+            <a:r>
+              <a:rPr lang="en-GB" dirty="0"/>
+              <a:t>assertions to my build to stop the coverage from </a:t>
+            </a:r>
+            <a:r>
+              <a:rPr lang="en-GB" dirty="0" smtClean="0"/>
+              <a:t>falling</a:t>
+            </a:r>
+            <a:endParaRPr lang="en-GB" dirty="0"/>
+          </a:p>
+        </p:txBody>
+      </p:sp>
+      <p:pic>
+        <p:nvPicPr>
+          <p:cNvPr id="4" name="Content Placeholder 3" descr="bouncer-500.jpg"/>
+          <p:cNvPicPr>
+            <a:picLocks noChangeAspect="1"/>
+          </p:cNvPicPr>
+          <p:nvPr/>
+        </p:nvPicPr>
+        <p:blipFill>
+          <a:blip r:embed="rId3">
+            <a:lum bright="-19000"/>
+          </a:blip>
+          <a:stretch>
+            <a:fillRect/>
+          </a:stretch>
+        </p:blipFill>
+        <p:spPr>
+          <a:xfrm>
+            <a:off x="6858016" y="1714488"/>
+            <a:ext cx="2023124" cy="2857520"/>
+          </a:xfrm>
+          <a:prstGeom prst="rect">
+            <a:avLst/>
+          </a:prstGeom>
+        </p:spPr>
+      </p:pic>
+    </p:spTree>
+  </p:cSld>
+  <p:clrMapOvr>
+    <a:masterClrMapping/>
+  </p:clrMapOvr>
+</p:sld>
+</file>
+
+<file path=ppt/slides/slide13.xml><?xml version="1.0" encoding="utf-8"?>
+<p:sld xmlns:a="http://schemas.openxmlformats.org/drawingml/2006/main" xmlns:r="http://schemas.openxmlformats.org/officeDocument/2006/relationships" xmlns:p="http://schemas.openxmlformats.org/presentationml/2006/main">
+  <p:cSld>
+    <p:bg>
+      <p:bgPr>
+        <a:blipFill dpi="0" rotWithShape="1">
+          <a:blip r:embed="rId3">
+            <a:lum bright="-15000"/>
+          </a:blip>
+          <a:srcRect/>
+          <a:stretch>
+            <a:fillRect l="-3000" r="-3000"/>
+          </a:stretch>
+        </a:blipFill>
+        <a:effectLst/>
+      </p:bgPr>
+    </p:bg>
+    <p:spTree>
+      <p:nvGrpSpPr>
+        <p:cNvPr id="1" name=""/>
+        <p:cNvGrpSpPr/>
+        <p:nvPr/>
+      </p:nvGrpSpPr>
+      <p:grpSpPr>
+        <a:xfrm>
+          <a:off x="0" y="0"/>
+          <a:ext cx="0" cy="0"/>
+          <a:chOff x="0" y="0"/>
+          <a:chExt cx="0" cy="0"/>
+        </a:xfrm>
+      </p:grpSpPr>
+      <p:sp>
+        <p:nvSpPr>
+          <p:cNvPr id="4" name="TextBox 3"/>
+          <p:cNvSpPr txBox="1"/>
+          <p:nvPr/>
+        </p:nvSpPr>
+        <p:spPr>
+          <a:xfrm>
+            <a:off x="2786050" y="5286388"/>
+            <a:ext cx="3286148" cy="646331"/>
+          </a:xfrm>
+          <a:prstGeom prst="rect">
+            <a:avLst/>
+          </a:prstGeom>
+          <a:solidFill>
+            <a:schemeClr val="tx1"/>
+          </a:solidFill>
+        </p:spPr>
+        <p:txBody>
+          <a:bodyPr wrap="square" rtlCol="0">
+            <a:spAutoFit/>
+          </a:bodyPr>
+          <a:lstStyle/>
+          <a:p>
+            <a:endParaRPr lang="en-GB" sz="3600" dirty="0"/>
+          </a:p>
+        </p:txBody>
+      </p:sp>
+    </p:spTree>
+  </p:cSld>
+  <p:clrMapOvr>
+    <a:masterClrMapping/>
+  </p:clrMapOvr>
+</p:sld>
+</file>
+
 <file path=ppt/slides/slide2.xml><?xml version="1.0" encoding="utf-8"?>
 <p:sld xmlns:a="http://schemas.openxmlformats.org/drawingml/2006/main" xmlns:r="http://schemas.openxmlformats.org/officeDocument/2006/relationships" xmlns:p="http://schemas.openxmlformats.org/presentationml/2006/main">
   <p:cSld>
@@ -4253,7 +6028,7 @@
             <a:pPr lvl="2"/>
             <a:r>
               <a:rPr lang="en-GB" i="1" dirty="0" smtClean="0"/>
-              <a:t>“This tool is essential to the platform – fix it!”</a:t>
+              <a:t>“This tool is essential to the platform – we need you to fix it!”</a:t>
             </a:r>
           </a:p>
           <a:p>
@@ -4383,7 +6158,12 @@
             <p:ph idx="1"/>
           </p:nvPr>
         </p:nvSpPr>
-        <p:spPr/>
+        <p:spPr>
+          <a:xfrm>
+            <a:off x="457200" y="1600200"/>
+            <a:ext cx="6543692" cy="4525963"/>
+          </a:xfrm>
+        </p:spPr>
         <p:txBody>
           <a:bodyPr>
             <a:normAutofit/>
@@ -4413,7 +6193,7 @@
                   <a:schemeClr val="bg1"/>
                 </a:solidFill>
               </a:rPr>
-              <a:t>How do I make it safer?</a:t>
+              <a:t>How do I make my life a little safer?</a:t>
             </a:r>
           </a:p>
           <a:p>
@@ -4975,118 +6755,1503 @@
       </p:grpSpPr>
       <p:sp>
         <p:nvSpPr>
-          <p:cNvPr id="2" name="Title 1"/>
-          <p:cNvSpPr>
-            <a:spLocks noGrp="1"/>
-          </p:cNvSpPr>
-          <p:nvPr>
-            <p:ph type="title"/>
-          </p:nvPr>
-        </p:nvSpPr>
-        <p:spPr/>
-        <p:txBody>
-          <a:bodyPr/>
-          <a:lstStyle/>
-          <a:p>
-            <a:r>
-              <a:rPr lang="en-GB" dirty="0" smtClean="0"/>
-              <a:t>And the payback is …</a:t>
-            </a:r>
-            <a:endParaRPr lang="en-GB" dirty="0"/>
-          </a:p>
-        </p:txBody>
-      </p:sp>
-      <p:sp>
-        <p:nvSpPr>
-          <p:cNvPr id="3" name="Content Placeholder 2"/>
-          <p:cNvSpPr>
-            <a:spLocks noGrp="1"/>
-          </p:cNvSpPr>
-          <p:nvPr>
-            <p:ph idx="1"/>
-          </p:nvPr>
+          <p:cNvPr id="4" name="TextBox 3"/>
+          <p:cNvSpPr txBox="1"/>
+          <p:nvPr/>
         </p:nvSpPr>
         <p:spPr>
           <a:xfrm>
-            <a:off x="457200" y="1600200"/>
-            <a:ext cx="5900750" cy="4525963"/>
-          </a:xfrm>
-        </p:spPr>
-        <p:txBody>
-          <a:bodyPr/>
-          <a:lstStyle/>
-          <a:p>
-            <a:r>
-              <a:rPr lang="en-GB" dirty="0" smtClean="0"/>
-              <a:t>With my tests is place I can</a:t>
-            </a:r>
-          </a:p>
-          <a:p>
-            <a:pPr lvl="1"/>
-            <a:r>
-              <a:rPr lang="en-GB" dirty="0" smtClean="0"/>
-              <a:t>Make these changes, and the next ones, and the next ones </a:t>
-            </a:r>
-          </a:p>
-          <a:p>
-            <a:pPr lvl="1"/>
-            <a:endParaRPr lang="en-GB" dirty="0" smtClean="0"/>
-          </a:p>
-          <a:p>
-            <a:pPr lvl="1"/>
-            <a:r>
-              <a:rPr lang="en-GB" dirty="0" smtClean="0"/>
-              <a:t>Refactor</a:t>
-            </a:r>
-          </a:p>
-          <a:p>
-            <a:pPr lvl="1"/>
-            <a:endParaRPr lang="en-GB" dirty="0" smtClean="0"/>
-          </a:p>
-          <a:p>
-            <a:pPr lvl="1"/>
-            <a:r>
-              <a:rPr lang="en-GB" dirty="0" smtClean="0"/>
-              <a:t>Add </a:t>
-            </a:r>
-            <a:r>
-              <a:rPr lang="en-GB" dirty="0"/>
-              <a:t>assertions to my build to stop the coverage from </a:t>
-            </a:r>
-            <a:r>
-              <a:rPr lang="en-GB" dirty="0" smtClean="0"/>
-              <a:t>falling</a:t>
-            </a:r>
-            <a:endParaRPr lang="en-GB" dirty="0"/>
-          </a:p>
-        </p:txBody>
-      </p:sp>
-      <p:pic>
-        <p:nvPicPr>
-          <p:cNvPr id="4" name="Content Placeholder 3" descr="bouncer-500.jpg"/>
-          <p:cNvPicPr>
-            <a:picLocks noChangeAspect="1"/>
-          </p:cNvPicPr>
-          <p:nvPr/>
-        </p:nvPicPr>
-        <p:blipFill>
-          <a:blip r:embed="rId3">
-            <a:lum bright="-19000"/>
-          </a:blip>
-          <a:stretch>
-            <a:fillRect/>
-          </a:stretch>
-        </p:blipFill>
-        <p:spPr>
-          <a:xfrm>
-            <a:off x="6858016" y="1714488"/>
-            <a:ext cx="2023124" cy="2857520"/>
+            <a:off x="428596" y="1214422"/>
+            <a:ext cx="7715304" cy="5493812"/>
           </a:xfrm>
           <a:prstGeom prst="rect">
             <a:avLst/>
           </a:prstGeom>
+          <a:solidFill>
+            <a:schemeClr val="bg1"/>
+          </a:solidFill>
+          <a:scene3d>
+            <a:camera prst="orthographicFront"/>
+            <a:lightRig rig="threePt" dir="t"/>
+          </a:scene3d>
+          <a:sp3d>
+            <a:bevelT w="165100" prst="coolSlant"/>
+          </a:sp3d>
         </p:spPr>
-      </p:pic>
+        <p:txBody>
+          <a:bodyPr wrap="square" rtlCol="0">
+            <a:spAutoFit/>
+          </a:bodyPr>
+          <a:lstStyle/>
+          <a:p>
+            <a:r>
+              <a:rPr lang="en-GB" sz="900" dirty="0" smtClean="0">
+                <a:solidFill>
+                  <a:srgbClr val="000000"/>
+                </a:solidFill>
+                <a:latin typeface="Courier New"/>
+              </a:rPr>
+              <a:t>public class </a:t>
+            </a:r>
+            <a:r>
+              <a:rPr lang="en-GB" sz="900" dirty="0" err="1" smtClean="0">
+                <a:solidFill>
+                  <a:srgbClr val="000000"/>
+                </a:solidFill>
+                <a:latin typeface="Courier New"/>
+              </a:rPr>
+              <a:t>XMLSender</a:t>
+            </a:r>
+            <a:r>
+              <a:rPr lang="en-GB" sz="900" dirty="0" smtClean="0">
+                <a:solidFill>
+                  <a:srgbClr val="000000"/>
+                </a:solidFill>
+                <a:latin typeface="Courier New"/>
+              </a:rPr>
+              <a:t> {</a:t>
+            </a:r>
+          </a:p>
+          <a:p>
+            <a:endParaRPr lang="en-GB" sz="900" dirty="0" smtClean="0">
+              <a:solidFill>
+                <a:srgbClr val="000000"/>
+              </a:solidFill>
+              <a:latin typeface="Courier New"/>
+            </a:endParaRPr>
+          </a:p>
+          <a:p>
+            <a:r>
+              <a:rPr lang="en-GB" sz="900" dirty="0" smtClean="0">
+                <a:solidFill>
+                  <a:srgbClr val="000000"/>
+                </a:solidFill>
+                <a:latin typeface="Courier New"/>
+              </a:rPr>
+              <a:t>  </a:t>
+            </a:r>
+            <a:r>
+              <a:rPr lang="en-GB" sz="900" dirty="0" err="1" smtClean="0">
+                <a:solidFill>
+                  <a:srgbClr val="000000"/>
+                </a:solidFill>
+                <a:latin typeface="Courier New"/>
+              </a:rPr>
+              <a:t>XMLSender</a:t>
+            </a:r>
+            <a:r>
+              <a:rPr lang="en-GB" sz="900" dirty="0" smtClean="0">
+                <a:solidFill>
+                  <a:srgbClr val="000000"/>
+                </a:solidFill>
+                <a:latin typeface="Courier New"/>
+              </a:rPr>
+              <a:t>(Logger </a:t>
+            </a:r>
+            <a:r>
+              <a:rPr lang="en-GB" sz="900" dirty="0" err="1" smtClean="0">
+                <a:solidFill>
+                  <a:srgbClr val="000000"/>
+                </a:solidFill>
+                <a:latin typeface="Courier New"/>
+              </a:rPr>
+              <a:t>logger</a:t>
+            </a:r>
+            <a:r>
+              <a:rPr lang="en-GB" sz="900" dirty="0" smtClean="0">
+                <a:solidFill>
+                  <a:srgbClr val="000000"/>
+                </a:solidFill>
+                <a:latin typeface="Courier New"/>
+              </a:rPr>
+              <a:t>, String text, String </a:t>
+            </a:r>
+            <a:r>
+              <a:rPr lang="en-GB" sz="900" dirty="0" err="1" smtClean="0">
+                <a:solidFill>
+                  <a:srgbClr val="000000"/>
+                </a:solidFill>
+                <a:latin typeface="Courier New"/>
+              </a:rPr>
+              <a:t>messageID</a:t>
+            </a:r>
+            <a:r>
+              <a:rPr lang="en-GB" sz="900" dirty="0" smtClean="0">
+                <a:solidFill>
+                  <a:srgbClr val="000000"/>
+                </a:solidFill>
+                <a:latin typeface="Courier New"/>
+              </a:rPr>
+              <a:t>, String </a:t>
+            </a:r>
+            <a:r>
+              <a:rPr lang="en-GB" sz="900" dirty="0" err="1" smtClean="0">
+                <a:solidFill>
+                  <a:srgbClr val="000000"/>
+                </a:solidFill>
+                <a:latin typeface="Courier New"/>
+              </a:rPr>
+              <a:t>senderflag</a:t>
+            </a:r>
+            <a:r>
+              <a:rPr lang="en-GB" sz="900" dirty="0" smtClean="0">
+                <a:solidFill>
+                  <a:srgbClr val="000000"/>
+                </a:solidFill>
+                <a:latin typeface="Courier New"/>
+              </a:rPr>
+              <a:t>) {</a:t>
+            </a:r>
+          </a:p>
+          <a:p>
+            <a:r>
+              <a:rPr lang="en-GB" sz="900" dirty="0" smtClean="0">
+                <a:solidFill>
+                  <a:srgbClr val="7F0055"/>
+                </a:solidFill>
+                <a:latin typeface="Courier New"/>
+              </a:rPr>
+              <a:t>    </a:t>
+            </a:r>
+            <a:r>
+              <a:rPr lang="en-GB" sz="900" dirty="0" err="1" smtClean="0">
+                <a:solidFill>
+                  <a:srgbClr val="7F0055"/>
+                </a:solidFill>
+                <a:latin typeface="Courier New"/>
+              </a:rPr>
+              <a:t>this</a:t>
+            </a:r>
+            <a:r>
+              <a:rPr lang="en-GB" sz="900" dirty="0" err="1" smtClean="0">
+                <a:solidFill>
+                  <a:srgbClr val="000000"/>
+                </a:solidFill>
+                <a:latin typeface="Courier New"/>
+              </a:rPr>
+              <a:t>.</a:t>
+            </a:r>
+            <a:r>
+              <a:rPr lang="en-GB" sz="900" dirty="0" err="1" smtClean="0">
+                <a:solidFill>
+                  <a:srgbClr val="0000C0"/>
+                </a:solidFill>
+                <a:latin typeface="Courier New"/>
+              </a:rPr>
+              <a:t>logger</a:t>
+            </a:r>
+            <a:r>
+              <a:rPr lang="en-GB" sz="900" dirty="0" smtClean="0">
+                <a:solidFill>
+                  <a:srgbClr val="000000"/>
+                </a:solidFill>
+                <a:latin typeface="Courier New"/>
+              </a:rPr>
+              <a:t> = logger;</a:t>
+            </a:r>
+          </a:p>
+          <a:p>
+            <a:r>
+              <a:rPr lang="en-GB" sz="900" dirty="0" smtClean="0">
+                <a:solidFill>
+                  <a:srgbClr val="0000C0"/>
+                </a:solidFill>
+                <a:latin typeface="Courier New"/>
+              </a:rPr>
+              <a:t>    </a:t>
+            </a:r>
+            <a:r>
+              <a:rPr lang="en-GB" sz="900" dirty="0" err="1" smtClean="0">
+                <a:solidFill>
+                  <a:srgbClr val="0000C0"/>
+                </a:solidFill>
+                <a:latin typeface="Courier New"/>
+              </a:rPr>
+              <a:t>serviceProvider</a:t>
+            </a:r>
+            <a:r>
+              <a:rPr lang="en-GB" sz="900" dirty="0" smtClean="0">
+                <a:solidFill>
+                  <a:srgbClr val="000000"/>
+                </a:solidFill>
+                <a:latin typeface="Courier New"/>
+              </a:rPr>
+              <a:t> = </a:t>
+            </a:r>
+            <a:r>
+              <a:rPr lang="en-GB" sz="900" dirty="0" err="1" smtClean="0">
+                <a:solidFill>
+                  <a:srgbClr val="000000"/>
+                </a:solidFill>
+                <a:latin typeface="Courier New"/>
+              </a:rPr>
+              <a:t>JNDILookup.</a:t>
+            </a:r>
+            <a:r>
+              <a:rPr lang="en-GB" sz="900" i="1" dirty="0" err="1" smtClean="0">
+                <a:solidFill>
+                  <a:srgbClr val="000000"/>
+                </a:solidFill>
+                <a:latin typeface="Courier New"/>
+              </a:rPr>
+              <a:t>getInstance</a:t>
+            </a:r>
+            <a:r>
+              <a:rPr lang="en-GB" sz="900" i="1" dirty="0" smtClean="0">
+                <a:solidFill>
+                  <a:srgbClr val="000000"/>
+                </a:solidFill>
+                <a:latin typeface="Courier New"/>
+              </a:rPr>
+              <a:t>();</a:t>
+            </a:r>
+          </a:p>
+          <a:p>
+            <a:r>
+              <a:rPr lang="en-GB" sz="900" dirty="0" smtClean="0">
+                <a:solidFill>
+                  <a:srgbClr val="000000"/>
+                </a:solidFill>
+                <a:latin typeface="Courier New"/>
+              </a:rPr>
+              <a:t>    </a:t>
+            </a:r>
+            <a:r>
+              <a:rPr lang="en-GB" sz="900" dirty="0" err="1" smtClean="0">
+                <a:solidFill>
+                  <a:srgbClr val="000000"/>
+                </a:solidFill>
+                <a:latin typeface="Courier New"/>
+              </a:rPr>
+              <a:t>sendMessage</a:t>
+            </a:r>
+            <a:r>
+              <a:rPr lang="en-GB" sz="900" dirty="0" smtClean="0">
+                <a:solidFill>
+                  <a:srgbClr val="000000"/>
+                </a:solidFill>
+                <a:latin typeface="Courier New"/>
+              </a:rPr>
+              <a:t>(text, </a:t>
+            </a:r>
+            <a:r>
+              <a:rPr lang="en-GB" sz="900" dirty="0" err="1" smtClean="0">
+                <a:solidFill>
+                  <a:srgbClr val="000000"/>
+                </a:solidFill>
+                <a:latin typeface="Courier New"/>
+              </a:rPr>
+              <a:t>messageID</a:t>
+            </a:r>
+            <a:r>
+              <a:rPr lang="en-GB" sz="900" dirty="0" smtClean="0">
+                <a:solidFill>
+                  <a:srgbClr val="000000"/>
+                </a:solidFill>
+                <a:latin typeface="Courier New"/>
+              </a:rPr>
+              <a:t>, </a:t>
+            </a:r>
+            <a:r>
+              <a:rPr lang="en-GB" sz="900" dirty="0" err="1" smtClean="0">
+                <a:solidFill>
+                  <a:srgbClr val="000000"/>
+                </a:solidFill>
+                <a:latin typeface="Courier New"/>
+              </a:rPr>
+              <a:t>senderflag</a:t>
+            </a:r>
+            <a:r>
+              <a:rPr lang="en-GB" sz="900" dirty="0" smtClean="0">
+                <a:solidFill>
+                  <a:srgbClr val="000000"/>
+                </a:solidFill>
+                <a:latin typeface="Courier New"/>
+              </a:rPr>
+              <a:t>);</a:t>
+            </a:r>
+          </a:p>
+          <a:p>
+            <a:r>
+              <a:rPr lang="en-GB" sz="900" dirty="0" smtClean="0">
+                <a:solidFill>
+                  <a:srgbClr val="000000"/>
+                </a:solidFill>
+                <a:latin typeface="Courier New"/>
+              </a:rPr>
+              <a:t>  }</a:t>
+            </a:r>
+            <a:endParaRPr lang="en-GB" sz="900" dirty="0" smtClean="0"/>
+          </a:p>
+          <a:p>
+            <a:endParaRPr lang="en-GB" sz="900" dirty="0" smtClean="0">
+              <a:solidFill>
+                <a:srgbClr val="7F0055"/>
+              </a:solidFill>
+              <a:latin typeface="Courier New"/>
+            </a:endParaRPr>
+          </a:p>
+          <a:p>
+            <a:r>
+              <a:rPr lang="en-GB" sz="900" dirty="0" smtClean="0">
+                <a:solidFill>
+                  <a:srgbClr val="7F0055"/>
+                </a:solidFill>
+                <a:latin typeface="Courier New"/>
+              </a:rPr>
+              <a:t>  public</a:t>
+            </a:r>
+            <a:r>
+              <a:rPr lang="en-GB" sz="900" dirty="0" smtClean="0">
+                <a:solidFill>
+                  <a:srgbClr val="000000"/>
+                </a:solidFill>
+                <a:latin typeface="Courier New"/>
+              </a:rPr>
+              <a:t> </a:t>
+            </a:r>
+            <a:r>
+              <a:rPr lang="en-GB" sz="900" dirty="0" smtClean="0">
+                <a:solidFill>
+                  <a:srgbClr val="7F0055"/>
+                </a:solidFill>
+                <a:latin typeface="Courier New"/>
+              </a:rPr>
+              <a:t>void</a:t>
+            </a:r>
+            <a:r>
+              <a:rPr lang="en-GB" sz="900" dirty="0" smtClean="0">
+                <a:solidFill>
+                  <a:srgbClr val="000000"/>
+                </a:solidFill>
+                <a:latin typeface="Courier New"/>
+              </a:rPr>
+              <a:t> </a:t>
+            </a:r>
+            <a:r>
+              <a:rPr lang="en-GB" sz="900" dirty="0" err="1" smtClean="0">
+                <a:solidFill>
+                  <a:srgbClr val="000000"/>
+                </a:solidFill>
+                <a:latin typeface="Courier New"/>
+              </a:rPr>
+              <a:t>sendMessage</a:t>
+            </a:r>
+            <a:r>
+              <a:rPr lang="en-GB" sz="900" dirty="0" smtClean="0">
+                <a:solidFill>
+                  <a:srgbClr val="000000"/>
+                </a:solidFill>
+                <a:latin typeface="Courier New"/>
+              </a:rPr>
+              <a:t>(String text, String </a:t>
+            </a:r>
+            <a:r>
+              <a:rPr lang="en-GB" sz="900" dirty="0" err="1" smtClean="0">
+                <a:solidFill>
+                  <a:srgbClr val="000000"/>
+                </a:solidFill>
+                <a:latin typeface="Courier New"/>
+              </a:rPr>
+              <a:t>messageID</a:t>
+            </a:r>
+            <a:r>
+              <a:rPr lang="en-GB" sz="900" dirty="0" smtClean="0">
+                <a:solidFill>
+                  <a:srgbClr val="000000"/>
+                </a:solidFill>
+                <a:latin typeface="Courier New"/>
+              </a:rPr>
+              <a:t>, String </a:t>
+            </a:r>
+            <a:r>
+              <a:rPr lang="en-GB" sz="900" dirty="0" err="1" smtClean="0">
+                <a:solidFill>
+                  <a:srgbClr val="000000"/>
+                </a:solidFill>
+                <a:latin typeface="Courier New"/>
+              </a:rPr>
+              <a:t>senderflag</a:t>
+            </a:r>
+            <a:r>
+              <a:rPr lang="en-GB" sz="900" dirty="0" smtClean="0">
+                <a:solidFill>
+                  <a:srgbClr val="000000"/>
+                </a:solidFill>
+                <a:latin typeface="Courier New"/>
+              </a:rPr>
+              <a:t>) {</a:t>
+            </a:r>
+          </a:p>
+          <a:p>
+            <a:r>
+              <a:rPr lang="en-GB" sz="900" dirty="0" smtClean="0">
+                <a:solidFill>
+                  <a:srgbClr val="000000"/>
+                </a:solidFill>
+                <a:highlight>
+                  <a:srgbClr val="E8F2FE"/>
+                </a:highlight>
+                <a:latin typeface="Courier New"/>
+              </a:rPr>
+              <a:t>    </a:t>
+            </a:r>
+            <a:r>
+              <a:rPr lang="en-GB" sz="900" dirty="0" smtClean="0">
+                <a:solidFill>
+                  <a:srgbClr val="7F0055"/>
+                </a:solidFill>
+                <a:latin typeface="Courier New"/>
+              </a:rPr>
+              <a:t>try</a:t>
+            </a:r>
+            <a:r>
+              <a:rPr lang="en-GB" sz="900" dirty="0" smtClean="0">
+                <a:solidFill>
+                  <a:srgbClr val="000000"/>
+                </a:solidFill>
+                <a:latin typeface="Courier New"/>
+              </a:rPr>
+              <a:t> {</a:t>
+            </a:r>
+          </a:p>
+          <a:p>
+            <a:r>
+              <a:rPr lang="en-GB" sz="900" dirty="0" smtClean="0">
+                <a:solidFill>
+                  <a:srgbClr val="000000"/>
+                </a:solidFill>
+                <a:latin typeface="Courier New"/>
+              </a:rPr>
+              <a:t>      </a:t>
+            </a:r>
+            <a:r>
+              <a:rPr lang="en-GB" sz="900" dirty="0" err="1" smtClean="0">
+                <a:solidFill>
+                  <a:srgbClr val="000000"/>
+                </a:solidFill>
+                <a:latin typeface="Courier New"/>
+              </a:rPr>
+              <a:t>queueConnectionFactory</a:t>
+            </a:r>
+            <a:r>
+              <a:rPr lang="en-GB" sz="900" dirty="0" smtClean="0">
+                <a:solidFill>
+                  <a:srgbClr val="000000"/>
+                </a:solidFill>
+                <a:latin typeface="Courier New"/>
+              </a:rPr>
+              <a:t> = </a:t>
+            </a:r>
+            <a:r>
+              <a:rPr lang="en-GB" sz="900" dirty="0" err="1" smtClean="0">
+                <a:solidFill>
+                  <a:srgbClr val="0000C0"/>
+                </a:solidFill>
+                <a:latin typeface="Courier New"/>
+              </a:rPr>
+              <a:t>serviceProvider</a:t>
+            </a:r>
+            <a:endParaRPr lang="en-GB" sz="900" dirty="0" smtClean="0">
+              <a:solidFill>
+                <a:srgbClr val="0000C0"/>
+              </a:solidFill>
+              <a:latin typeface="Courier New"/>
+            </a:endParaRPr>
+          </a:p>
+          <a:p>
+            <a:r>
+              <a:rPr lang="en-GB" sz="900" dirty="0" smtClean="0">
+                <a:solidFill>
+                  <a:srgbClr val="000000"/>
+                </a:solidFill>
+                <a:latin typeface="Courier New"/>
+              </a:rPr>
+              <a:t>           .</a:t>
+            </a:r>
+            <a:r>
+              <a:rPr lang="en-GB" sz="900" dirty="0" err="1" smtClean="0">
+                <a:solidFill>
+                  <a:srgbClr val="000000"/>
+                </a:solidFill>
+                <a:latin typeface="Courier New"/>
+              </a:rPr>
+              <a:t>getQueueConnectionFactory</a:t>
+            </a:r>
+            <a:r>
+              <a:rPr lang="en-GB" sz="900" dirty="0" smtClean="0">
+                <a:solidFill>
+                  <a:srgbClr val="000000"/>
+                </a:solidFill>
+                <a:latin typeface="Courier New"/>
+              </a:rPr>
+              <a:t>(</a:t>
+            </a:r>
+            <a:r>
+              <a:rPr lang="en-GB" sz="900" dirty="0" err="1" smtClean="0">
+                <a:solidFill>
+                  <a:srgbClr val="000000"/>
+                </a:solidFill>
+                <a:latin typeface="Courier New"/>
+              </a:rPr>
+              <a:t>MessageDrivenBean.</a:t>
+            </a:r>
+            <a:r>
+              <a:rPr lang="en-GB" sz="900" i="1" dirty="0" err="1" smtClean="0">
+                <a:solidFill>
+                  <a:srgbClr val="0000C0"/>
+                </a:solidFill>
+                <a:latin typeface="Courier New"/>
+              </a:rPr>
+              <a:t>JMS_FACTORY</a:t>
+            </a:r>
+            <a:r>
+              <a:rPr lang="en-GB" sz="900" i="1" dirty="0" smtClean="0">
+                <a:solidFill>
+                  <a:srgbClr val="000000"/>
+                </a:solidFill>
+                <a:latin typeface="Courier New"/>
+              </a:rPr>
+              <a:t>);</a:t>
+            </a:r>
+          </a:p>
+          <a:p>
+            <a:r>
+              <a:rPr lang="en-GB" sz="900" dirty="0" smtClean="0">
+                <a:solidFill>
+                  <a:srgbClr val="7F0055"/>
+                </a:solidFill>
+                <a:latin typeface="Courier New"/>
+              </a:rPr>
+              <a:t>      if</a:t>
+            </a:r>
+            <a:r>
+              <a:rPr lang="en-GB" sz="900" dirty="0" smtClean="0">
+                <a:solidFill>
+                  <a:srgbClr val="000000"/>
+                </a:solidFill>
+                <a:latin typeface="Courier New"/>
+              </a:rPr>
+              <a:t> (</a:t>
+            </a:r>
+            <a:r>
+              <a:rPr lang="en-GB" sz="900" dirty="0" err="1" smtClean="0">
+                <a:solidFill>
+                  <a:srgbClr val="000000"/>
+                </a:solidFill>
+                <a:latin typeface="Courier New"/>
+              </a:rPr>
+              <a:t>senderflag.equals</a:t>
+            </a:r>
+            <a:r>
+              <a:rPr lang="en-GB" sz="900" dirty="0" smtClean="0">
+                <a:solidFill>
+                  <a:srgbClr val="000000"/>
+                </a:solidFill>
+                <a:latin typeface="Courier New"/>
+              </a:rPr>
+              <a:t>(</a:t>
+            </a:r>
+            <a:r>
+              <a:rPr lang="en-GB" sz="900" dirty="0" smtClean="0">
+                <a:solidFill>
+                  <a:srgbClr val="2A00FF"/>
+                </a:solidFill>
+                <a:latin typeface="Courier New"/>
+              </a:rPr>
+              <a:t>"REDIRECT"</a:t>
+            </a:r>
+            <a:r>
+              <a:rPr lang="en-GB" sz="900" dirty="0" smtClean="0">
+                <a:solidFill>
+                  <a:srgbClr val="000000"/>
+                </a:solidFill>
+                <a:latin typeface="Courier New"/>
+              </a:rPr>
+              <a:t>)) {</a:t>
+            </a:r>
+          </a:p>
+          <a:p>
+            <a:r>
+              <a:rPr lang="en-GB" sz="900" dirty="0" smtClean="0">
+                <a:solidFill>
+                  <a:srgbClr val="000000"/>
+                </a:solidFill>
+                <a:latin typeface="Courier New"/>
+              </a:rPr>
+              <a:t>        queue = </a:t>
+            </a:r>
+            <a:r>
+              <a:rPr lang="en-GB" sz="900" dirty="0" err="1" smtClean="0">
+                <a:solidFill>
+                  <a:srgbClr val="0000C0"/>
+                </a:solidFill>
+                <a:latin typeface="Courier New"/>
+              </a:rPr>
+              <a:t>serviceProvider</a:t>
+            </a:r>
+            <a:r>
+              <a:rPr lang="en-GB" sz="900" dirty="0" err="1" smtClean="0">
+                <a:solidFill>
+                  <a:srgbClr val="000000"/>
+                </a:solidFill>
+                <a:latin typeface="Courier New"/>
+              </a:rPr>
+              <a:t>.getQueue</a:t>
+            </a:r>
+            <a:r>
+              <a:rPr lang="en-GB" sz="900" dirty="0" smtClean="0">
+                <a:solidFill>
+                  <a:srgbClr val="000000"/>
+                </a:solidFill>
+                <a:latin typeface="Courier New"/>
+              </a:rPr>
+              <a:t>(</a:t>
+            </a:r>
+            <a:r>
+              <a:rPr lang="en-GB" sz="900" dirty="0" err="1" smtClean="0">
+                <a:solidFill>
+                  <a:srgbClr val="000000"/>
+                </a:solidFill>
+                <a:latin typeface="Courier New"/>
+              </a:rPr>
+              <a:t>MessageDrivenBean.</a:t>
+            </a:r>
+            <a:r>
+              <a:rPr lang="en-GB" sz="900" i="1" dirty="0" err="1" smtClean="0">
+                <a:solidFill>
+                  <a:srgbClr val="0000C0"/>
+                </a:solidFill>
+                <a:latin typeface="Courier New"/>
+              </a:rPr>
+              <a:t>REDIRECT_QUEUE</a:t>
+            </a:r>
+            <a:r>
+              <a:rPr lang="en-GB" sz="900" i="1" dirty="0" smtClean="0">
+                <a:solidFill>
+                  <a:srgbClr val="000000"/>
+                </a:solidFill>
+                <a:latin typeface="Courier New"/>
+              </a:rPr>
+              <a:t>);</a:t>
+            </a:r>
+          </a:p>
+          <a:p>
+            <a:r>
+              <a:rPr lang="en-GB" sz="900" dirty="0" smtClean="0">
+                <a:solidFill>
+                  <a:srgbClr val="000000"/>
+                </a:solidFill>
+                <a:latin typeface="Courier New"/>
+              </a:rPr>
+              <a:t>      }</a:t>
+            </a:r>
+          </a:p>
+          <a:p>
+            <a:r>
+              <a:rPr lang="en-GB" sz="900" dirty="0" smtClean="0">
+                <a:solidFill>
+                  <a:srgbClr val="7F0055"/>
+                </a:solidFill>
+                <a:latin typeface="Courier New"/>
+              </a:rPr>
+              <a:t>      else</a:t>
+            </a:r>
+            <a:r>
+              <a:rPr lang="en-GB" sz="900" dirty="0" smtClean="0">
+                <a:solidFill>
+                  <a:srgbClr val="000000"/>
+                </a:solidFill>
+                <a:latin typeface="Courier New"/>
+              </a:rPr>
+              <a:t> {</a:t>
+            </a:r>
+          </a:p>
+          <a:p>
+            <a:r>
+              <a:rPr lang="en-GB" sz="900" dirty="0" smtClean="0">
+                <a:solidFill>
+                  <a:srgbClr val="000000"/>
+                </a:solidFill>
+                <a:latin typeface="Courier New"/>
+              </a:rPr>
+              <a:t>        queue = </a:t>
+            </a:r>
+            <a:r>
+              <a:rPr lang="en-GB" sz="900" dirty="0" err="1" smtClean="0">
+                <a:solidFill>
+                  <a:srgbClr val="0000C0"/>
+                </a:solidFill>
+                <a:latin typeface="Courier New"/>
+              </a:rPr>
+              <a:t>serviceProvider</a:t>
+            </a:r>
+            <a:r>
+              <a:rPr lang="en-GB" sz="900" dirty="0" err="1" smtClean="0">
+                <a:solidFill>
+                  <a:srgbClr val="000000"/>
+                </a:solidFill>
+                <a:latin typeface="Courier New"/>
+              </a:rPr>
+              <a:t>.getQueue</a:t>
+            </a:r>
+            <a:r>
+              <a:rPr lang="en-GB" sz="900" dirty="0" smtClean="0">
+                <a:solidFill>
+                  <a:srgbClr val="000000"/>
+                </a:solidFill>
+                <a:latin typeface="Courier New"/>
+              </a:rPr>
+              <a:t>(</a:t>
+            </a:r>
+            <a:r>
+              <a:rPr lang="en-GB" sz="900" dirty="0" err="1" smtClean="0">
+                <a:solidFill>
+                  <a:srgbClr val="000000"/>
+                </a:solidFill>
+                <a:latin typeface="Courier New"/>
+              </a:rPr>
+              <a:t>MessageDrivenBean.</a:t>
+            </a:r>
+            <a:r>
+              <a:rPr lang="en-GB" sz="900" i="1" dirty="0" err="1" smtClean="0">
+                <a:solidFill>
+                  <a:srgbClr val="0000C0"/>
+                </a:solidFill>
+                <a:latin typeface="Courier New"/>
+              </a:rPr>
+              <a:t>RESPONSE_QUEUE</a:t>
+            </a:r>
+            <a:r>
+              <a:rPr lang="en-GB" sz="900" i="1" dirty="0" smtClean="0">
+                <a:solidFill>
+                  <a:srgbClr val="000000"/>
+                </a:solidFill>
+                <a:latin typeface="Courier New"/>
+              </a:rPr>
+              <a:t>);</a:t>
+            </a:r>
+          </a:p>
+          <a:p>
+            <a:r>
+              <a:rPr lang="en-GB" sz="900" dirty="0" smtClean="0">
+                <a:solidFill>
+                  <a:srgbClr val="000000"/>
+                </a:solidFill>
+                <a:latin typeface="Courier New"/>
+              </a:rPr>
+              <a:t>      }</a:t>
+            </a:r>
+          </a:p>
+          <a:p>
+            <a:r>
+              <a:rPr lang="en-GB" sz="900" dirty="0" smtClean="0">
+                <a:solidFill>
+                  <a:srgbClr val="000000"/>
+                </a:solidFill>
+                <a:latin typeface="Courier New"/>
+              </a:rPr>
+              <a:t>      </a:t>
+            </a:r>
+            <a:r>
+              <a:rPr lang="en-GB" sz="900" dirty="0" err="1" smtClean="0">
+                <a:solidFill>
+                  <a:srgbClr val="000000"/>
+                </a:solidFill>
+                <a:latin typeface="Courier New"/>
+              </a:rPr>
+              <a:t>queueConnection</a:t>
+            </a:r>
+            <a:r>
+              <a:rPr lang="en-GB" sz="900" dirty="0" smtClean="0">
+                <a:solidFill>
+                  <a:srgbClr val="000000"/>
+                </a:solidFill>
+                <a:latin typeface="Courier New"/>
+              </a:rPr>
+              <a:t> = </a:t>
+            </a:r>
+            <a:r>
+              <a:rPr lang="en-GB" sz="900" dirty="0" err="1" smtClean="0">
+                <a:solidFill>
+                  <a:srgbClr val="000000"/>
+                </a:solidFill>
+                <a:latin typeface="Courier New"/>
+              </a:rPr>
+              <a:t>queueConnectionFactory.createQueueConnection</a:t>
+            </a:r>
+            <a:r>
+              <a:rPr lang="en-GB" sz="900" dirty="0" smtClean="0">
+                <a:solidFill>
+                  <a:srgbClr val="000000"/>
+                </a:solidFill>
+                <a:latin typeface="Courier New"/>
+              </a:rPr>
+              <a:t>();</a:t>
+            </a:r>
+          </a:p>
+          <a:p>
+            <a:r>
+              <a:rPr lang="en-GB" sz="900" dirty="0" smtClean="0">
+                <a:solidFill>
+                  <a:srgbClr val="000000"/>
+                </a:solidFill>
+                <a:latin typeface="Courier New"/>
+              </a:rPr>
+              <a:t>      </a:t>
+            </a:r>
+            <a:r>
+              <a:rPr lang="en-GB" sz="900" dirty="0" err="1" smtClean="0">
+                <a:solidFill>
+                  <a:srgbClr val="000000"/>
+                </a:solidFill>
+                <a:latin typeface="Courier New"/>
+              </a:rPr>
+              <a:t>queueSession</a:t>
+            </a:r>
+            <a:r>
+              <a:rPr lang="en-GB" sz="900" dirty="0" smtClean="0">
+                <a:solidFill>
+                  <a:srgbClr val="000000"/>
+                </a:solidFill>
+                <a:latin typeface="Courier New"/>
+              </a:rPr>
+              <a:t> = </a:t>
+            </a:r>
+            <a:r>
+              <a:rPr lang="en-GB" sz="900" dirty="0" err="1" smtClean="0">
+                <a:solidFill>
+                  <a:srgbClr val="000000"/>
+                </a:solidFill>
+                <a:latin typeface="Courier New"/>
+              </a:rPr>
+              <a:t>queueConnection.createQueueSession</a:t>
+            </a:r>
+            <a:r>
+              <a:rPr lang="en-GB" sz="900" dirty="0" smtClean="0">
+                <a:solidFill>
+                  <a:srgbClr val="000000"/>
+                </a:solidFill>
+                <a:latin typeface="Courier New"/>
+              </a:rPr>
+              <a:t>(</a:t>
+            </a:r>
+            <a:r>
+              <a:rPr lang="en-GB" sz="900" dirty="0" smtClean="0">
+                <a:solidFill>
+                  <a:srgbClr val="7F0055"/>
+                </a:solidFill>
+                <a:latin typeface="Courier New"/>
+              </a:rPr>
+              <a:t>false</a:t>
+            </a:r>
+            <a:r>
+              <a:rPr lang="en-GB" sz="900" dirty="0" smtClean="0">
+                <a:solidFill>
+                  <a:srgbClr val="000000"/>
+                </a:solidFill>
+                <a:latin typeface="Courier New"/>
+              </a:rPr>
+              <a:t>,  </a:t>
+            </a:r>
+          </a:p>
+          <a:p>
+            <a:r>
+              <a:rPr lang="en-GB" sz="900" dirty="0">
+                <a:solidFill>
+                  <a:srgbClr val="000000"/>
+                </a:solidFill>
+                <a:latin typeface="Courier New"/>
+              </a:rPr>
+              <a:t> </a:t>
+            </a:r>
+            <a:r>
+              <a:rPr lang="en-GB" sz="900" dirty="0" smtClean="0">
+                <a:solidFill>
+                  <a:srgbClr val="000000"/>
+                </a:solidFill>
+                <a:latin typeface="Courier New"/>
+              </a:rPr>
+              <a:t>                         </a:t>
+            </a:r>
+            <a:r>
+              <a:rPr lang="en-GB" sz="900" dirty="0" err="1" smtClean="0">
+                <a:solidFill>
+                  <a:srgbClr val="000000"/>
+                </a:solidFill>
+                <a:latin typeface="Courier New"/>
+              </a:rPr>
+              <a:t>Session.</a:t>
+            </a:r>
+            <a:r>
+              <a:rPr lang="en-GB" sz="900" i="1" dirty="0" err="1" smtClean="0">
+                <a:solidFill>
+                  <a:srgbClr val="0000C0"/>
+                </a:solidFill>
+                <a:latin typeface="Courier New"/>
+              </a:rPr>
+              <a:t>AUTO_ACKNOWLEDGE</a:t>
+            </a:r>
+            <a:r>
+              <a:rPr lang="en-GB" sz="900" i="1" dirty="0" smtClean="0">
+                <a:solidFill>
+                  <a:srgbClr val="000000"/>
+                </a:solidFill>
+                <a:latin typeface="Courier New"/>
+              </a:rPr>
+              <a:t>);</a:t>
+            </a:r>
+          </a:p>
+          <a:p>
+            <a:r>
+              <a:rPr lang="en-GB" sz="900" dirty="0" smtClean="0">
+                <a:solidFill>
+                  <a:srgbClr val="000000"/>
+                </a:solidFill>
+                <a:latin typeface="Courier New"/>
+              </a:rPr>
+              <a:t>     ...</a:t>
+            </a:r>
+          </a:p>
+          <a:p>
+            <a:r>
+              <a:rPr lang="en-GB" sz="900" dirty="0">
+                <a:solidFill>
+                  <a:srgbClr val="000000"/>
+                </a:solidFill>
+                <a:latin typeface="Courier New"/>
+              </a:rPr>
+              <a:t> </a:t>
+            </a:r>
+            <a:r>
+              <a:rPr lang="en-GB" sz="900" dirty="0" smtClean="0">
+                <a:solidFill>
+                  <a:srgbClr val="000000"/>
+                </a:solidFill>
+                <a:latin typeface="Courier New"/>
+              </a:rPr>
+              <a:t>     </a:t>
+            </a:r>
+            <a:r>
+              <a:rPr lang="en-GB" sz="900" dirty="0" err="1" smtClean="0">
+                <a:solidFill>
+                  <a:srgbClr val="000000"/>
+                </a:solidFill>
+                <a:latin typeface="Courier New"/>
+              </a:rPr>
+              <a:t>textMessage.setText</a:t>
+            </a:r>
+            <a:r>
+              <a:rPr lang="en-GB" sz="900" dirty="0" smtClean="0">
+                <a:solidFill>
+                  <a:srgbClr val="000000"/>
+                </a:solidFill>
+                <a:latin typeface="Courier New"/>
+              </a:rPr>
+              <a:t>(text);</a:t>
+            </a:r>
+          </a:p>
+          <a:p>
+            <a:r>
+              <a:rPr lang="en-GB" sz="900" dirty="0" smtClean="0">
+                <a:solidFill>
+                  <a:srgbClr val="000000"/>
+                </a:solidFill>
+                <a:latin typeface="Courier New"/>
+              </a:rPr>
+              <a:t>      </a:t>
+            </a:r>
+            <a:r>
+              <a:rPr lang="en-GB" sz="900" dirty="0" err="1" smtClean="0">
+                <a:solidFill>
+                  <a:srgbClr val="000000"/>
+                </a:solidFill>
+                <a:latin typeface="Courier New"/>
+              </a:rPr>
+              <a:t>textMessage.setStringProperty</a:t>
+            </a:r>
+            <a:r>
+              <a:rPr lang="en-GB" sz="900" dirty="0" smtClean="0">
+                <a:solidFill>
+                  <a:srgbClr val="000000"/>
+                </a:solidFill>
+                <a:latin typeface="Courier New"/>
+              </a:rPr>
+              <a:t>(</a:t>
+            </a:r>
+            <a:r>
+              <a:rPr lang="en-GB" sz="900" dirty="0" smtClean="0">
+                <a:solidFill>
+                  <a:srgbClr val="2A00FF"/>
+                </a:solidFill>
+                <a:latin typeface="Courier New"/>
+              </a:rPr>
+              <a:t>"</a:t>
+            </a:r>
+            <a:r>
+              <a:rPr lang="en-GB" sz="900" dirty="0" err="1" smtClean="0">
+                <a:solidFill>
+                  <a:srgbClr val="2A00FF"/>
+                </a:solidFill>
+                <a:latin typeface="Courier New"/>
+              </a:rPr>
+              <a:t>messageId</a:t>
+            </a:r>
+            <a:r>
+              <a:rPr lang="en-GB" sz="900" dirty="0" smtClean="0">
+                <a:solidFill>
+                  <a:srgbClr val="2A00FF"/>
+                </a:solidFill>
+                <a:latin typeface="Courier New"/>
+              </a:rPr>
+              <a:t>"</a:t>
+            </a:r>
+            <a:r>
+              <a:rPr lang="en-GB" sz="900" dirty="0" smtClean="0">
+                <a:solidFill>
+                  <a:srgbClr val="000000"/>
+                </a:solidFill>
+                <a:latin typeface="Courier New"/>
+              </a:rPr>
+              <a:t>, </a:t>
+            </a:r>
+            <a:r>
+              <a:rPr lang="en-GB" sz="900" dirty="0" err="1" smtClean="0">
+                <a:solidFill>
+                  <a:srgbClr val="000000"/>
+                </a:solidFill>
+                <a:latin typeface="Courier New"/>
+              </a:rPr>
+              <a:t>messageID</a:t>
+            </a:r>
+            <a:r>
+              <a:rPr lang="en-GB" sz="900" dirty="0" smtClean="0">
+                <a:solidFill>
+                  <a:srgbClr val="000000"/>
+                </a:solidFill>
+                <a:latin typeface="Courier New"/>
+              </a:rPr>
+              <a:t>);</a:t>
+            </a:r>
+          </a:p>
+          <a:p>
+            <a:r>
+              <a:rPr lang="en-GB" sz="900" dirty="0" smtClean="0">
+                <a:solidFill>
+                  <a:srgbClr val="000000"/>
+                </a:solidFill>
+                <a:latin typeface="Courier New"/>
+              </a:rPr>
+              <a:t>      </a:t>
+            </a:r>
+            <a:r>
+              <a:rPr lang="en-GB" sz="900" dirty="0" err="1" smtClean="0">
+                <a:solidFill>
+                  <a:srgbClr val="000000"/>
+                </a:solidFill>
+                <a:latin typeface="Courier New"/>
+              </a:rPr>
+              <a:t>queueConnection.start</a:t>
+            </a:r>
+            <a:r>
+              <a:rPr lang="en-GB" sz="900" dirty="0" smtClean="0">
+                <a:solidFill>
+                  <a:srgbClr val="000000"/>
+                </a:solidFill>
+                <a:latin typeface="Courier New"/>
+              </a:rPr>
+              <a:t>();</a:t>
+            </a:r>
+          </a:p>
+          <a:p>
+            <a:r>
+              <a:rPr lang="en-GB" sz="900" dirty="0" smtClean="0">
+                <a:solidFill>
+                  <a:srgbClr val="000000"/>
+                </a:solidFill>
+                <a:latin typeface="Courier New"/>
+              </a:rPr>
+              <a:t>      </a:t>
+            </a:r>
+            <a:r>
+              <a:rPr lang="en-GB" sz="900" dirty="0" err="1" smtClean="0">
+                <a:solidFill>
+                  <a:srgbClr val="000000"/>
+                </a:solidFill>
+                <a:latin typeface="Courier New"/>
+              </a:rPr>
+              <a:t>queueSender.send</a:t>
+            </a:r>
+            <a:r>
+              <a:rPr lang="en-GB" sz="900" dirty="0" smtClean="0">
+                <a:solidFill>
+                  <a:srgbClr val="000000"/>
+                </a:solidFill>
+                <a:latin typeface="Courier New"/>
+              </a:rPr>
+              <a:t>(</a:t>
+            </a:r>
+            <a:r>
+              <a:rPr lang="en-GB" sz="900" dirty="0" err="1" smtClean="0">
+                <a:solidFill>
+                  <a:srgbClr val="000000"/>
+                </a:solidFill>
+                <a:latin typeface="Courier New"/>
+              </a:rPr>
+              <a:t>textMessage</a:t>
+            </a:r>
+            <a:r>
+              <a:rPr lang="en-GB" sz="900" dirty="0" smtClean="0">
+                <a:solidFill>
+                  <a:srgbClr val="000000"/>
+                </a:solidFill>
+                <a:latin typeface="Courier New"/>
+              </a:rPr>
+              <a:t>);</a:t>
+            </a:r>
+          </a:p>
+          <a:p>
+            <a:r>
+              <a:rPr lang="en-GB" sz="900" dirty="0" smtClean="0">
+                <a:solidFill>
+                  <a:srgbClr val="000000"/>
+                </a:solidFill>
+                <a:latin typeface="Courier New"/>
+              </a:rPr>
+              <a:t>      </a:t>
+            </a:r>
+            <a:r>
+              <a:rPr lang="en-GB" sz="900" dirty="0" err="1" smtClean="0">
+                <a:solidFill>
+                  <a:srgbClr val="000000"/>
+                </a:solidFill>
+                <a:latin typeface="Courier New"/>
+              </a:rPr>
+              <a:t>queueSession.close</a:t>
+            </a:r>
+            <a:r>
+              <a:rPr lang="en-GB" sz="900" dirty="0" smtClean="0">
+                <a:solidFill>
+                  <a:srgbClr val="000000"/>
+                </a:solidFill>
+                <a:latin typeface="Courier New"/>
+              </a:rPr>
+              <a:t>();</a:t>
+            </a:r>
+          </a:p>
+          <a:p>
+            <a:r>
+              <a:rPr lang="en-GB" sz="900" dirty="0" smtClean="0">
+                <a:solidFill>
+                  <a:srgbClr val="000000"/>
+                </a:solidFill>
+                <a:latin typeface="Courier New"/>
+              </a:rPr>
+              <a:t>      </a:t>
+            </a:r>
+            <a:r>
+              <a:rPr lang="en-GB" sz="900" dirty="0" err="1" smtClean="0">
+                <a:solidFill>
+                  <a:srgbClr val="000000"/>
+                </a:solidFill>
+                <a:latin typeface="Courier New"/>
+              </a:rPr>
+              <a:t>queueConnection.close</a:t>
+            </a:r>
+            <a:r>
+              <a:rPr lang="en-GB" sz="900" dirty="0" smtClean="0">
+                <a:solidFill>
+                  <a:srgbClr val="000000"/>
+                </a:solidFill>
+                <a:latin typeface="Courier New"/>
+              </a:rPr>
+              <a:t>();</a:t>
+            </a:r>
+            <a:endParaRPr lang="en-GB" sz="900" i="1" dirty="0" smtClean="0">
+              <a:solidFill>
+                <a:srgbClr val="000000"/>
+              </a:solidFill>
+              <a:latin typeface="Courier New"/>
+            </a:endParaRPr>
+          </a:p>
+          <a:p>
+            <a:r>
+              <a:rPr lang="en-GB" sz="900" dirty="0" smtClean="0">
+                <a:solidFill>
+                  <a:srgbClr val="000000"/>
+                </a:solidFill>
+                <a:latin typeface="Courier New"/>
+              </a:rPr>
+              <a:t>    }</a:t>
+            </a:r>
+          </a:p>
+          <a:p>
+            <a:r>
+              <a:rPr lang="en-GB" sz="900" dirty="0" smtClean="0">
+                <a:solidFill>
+                  <a:srgbClr val="7F0055"/>
+                </a:solidFill>
+                <a:latin typeface="Courier New"/>
+              </a:rPr>
+              <a:t>    catch</a:t>
+            </a:r>
+            <a:r>
+              <a:rPr lang="en-GB" sz="900" dirty="0" smtClean="0">
+                <a:solidFill>
+                  <a:srgbClr val="000000"/>
+                </a:solidFill>
+                <a:latin typeface="Courier New"/>
+              </a:rPr>
+              <a:t> (Exception e) {</a:t>
+            </a:r>
+          </a:p>
+          <a:p>
+            <a:r>
+              <a:rPr lang="en-GB" sz="900" dirty="0" smtClean="0">
+                <a:solidFill>
+                  <a:srgbClr val="0000C0"/>
+                </a:solidFill>
+                <a:latin typeface="Courier New"/>
+              </a:rPr>
+              <a:t>      logger</a:t>
+            </a:r>
+            <a:r>
+              <a:rPr lang="en-GB" sz="900" dirty="0" smtClean="0">
+                <a:solidFill>
+                  <a:srgbClr val="000000"/>
+                </a:solidFill>
+                <a:latin typeface="Courier New"/>
+              </a:rPr>
+              <a:t>.info(</a:t>
+            </a:r>
+            <a:r>
+              <a:rPr lang="en-GB" sz="900" dirty="0" smtClean="0">
+                <a:solidFill>
+                  <a:srgbClr val="2A00FF"/>
+                </a:solidFill>
+                <a:latin typeface="Courier New"/>
+              </a:rPr>
+              <a:t>"Unable to send message to the </a:t>
+            </a:r>
+            <a:r>
+              <a:rPr lang="en-GB" sz="900" dirty="0" err="1" smtClean="0">
+                <a:solidFill>
+                  <a:srgbClr val="2A00FF"/>
+                </a:solidFill>
+                <a:latin typeface="Courier New"/>
+              </a:rPr>
+              <a:t>Queue"</a:t>
+            </a:r>
+            <a:r>
+              <a:rPr lang="en-GB" sz="900" dirty="0" err="1" smtClean="0">
+                <a:solidFill>
+                  <a:srgbClr val="000000"/>
+                </a:solidFill>
+                <a:latin typeface="Courier New"/>
+              </a:rPr>
+              <a:t>,e</a:t>
+            </a:r>
+            <a:r>
+              <a:rPr lang="en-GB" sz="900" dirty="0" smtClean="0">
+                <a:solidFill>
+                  <a:srgbClr val="000000"/>
+                </a:solidFill>
+                <a:latin typeface="Courier New"/>
+              </a:rPr>
+              <a:t>);</a:t>
+            </a:r>
+          </a:p>
+          <a:p>
+            <a:r>
+              <a:rPr lang="en-GB" sz="900" dirty="0" smtClean="0">
+                <a:solidFill>
+                  <a:srgbClr val="000000"/>
+                </a:solidFill>
+                <a:latin typeface="Courier New"/>
+              </a:rPr>
+              <a:t>      </a:t>
+            </a:r>
+            <a:r>
+              <a:rPr lang="en-GB" sz="900" dirty="0" err="1" smtClean="0">
+                <a:solidFill>
+                  <a:srgbClr val="000000"/>
+                </a:solidFill>
+                <a:latin typeface="Courier New"/>
+              </a:rPr>
+              <a:t>MessageDrivenBean.</a:t>
+            </a:r>
+            <a:r>
+              <a:rPr lang="en-GB" sz="900" i="1" dirty="0" err="1" smtClean="0">
+                <a:solidFill>
+                  <a:srgbClr val="000000"/>
+                </a:solidFill>
+                <a:latin typeface="Courier New"/>
+              </a:rPr>
+              <a:t>sendMail</a:t>
+            </a:r>
+            <a:r>
+              <a:rPr lang="en-GB" sz="900" i="1" dirty="0" smtClean="0">
+                <a:solidFill>
+                  <a:srgbClr val="000000"/>
+                </a:solidFill>
+                <a:latin typeface="Courier New"/>
+              </a:rPr>
+              <a:t>(</a:t>
+            </a:r>
+            <a:r>
+              <a:rPr lang="en-GB" sz="900" i="1" dirty="0" err="1" smtClean="0">
+                <a:solidFill>
+                  <a:srgbClr val="000000"/>
+                </a:solidFill>
+                <a:latin typeface="Courier New"/>
+              </a:rPr>
+              <a:t>e.getMessage</a:t>
+            </a:r>
+            <a:r>
+              <a:rPr lang="en-GB" sz="900" i="1" dirty="0" smtClean="0">
+                <a:solidFill>
+                  <a:srgbClr val="000000"/>
+                </a:solidFill>
+                <a:latin typeface="Courier New"/>
+              </a:rPr>
+              <a:t>());</a:t>
+            </a:r>
+          </a:p>
+          <a:p>
+            <a:r>
+              <a:rPr lang="en-GB" sz="900" dirty="0" smtClean="0">
+                <a:solidFill>
+                  <a:srgbClr val="000000"/>
+                </a:solidFill>
+                <a:latin typeface="Courier New"/>
+              </a:rPr>
+              <a:t>    }</a:t>
+            </a:r>
+          </a:p>
+          <a:p>
+            <a:r>
+              <a:rPr lang="en-GB" sz="900" dirty="0" smtClean="0">
+                <a:solidFill>
+                  <a:srgbClr val="7F0055"/>
+                </a:solidFill>
+                <a:latin typeface="Courier New"/>
+              </a:rPr>
+              <a:t>    finally </a:t>
+            </a:r>
+            <a:r>
+              <a:rPr lang="en-GB" sz="900" dirty="0" smtClean="0">
+                <a:solidFill>
+                  <a:srgbClr val="000000"/>
+                </a:solidFill>
+                <a:latin typeface="Courier New"/>
+              </a:rPr>
+              <a:t>{</a:t>
+            </a:r>
+          </a:p>
+          <a:p>
+            <a:r>
+              <a:rPr lang="en-GB" sz="900" dirty="0">
+                <a:solidFill>
+                  <a:srgbClr val="000000"/>
+                </a:solidFill>
+                <a:latin typeface="Courier New"/>
+              </a:rPr>
+              <a:t> </a:t>
+            </a:r>
+            <a:r>
+              <a:rPr lang="en-GB" sz="900" dirty="0" smtClean="0">
+                <a:solidFill>
+                  <a:srgbClr val="000000"/>
+                </a:solidFill>
+                <a:latin typeface="Courier New"/>
+              </a:rPr>
+              <a:t>     // Clean up</a:t>
+            </a:r>
+          </a:p>
+          <a:p>
+            <a:r>
+              <a:rPr lang="en-GB" sz="900" dirty="0">
+                <a:solidFill>
+                  <a:srgbClr val="000000"/>
+                </a:solidFill>
+                <a:latin typeface="Courier New"/>
+              </a:rPr>
+              <a:t> </a:t>
+            </a:r>
+            <a:r>
+              <a:rPr lang="en-GB" sz="900" dirty="0" smtClean="0">
+                <a:solidFill>
+                  <a:srgbClr val="000000"/>
+                </a:solidFill>
+                <a:latin typeface="Courier New"/>
+              </a:rPr>
+              <a:t>     ...</a:t>
+            </a:r>
+          </a:p>
+          <a:p>
+            <a:r>
+              <a:rPr lang="en-GB" sz="900" dirty="0" smtClean="0">
+                <a:solidFill>
+                  <a:srgbClr val="000000"/>
+                </a:solidFill>
+                <a:latin typeface="Courier New"/>
+              </a:rPr>
+              <a:t>   }</a:t>
+            </a:r>
+          </a:p>
+          <a:p>
+            <a:r>
+              <a:rPr lang="en-GB" sz="900" dirty="0" smtClean="0">
+                <a:solidFill>
+                  <a:srgbClr val="000000"/>
+                </a:solidFill>
+                <a:latin typeface="Courier New"/>
+              </a:rPr>
+              <a:t>  }</a:t>
+            </a:r>
+          </a:p>
+          <a:p>
+            <a:r>
+              <a:rPr lang="en-GB" sz="900" dirty="0">
+                <a:solidFill>
+                  <a:srgbClr val="000000"/>
+                </a:solidFill>
+                <a:latin typeface="Courier New"/>
+              </a:rPr>
+              <a:t>}</a:t>
+            </a:r>
+            <a:endParaRPr lang="en-GB" sz="900" dirty="0"/>
+          </a:p>
+        </p:txBody>
+      </p:sp>
+      <p:sp>
+        <p:nvSpPr>
+          <p:cNvPr id="8" name="Title 1"/>
+          <p:cNvSpPr>
+            <a:spLocks noGrp="1"/>
+          </p:cNvSpPr>
+          <p:nvPr>
+            <p:ph type="title"/>
+          </p:nvPr>
+        </p:nvSpPr>
+        <p:spPr>
+          <a:xfrm>
+            <a:off x="457200" y="274638"/>
+            <a:ext cx="8229600" cy="1143000"/>
+          </a:xfrm>
+        </p:spPr>
+        <p:txBody>
+          <a:bodyPr/>
+          <a:lstStyle/>
+          <a:p>
+            <a:r>
+              <a:rPr lang="en-GB" dirty="0" smtClean="0"/>
+              <a:t>Overview</a:t>
+            </a:r>
+            <a:endParaRPr lang="en-GB" dirty="0"/>
+          </a:p>
+        </p:txBody>
+      </p:sp>
     </p:spTree>
   </p:cSld>
   <p:clrMapOvr>
@@ -5098,20 +8263,6 @@
 <file path=ppt/slides/slide8.xml><?xml version="1.0" encoding="utf-8"?>
 <p:sld xmlns:a="http://schemas.openxmlformats.org/drawingml/2006/main" xmlns:r="http://schemas.openxmlformats.org/officeDocument/2006/relationships" xmlns:p="http://schemas.openxmlformats.org/presentationml/2006/main">
   <p:cSld>
-    <p:bg>
-      <p:bgPr>
-        <a:blipFill dpi="0" rotWithShape="1">
-          <a:blip r:embed="rId3">
-            <a:lum bright="-15000"/>
-          </a:blip>
-          <a:srcRect/>
-          <a:stretch>
-            <a:fillRect l="-3000" r="-3000"/>
-          </a:stretch>
-        </a:blipFill>
-        <a:effectLst/>
-      </p:bgPr>
-    </p:bg>
     <p:spTree>
       <p:nvGrpSpPr>
         <p:cNvPr id="1" name=""/>
@@ -5128,21 +8279,28 @@
       </p:grpSpPr>
       <p:sp>
         <p:nvSpPr>
-          <p:cNvPr id="4" name="TextBox 3"/>
+          <p:cNvPr id="5" name="TextBox 4"/>
           <p:cNvSpPr txBox="1"/>
           <p:nvPr/>
         </p:nvSpPr>
         <p:spPr>
           <a:xfrm>
-            <a:off x="2786050" y="5286388"/>
-            <a:ext cx="3286148" cy="646331"/>
+            <a:off x="285720" y="1928802"/>
+            <a:ext cx="7358114" cy="1015663"/>
           </a:xfrm>
           <a:prstGeom prst="rect">
             <a:avLst/>
           </a:prstGeom>
           <a:solidFill>
-            <a:schemeClr val="tx1"/>
+            <a:schemeClr val="bg1"/>
           </a:solidFill>
+          <a:scene3d>
+            <a:camera prst="orthographicFront"/>
+            <a:lightRig rig="threePt" dir="t"/>
+          </a:scene3d>
+          <a:sp3d>
+            <a:bevelT w="165100" prst="coolSlant"/>
+          </a:sp3d>
         </p:spPr>
         <p:txBody>
           <a:bodyPr wrap="square" rtlCol="0">
@@ -5150,7 +8308,1676 @@
           </a:bodyPr>
           <a:lstStyle/>
           <a:p>
-            <a:endParaRPr lang="en-GB" sz="3600" dirty="0"/>
+            <a:r>
+              <a:rPr lang="en-GB" sz="1200" dirty="0" err="1" smtClean="0">
+                <a:solidFill>
+                  <a:srgbClr val="000000"/>
+                </a:solidFill>
+                <a:latin typeface="Courier New"/>
+              </a:rPr>
+              <a:t>XMLSender</a:t>
+            </a:r>
+            <a:r>
+              <a:rPr lang="en-GB" sz="1200" dirty="0" smtClean="0">
+                <a:solidFill>
+                  <a:srgbClr val="000000"/>
+                </a:solidFill>
+                <a:latin typeface="Courier New"/>
+              </a:rPr>
+              <a:t>(Logger </a:t>
+            </a:r>
+            <a:r>
+              <a:rPr lang="en-GB" sz="1200" dirty="0" err="1" smtClean="0">
+                <a:solidFill>
+                  <a:srgbClr val="000000"/>
+                </a:solidFill>
+                <a:latin typeface="Courier New"/>
+              </a:rPr>
+              <a:t>logger</a:t>
+            </a:r>
+            <a:r>
+              <a:rPr lang="en-GB" sz="1200" dirty="0" smtClean="0">
+                <a:solidFill>
+                  <a:srgbClr val="000000"/>
+                </a:solidFill>
+                <a:latin typeface="Courier New"/>
+              </a:rPr>
+              <a:t>, String text, String </a:t>
+            </a:r>
+            <a:r>
+              <a:rPr lang="en-GB" sz="1200" dirty="0" err="1" smtClean="0">
+                <a:solidFill>
+                  <a:srgbClr val="000000"/>
+                </a:solidFill>
+                <a:latin typeface="Courier New"/>
+              </a:rPr>
+              <a:t>messageID</a:t>
+            </a:r>
+            <a:r>
+              <a:rPr lang="en-GB" sz="1200" dirty="0" smtClean="0">
+                <a:solidFill>
+                  <a:srgbClr val="000000"/>
+                </a:solidFill>
+                <a:latin typeface="Courier New"/>
+              </a:rPr>
+              <a:t>, String </a:t>
+            </a:r>
+            <a:r>
+              <a:rPr lang="en-GB" sz="1200" dirty="0" err="1" smtClean="0">
+                <a:solidFill>
+                  <a:srgbClr val="000000"/>
+                </a:solidFill>
+                <a:latin typeface="Courier New"/>
+              </a:rPr>
+              <a:t>senderflag</a:t>
+            </a:r>
+            <a:r>
+              <a:rPr lang="en-GB" sz="1200" dirty="0" smtClean="0">
+                <a:solidFill>
+                  <a:srgbClr val="000000"/>
+                </a:solidFill>
+                <a:latin typeface="Courier New"/>
+              </a:rPr>
+              <a:t>) {</a:t>
+            </a:r>
+          </a:p>
+          <a:p>
+            <a:r>
+              <a:rPr lang="en-GB" sz="1200" dirty="0" smtClean="0">
+                <a:solidFill>
+                  <a:srgbClr val="7F0055"/>
+                </a:solidFill>
+                <a:latin typeface="Courier New"/>
+              </a:rPr>
+              <a:t>  </a:t>
+            </a:r>
+            <a:r>
+              <a:rPr lang="en-GB" sz="1200" dirty="0" err="1" smtClean="0">
+                <a:solidFill>
+                  <a:srgbClr val="7F0055"/>
+                </a:solidFill>
+                <a:latin typeface="Courier New"/>
+              </a:rPr>
+              <a:t>this</a:t>
+            </a:r>
+            <a:r>
+              <a:rPr lang="en-GB" sz="1200" dirty="0" err="1" smtClean="0">
+                <a:solidFill>
+                  <a:srgbClr val="000000"/>
+                </a:solidFill>
+                <a:latin typeface="Courier New"/>
+              </a:rPr>
+              <a:t>.</a:t>
+            </a:r>
+            <a:r>
+              <a:rPr lang="en-GB" sz="1200" dirty="0" err="1" smtClean="0">
+                <a:solidFill>
+                  <a:srgbClr val="0000C0"/>
+                </a:solidFill>
+                <a:latin typeface="Courier New"/>
+              </a:rPr>
+              <a:t>logger</a:t>
+            </a:r>
+            <a:r>
+              <a:rPr lang="en-GB" sz="1200" dirty="0" smtClean="0">
+                <a:solidFill>
+                  <a:srgbClr val="000000"/>
+                </a:solidFill>
+                <a:latin typeface="Courier New"/>
+              </a:rPr>
+              <a:t> = logger;</a:t>
+            </a:r>
+          </a:p>
+          <a:p>
+            <a:r>
+              <a:rPr lang="en-GB" sz="1200" dirty="0" smtClean="0">
+                <a:solidFill>
+                  <a:srgbClr val="0000C0"/>
+                </a:solidFill>
+                <a:latin typeface="Courier New"/>
+              </a:rPr>
+              <a:t>  </a:t>
+            </a:r>
+            <a:r>
+              <a:rPr lang="en-GB" sz="1200" b="1" dirty="0" err="1" smtClean="0">
+                <a:solidFill>
+                  <a:srgbClr val="0000C0"/>
+                </a:solidFill>
+                <a:latin typeface="Courier New"/>
+              </a:rPr>
+              <a:t>serviceProvider</a:t>
+            </a:r>
+            <a:r>
+              <a:rPr lang="en-GB" sz="1200" b="1" dirty="0" smtClean="0">
+                <a:solidFill>
+                  <a:srgbClr val="000000"/>
+                </a:solidFill>
+                <a:latin typeface="Courier New"/>
+              </a:rPr>
+              <a:t> = </a:t>
+            </a:r>
+            <a:r>
+              <a:rPr lang="en-GB" sz="1200" b="1" dirty="0" err="1" smtClean="0">
+                <a:solidFill>
+                  <a:srgbClr val="000000"/>
+                </a:solidFill>
+                <a:latin typeface="Courier New"/>
+              </a:rPr>
+              <a:t>JNDILookup.</a:t>
+            </a:r>
+            <a:r>
+              <a:rPr lang="en-GB" sz="1200" b="1" i="1" dirty="0" err="1" smtClean="0">
+                <a:solidFill>
+                  <a:srgbClr val="000000"/>
+                </a:solidFill>
+                <a:latin typeface="Courier New"/>
+              </a:rPr>
+              <a:t>getInstance</a:t>
+            </a:r>
+            <a:r>
+              <a:rPr lang="en-GB" sz="1200" b="1" i="1" dirty="0" smtClean="0">
+                <a:solidFill>
+                  <a:srgbClr val="000000"/>
+                </a:solidFill>
+                <a:latin typeface="Courier New"/>
+              </a:rPr>
+              <a:t>();</a:t>
+            </a:r>
+          </a:p>
+          <a:p>
+            <a:r>
+              <a:rPr lang="en-GB" sz="1200" dirty="0" smtClean="0">
+                <a:solidFill>
+                  <a:srgbClr val="000000"/>
+                </a:solidFill>
+                <a:latin typeface="Courier New"/>
+              </a:rPr>
+              <a:t>  </a:t>
+            </a:r>
+            <a:r>
+              <a:rPr lang="en-GB" sz="1200" dirty="0" err="1" smtClean="0">
+                <a:solidFill>
+                  <a:srgbClr val="000000"/>
+                </a:solidFill>
+                <a:latin typeface="Courier New"/>
+              </a:rPr>
+              <a:t>sendMessage</a:t>
+            </a:r>
+            <a:r>
+              <a:rPr lang="en-GB" sz="1200" dirty="0" smtClean="0">
+                <a:solidFill>
+                  <a:srgbClr val="000000"/>
+                </a:solidFill>
+                <a:latin typeface="Courier New"/>
+              </a:rPr>
+              <a:t>(text, </a:t>
+            </a:r>
+            <a:r>
+              <a:rPr lang="en-GB" sz="1200" dirty="0" err="1" smtClean="0">
+                <a:solidFill>
+                  <a:srgbClr val="000000"/>
+                </a:solidFill>
+                <a:latin typeface="Courier New"/>
+              </a:rPr>
+              <a:t>messageID</a:t>
+            </a:r>
+            <a:r>
+              <a:rPr lang="en-GB" sz="1200" dirty="0" smtClean="0">
+                <a:solidFill>
+                  <a:srgbClr val="000000"/>
+                </a:solidFill>
+                <a:latin typeface="Courier New"/>
+              </a:rPr>
+              <a:t>, </a:t>
+            </a:r>
+            <a:r>
+              <a:rPr lang="en-GB" sz="1200" dirty="0" err="1" smtClean="0">
+                <a:solidFill>
+                  <a:srgbClr val="000000"/>
+                </a:solidFill>
+                <a:latin typeface="Courier New"/>
+              </a:rPr>
+              <a:t>senderflag</a:t>
+            </a:r>
+            <a:r>
+              <a:rPr lang="en-GB" sz="1200" dirty="0" smtClean="0">
+                <a:solidFill>
+                  <a:srgbClr val="000000"/>
+                </a:solidFill>
+                <a:latin typeface="Courier New"/>
+              </a:rPr>
+              <a:t>);</a:t>
+            </a:r>
+          </a:p>
+          <a:p>
+            <a:r>
+              <a:rPr lang="en-GB" sz="1200" dirty="0" smtClean="0">
+                <a:solidFill>
+                  <a:srgbClr val="000000"/>
+                </a:solidFill>
+                <a:latin typeface="Courier New"/>
+              </a:rPr>
+              <a:t>}</a:t>
+            </a:r>
+            <a:endParaRPr lang="en-GB" sz="1200" dirty="0"/>
+          </a:p>
+        </p:txBody>
+      </p:sp>
+      <p:sp>
+        <p:nvSpPr>
+          <p:cNvPr id="7" name="TextBox 6"/>
+          <p:cNvSpPr txBox="1"/>
+          <p:nvPr/>
+        </p:nvSpPr>
+        <p:spPr>
+          <a:xfrm>
+            <a:off x="285720" y="4286256"/>
+            <a:ext cx="7358114" cy="1015663"/>
+          </a:xfrm>
+          <a:prstGeom prst="rect">
+            <a:avLst/>
+          </a:prstGeom>
+          <a:solidFill>
+            <a:schemeClr val="bg1"/>
+          </a:solidFill>
+          <a:scene3d>
+            <a:camera prst="orthographicFront"/>
+            <a:lightRig rig="threePt" dir="t"/>
+          </a:scene3d>
+          <a:sp3d>
+            <a:bevelT w="165100" prst="coolSlant"/>
+          </a:sp3d>
+        </p:spPr>
+        <p:txBody>
+          <a:bodyPr wrap="square" rtlCol="0">
+            <a:spAutoFit/>
+          </a:bodyPr>
+          <a:lstStyle/>
+          <a:p>
+            <a:r>
+              <a:rPr lang="en-GB" sz="1200" dirty="0" err="1" smtClean="0">
+                <a:solidFill>
+                  <a:srgbClr val="000000"/>
+                </a:solidFill>
+                <a:latin typeface="Courier New"/>
+              </a:rPr>
+              <a:t>XMLSender</a:t>
+            </a:r>
+            <a:r>
+              <a:rPr lang="en-GB" sz="1200" dirty="0" smtClean="0">
+                <a:solidFill>
+                  <a:srgbClr val="000000"/>
+                </a:solidFill>
+                <a:latin typeface="Courier New"/>
+              </a:rPr>
+              <a:t>(Logger </a:t>
+            </a:r>
+            <a:r>
+              <a:rPr lang="en-GB" sz="1200" dirty="0" err="1" smtClean="0">
+                <a:solidFill>
+                  <a:srgbClr val="000000"/>
+                </a:solidFill>
+                <a:latin typeface="Courier New"/>
+              </a:rPr>
+              <a:t>logger</a:t>
+            </a:r>
+            <a:r>
+              <a:rPr lang="en-GB" sz="1200" dirty="0" smtClean="0">
+                <a:solidFill>
+                  <a:srgbClr val="000000"/>
+                </a:solidFill>
+                <a:latin typeface="Courier New"/>
+              </a:rPr>
+              <a:t>, String text, String </a:t>
+            </a:r>
+            <a:r>
+              <a:rPr lang="en-GB" sz="1200" dirty="0" err="1" smtClean="0">
+                <a:solidFill>
+                  <a:srgbClr val="000000"/>
+                </a:solidFill>
+                <a:latin typeface="Courier New"/>
+              </a:rPr>
+              <a:t>messageID</a:t>
+            </a:r>
+            <a:r>
+              <a:rPr lang="en-GB" sz="1200" dirty="0" smtClean="0">
+                <a:solidFill>
+                  <a:srgbClr val="000000"/>
+                </a:solidFill>
+                <a:latin typeface="Courier New"/>
+              </a:rPr>
+              <a:t>, String </a:t>
+            </a:r>
+            <a:r>
+              <a:rPr lang="en-GB" sz="1200" dirty="0" err="1" smtClean="0">
+                <a:solidFill>
+                  <a:srgbClr val="000000"/>
+                </a:solidFill>
+                <a:latin typeface="Courier New"/>
+              </a:rPr>
+              <a:t>senderflag</a:t>
+            </a:r>
+            <a:r>
+              <a:rPr lang="en-GB" sz="1200" dirty="0" smtClean="0">
+                <a:solidFill>
+                  <a:srgbClr val="000000"/>
+                </a:solidFill>
+                <a:latin typeface="Courier New"/>
+              </a:rPr>
+              <a:t>) {</a:t>
+            </a:r>
+          </a:p>
+          <a:p>
+            <a:r>
+              <a:rPr lang="en-GB" sz="1200" dirty="0" smtClean="0">
+                <a:solidFill>
+                  <a:srgbClr val="7F0055"/>
+                </a:solidFill>
+                <a:latin typeface="Courier New"/>
+              </a:rPr>
+              <a:t>  </a:t>
+            </a:r>
+            <a:r>
+              <a:rPr lang="en-GB" sz="1200" dirty="0" err="1" smtClean="0">
+                <a:solidFill>
+                  <a:srgbClr val="7F0055"/>
+                </a:solidFill>
+                <a:latin typeface="Courier New"/>
+              </a:rPr>
+              <a:t>this</a:t>
+            </a:r>
+            <a:r>
+              <a:rPr lang="en-GB" sz="1200" dirty="0" err="1" smtClean="0">
+                <a:solidFill>
+                  <a:srgbClr val="000000"/>
+                </a:solidFill>
+                <a:latin typeface="Courier New"/>
+              </a:rPr>
+              <a:t>.</a:t>
+            </a:r>
+            <a:r>
+              <a:rPr lang="en-GB" sz="1200" dirty="0" err="1" smtClean="0">
+                <a:solidFill>
+                  <a:srgbClr val="0000C0"/>
+                </a:solidFill>
+                <a:latin typeface="Courier New"/>
+              </a:rPr>
+              <a:t>logger</a:t>
+            </a:r>
+            <a:r>
+              <a:rPr lang="en-GB" sz="1200" dirty="0" smtClean="0">
+                <a:solidFill>
+                  <a:srgbClr val="000000"/>
+                </a:solidFill>
+                <a:latin typeface="Courier New"/>
+              </a:rPr>
+              <a:t> = logger;</a:t>
+            </a:r>
+          </a:p>
+          <a:p>
+            <a:r>
+              <a:rPr lang="en-GB" sz="1200" dirty="0" smtClean="0">
+                <a:solidFill>
+                  <a:srgbClr val="0000C0"/>
+                </a:solidFill>
+                <a:latin typeface="Courier New"/>
+              </a:rPr>
+              <a:t>  </a:t>
+            </a:r>
+            <a:r>
+              <a:rPr lang="en-GB" sz="1200" dirty="0" err="1" smtClean="0">
+                <a:solidFill>
+                  <a:srgbClr val="0000C0"/>
+                </a:solidFill>
+                <a:latin typeface="Courier New"/>
+              </a:rPr>
+              <a:t>serviceProvider</a:t>
+            </a:r>
+            <a:r>
+              <a:rPr lang="en-GB" sz="1200" dirty="0" smtClean="0">
+                <a:solidFill>
+                  <a:srgbClr val="000000"/>
+                </a:solidFill>
+                <a:latin typeface="Courier New"/>
+              </a:rPr>
+              <a:t> = </a:t>
+            </a:r>
+            <a:r>
+              <a:rPr lang="en-GB" sz="1200" dirty="0" err="1" smtClean="0">
+                <a:solidFill>
+                  <a:srgbClr val="000000"/>
+                </a:solidFill>
+                <a:latin typeface="Courier New"/>
+              </a:rPr>
+              <a:t>JNDILookup.</a:t>
+            </a:r>
+            <a:r>
+              <a:rPr lang="en-GB" sz="1200" i="1" dirty="0" err="1" smtClean="0">
+                <a:solidFill>
+                  <a:srgbClr val="000000"/>
+                </a:solidFill>
+                <a:latin typeface="Courier New"/>
+              </a:rPr>
+              <a:t>getInstance</a:t>
+            </a:r>
+            <a:r>
+              <a:rPr lang="en-GB" sz="1200" i="1" dirty="0" smtClean="0">
+                <a:solidFill>
+                  <a:srgbClr val="000000"/>
+                </a:solidFill>
+                <a:latin typeface="Courier New"/>
+              </a:rPr>
+              <a:t>();</a:t>
+            </a:r>
+          </a:p>
+          <a:p>
+            <a:r>
+              <a:rPr lang="en-GB" sz="1200" dirty="0" smtClean="0">
+                <a:solidFill>
+                  <a:srgbClr val="000000"/>
+                </a:solidFill>
+                <a:latin typeface="Courier New"/>
+              </a:rPr>
+              <a:t>  </a:t>
+            </a:r>
+            <a:r>
+              <a:rPr lang="en-GB" sz="1200" b="1" dirty="0" err="1" smtClean="0">
+                <a:solidFill>
+                  <a:srgbClr val="000000"/>
+                </a:solidFill>
+                <a:latin typeface="Courier New"/>
+              </a:rPr>
+              <a:t>sendMessage</a:t>
+            </a:r>
+            <a:r>
+              <a:rPr lang="en-GB" sz="1200" b="1" dirty="0" smtClean="0">
+                <a:solidFill>
+                  <a:srgbClr val="000000"/>
+                </a:solidFill>
+                <a:latin typeface="Courier New"/>
+              </a:rPr>
+              <a:t>(text, </a:t>
+            </a:r>
+            <a:r>
+              <a:rPr lang="en-GB" sz="1200" b="1" dirty="0" err="1" smtClean="0">
+                <a:solidFill>
+                  <a:srgbClr val="000000"/>
+                </a:solidFill>
+                <a:latin typeface="Courier New"/>
+              </a:rPr>
+              <a:t>messageID</a:t>
+            </a:r>
+            <a:r>
+              <a:rPr lang="en-GB" sz="1200" b="1" dirty="0" smtClean="0">
+                <a:solidFill>
+                  <a:srgbClr val="000000"/>
+                </a:solidFill>
+                <a:latin typeface="Courier New"/>
+              </a:rPr>
+              <a:t>, </a:t>
+            </a:r>
+            <a:r>
+              <a:rPr lang="en-GB" sz="1200" b="1" dirty="0" err="1" smtClean="0">
+                <a:solidFill>
+                  <a:srgbClr val="000000"/>
+                </a:solidFill>
+                <a:latin typeface="Courier New"/>
+              </a:rPr>
+              <a:t>senderflag</a:t>
+            </a:r>
+            <a:r>
+              <a:rPr lang="en-GB" sz="1200" b="1" dirty="0" smtClean="0">
+                <a:solidFill>
+                  <a:srgbClr val="000000"/>
+                </a:solidFill>
+                <a:latin typeface="Courier New"/>
+              </a:rPr>
+              <a:t>);</a:t>
+            </a:r>
+          </a:p>
+          <a:p>
+            <a:r>
+              <a:rPr lang="en-GB" sz="1200" dirty="0" smtClean="0">
+                <a:solidFill>
+                  <a:srgbClr val="000000"/>
+                </a:solidFill>
+                <a:latin typeface="Courier New"/>
+              </a:rPr>
+              <a:t>}</a:t>
+            </a:r>
+            <a:endParaRPr lang="en-GB" sz="1200" dirty="0"/>
+          </a:p>
+        </p:txBody>
+      </p:sp>
+      <p:sp>
+        <p:nvSpPr>
+          <p:cNvPr id="9" name="Title 1"/>
+          <p:cNvSpPr>
+            <a:spLocks noGrp="1"/>
+          </p:cNvSpPr>
+          <p:nvPr>
+            <p:ph type="title"/>
+          </p:nvPr>
+        </p:nvSpPr>
+        <p:spPr>
+          <a:xfrm>
+            <a:off x="457200" y="274638"/>
+            <a:ext cx="8229600" cy="1143000"/>
+          </a:xfrm>
+        </p:spPr>
+        <p:txBody>
+          <a:bodyPr/>
+          <a:lstStyle/>
+          <a:p>
+            <a:r>
+              <a:rPr lang="en-GB" dirty="0" smtClean="0"/>
+              <a:t>Constructor Challenges</a:t>
+            </a:r>
+            <a:endParaRPr lang="en-GB" dirty="0"/>
+          </a:p>
+        </p:txBody>
+      </p:sp>
+      <p:sp>
+        <p:nvSpPr>
+          <p:cNvPr id="10" name="TextBox 9"/>
+          <p:cNvSpPr txBox="1"/>
+          <p:nvPr/>
+        </p:nvSpPr>
+        <p:spPr>
+          <a:xfrm>
+            <a:off x="285720" y="1571612"/>
+            <a:ext cx="3218638" cy="369332"/>
+          </a:xfrm>
+          <a:prstGeom prst="rect">
+            <a:avLst/>
+          </a:prstGeom>
+          <a:noFill/>
+        </p:spPr>
+        <p:txBody>
+          <a:bodyPr wrap="none" rtlCol="0">
+            <a:spAutoFit/>
+          </a:bodyPr>
+          <a:lstStyle/>
+          <a:p>
+            <a:r>
+              <a:rPr lang="en-GB" dirty="0" smtClean="0">
+                <a:solidFill>
+                  <a:schemeClr val="bg1"/>
+                </a:solidFill>
+              </a:rPr>
+              <a:t>Call-out to static factory method</a:t>
+            </a:r>
+            <a:endParaRPr lang="en-GB" dirty="0">
+              <a:solidFill>
+                <a:schemeClr val="bg1"/>
+              </a:solidFill>
+            </a:endParaRPr>
+          </a:p>
+        </p:txBody>
+      </p:sp>
+      <p:sp>
+        <p:nvSpPr>
+          <p:cNvPr id="11" name="TextBox 10"/>
+          <p:cNvSpPr txBox="1"/>
+          <p:nvPr/>
+        </p:nvSpPr>
+        <p:spPr>
+          <a:xfrm>
+            <a:off x="285720" y="3929066"/>
+            <a:ext cx="5117811" cy="369332"/>
+          </a:xfrm>
+          <a:prstGeom prst="rect">
+            <a:avLst/>
+          </a:prstGeom>
+          <a:noFill/>
+        </p:spPr>
+        <p:txBody>
+          <a:bodyPr wrap="none" rtlCol="0">
+            <a:spAutoFit/>
+          </a:bodyPr>
+          <a:lstStyle/>
+          <a:p>
+            <a:r>
+              <a:rPr lang="en-GB" dirty="0" smtClean="0">
+                <a:solidFill>
+                  <a:schemeClr val="bg1"/>
+                </a:solidFill>
+              </a:rPr>
+              <a:t>Call the business-logic method  during construction</a:t>
+            </a:r>
+            <a:endParaRPr lang="en-GB" dirty="0">
+              <a:solidFill>
+                <a:schemeClr val="bg1"/>
+              </a:solidFill>
+            </a:endParaRPr>
+          </a:p>
+        </p:txBody>
+      </p:sp>
+    </p:spTree>
+  </p:cSld>
+  <p:clrMapOvr>
+    <a:masterClrMapping/>
+  </p:clrMapOvr>
+</p:sld>
+</file>
+
+<file path=ppt/slides/slide9.xml><?xml version="1.0" encoding="utf-8"?>
+<p:sld xmlns:a="http://schemas.openxmlformats.org/drawingml/2006/main" xmlns:r="http://schemas.openxmlformats.org/officeDocument/2006/relationships" xmlns:p="http://schemas.openxmlformats.org/presentationml/2006/main">
+  <p:cSld>
+    <p:spTree>
+      <p:nvGrpSpPr>
+        <p:cNvPr id="1" name=""/>
+        <p:cNvGrpSpPr/>
+        <p:nvPr/>
+      </p:nvGrpSpPr>
+      <p:grpSpPr>
+        <a:xfrm>
+          <a:off x="0" y="0"/>
+          <a:ext cx="0" cy="0"/>
+          <a:chOff x="0" y="0"/>
+          <a:chExt cx="0" cy="0"/>
+        </a:xfrm>
+      </p:grpSpPr>
+      <p:sp>
+        <p:nvSpPr>
+          <p:cNvPr id="5" name="TextBox 4"/>
+          <p:cNvSpPr txBox="1"/>
+          <p:nvPr/>
+        </p:nvSpPr>
+        <p:spPr>
+          <a:xfrm>
+            <a:off x="285720" y="1571612"/>
+            <a:ext cx="8143932" cy="3046988"/>
+          </a:xfrm>
+          <a:prstGeom prst="rect">
+            <a:avLst/>
+          </a:prstGeom>
+          <a:solidFill>
+            <a:schemeClr val="bg1"/>
+          </a:solidFill>
+          <a:scene3d>
+            <a:camera prst="orthographicFront"/>
+            <a:lightRig rig="threePt" dir="t"/>
+          </a:scene3d>
+          <a:sp3d>
+            <a:bevelT w="165100" prst="coolSlant"/>
+          </a:sp3d>
+        </p:spPr>
+        <p:txBody>
+          <a:bodyPr wrap="square" rtlCol="0">
+            <a:spAutoFit/>
+          </a:bodyPr>
+          <a:lstStyle/>
+          <a:p>
+            <a:r>
+              <a:rPr lang="en-GB" sz="1200" dirty="0" smtClean="0">
+                <a:solidFill>
+                  <a:srgbClr val="7F0055"/>
+                </a:solidFill>
+                <a:latin typeface="Courier New"/>
+              </a:rPr>
+              <a:t>public</a:t>
+            </a:r>
+            <a:r>
+              <a:rPr lang="en-GB" sz="1200" dirty="0" smtClean="0">
+                <a:solidFill>
+                  <a:srgbClr val="000000"/>
+                </a:solidFill>
+                <a:latin typeface="Courier New"/>
+              </a:rPr>
+              <a:t> </a:t>
+            </a:r>
+            <a:r>
+              <a:rPr lang="en-GB" sz="1200" dirty="0" smtClean="0">
+                <a:solidFill>
+                  <a:srgbClr val="7F0055"/>
+                </a:solidFill>
+                <a:latin typeface="Courier New"/>
+              </a:rPr>
+              <a:t>class</a:t>
+            </a:r>
+            <a:r>
+              <a:rPr lang="en-GB" sz="1200" dirty="0" smtClean="0">
+                <a:solidFill>
+                  <a:srgbClr val="000000"/>
+                </a:solidFill>
+                <a:latin typeface="Courier New"/>
+              </a:rPr>
+              <a:t> </a:t>
+            </a:r>
+            <a:r>
+              <a:rPr lang="en-GB" sz="1200" dirty="0" err="1" smtClean="0">
+                <a:solidFill>
+                  <a:srgbClr val="000000"/>
+                </a:solidFill>
+                <a:latin typeface="Courier New"/>
+              </a:rPr>
+              <a:t>StubbedXMLSender</a:t>
+            </a:r>
+            <a:r>
+              <a:rPr lang="en-GB" sz="1200" dirty="0" smtClean="0">
+                <a:solidFill>
+                  <a:srgbClr val="000000"/>
+                </a:solidFill>
+                <a:latin typeface="Courier New"/>
+              </a:rPr>
+              <a:t> </a:t>
+            </a:r>
+            <a:r>
+              <a:rPr lang="en-GB" sz="1200" dirty="0" smtClean="0">
+                <a:solidFill>
+                  <a:srgbClr val="7F0055"/>
+                </a:solidFill>
+                <a:latin typeface="Courier New"/>
+              </a:rPr>
+              <a:t>extends</a:t>
+            </a:r>
+            <a:r>
+              <a:rPr lang="en-GB" sz="1200" dirty="0" smtClean="0">
+                <a:solidFill>
+                  <a:srgbClr val="000000"/>
+                </a:solidFill>
+                <a:latin typeface="Courier New"/>
+              </a:rPr>
+              <a:t> </a:t>
+            </a:r>
+            <a:r>
+              <a:rPr lang="en-GB" sz="1200" dirty="0" err="1" smtClean="0">
+                <a:solidFill>
+                  <a:srgbClr val="000000"/>
+                </a:solidFill>
+                <a:latin typeface="Courier New"/>
+              </a:rPr>
+              <a:t>XMLSender</a:t>
+            </a:r>
+            <a:r>
+              <a:rPr lang="en-GB" sz="1200" dirty="0" smtClean="0">
+                <a:solidFill>
+                  <a:srgbClr val="000000"/>
+                </a:solidFill>
+                <a:latin typeface="Courier New"/>
+              </a:rPr>
+              <a:t> {</a:t>
+            </a:r>
+          </a:p>
+          <a:p>
+            <a:r>
+              <a:rPr lang="en-GB" sz="1200" dirty="0" smtClean="0">
+                <a:solidFill>
+                  <a:srgbClr val="7F0055"/>
+                </a:solidFill>
+                <a:latin typeface="Courier New"/>
+              </a:rPr>
+              <a:t>  public</a:t>
+            </a:r>
+            <a:r>
+              <a:rPr lang="en-GB" sz="1200" dirty="0" smtClean="0">
+                <a:solidFill>
+                  <a:srgbClr val="000000"/>
+                </a:solidFill>
+                <a:latin typeface="Courier New"/>
+              </a:rPr>
+              <a:t> </a:t>
+            </a:r>
+            <a:r>
+              <a:rPr lang="en-GB" sz="1200" dirty="0" smtClean="0">
+                <a:solidFill>
+                  <a:srgbClr val="7F0055"/>
+                </a:solidFill>
+                <a:latin typeface="Courier New"/>
+              </a:rPr>
+              <a:t>static</a:t>
+            </a:r>
+            <a:r>
+              <a:rPr lang="en-GB" sz="1200" dirty="0" smtClean="0">
+                <a:solidFill>
+                  <a:srgbClr val="000000"/>
+                </a:solidFill>
+                <a:latin typeface="Courier New"/>
+              </a:rPr>
+              <a:t> </a:t>
+            </a:r>
+            <a:r>
+              <a:rPr lang="en-GB" sz="1200" dirty="0" err="1" smtClean="0">
+                <a:solidFill>
+                  <a:srgbClr val="7F0055"/>
+                </a:solidFill>
+                <a:latin typeface="Courier New"/>
+              </a:rPr>
+              <a:t>boolean</a:t>
+            </a:r>
+            <a:r>
+              <a:rPr lang="en-GB" sz="1200" dirty="0" smtClean="0">
+                <a:solidFill>
+                  <a:srgbClr val="000000"/>
+                </a:solidFill>
+                <a:latin typeface="Courier New"/>
+              </a:rPr>
+              <a:t> </a:t>
+            </a:r>
+            <a:r>
+              <a:rPr lang="en-GB" sz="1200" i="1" dirty="0" err="1" smtClean="0">
+                <a:solidFill>
+                  <a:srgbClr val="0000C0"/>
+                </a:solidFill>
+                <a:latin typeface="Courier New"/>
+              </a:rPr>
+              <a:t>wasSendMessageCalled</a:t>
+            </a:r>
+            <a:r>
+              <a:rPr lang="en-GB" sz="1200" i="1" dirty="0" smtClean="0">
+                <a:solidFill>
+                  <a:srgbClr val="000000"/>
+                </a:solidFill>
+                <a:latin typeface="Courier New"/>
+              </a:rPr>
+              <a:t> = </a:t>
+            </a:r>
+            <a:r>
+              <a:rPr lang="en-GB" sz="1200" i="1" dirty="0" smtClean="0">
+                <a:solidFill>
+                  <a:srgbClr val="7F0055"/>
+                </a:solidFill>
+                <a:latin typeface="Courier New"/>
+              </a:rPr>
+              <a:t>false</a:t>
+            </a:r>
+            <a:r>
+              <a:rPr lang="en-GB" sz="1200" i="1" dirty="0" smtClean="0">
+                <a:solidFill>
+                  <a:srgbClr val="000000"/>
+                </a:solidFill>
+                <a:latin typeface="Courier New"/>
+              </a:rPr>
+              <a:t>;</a:t>
+            </a:r>
+          </a:p>
+          <a:p>
+            <a:endParaRPr lang="en-GB" sz="1200" i="1" dirty="0" smtClean="0">
+              <a:solidFill>
+                <a:srgbClr val="000000"/>
+              </a:solidFill>
+              <a:latin typeface="Courier New"/>
+            </a:endParaRPr>
+          </a:p>
+          <a:p>
+            <a:r>
+              <a:rPr lang="en-GB" sz="1200" dirty="0" smtClean="0">
+                <a:solidFill>
+                  <a:srgbClr val="000000"/>
+                </a:solidFill>
+                <a:latin typeface="Courier New"/>
+              </a:rPr>
+              <a:t>  </a:t>
+            </a:r>
+            <a:r>
+              <a:rPr lang="en-GB" sz="1200" dirty="0" err="1" smtClean="0">
+                <a:solidFill>
+                  <a:srgbClr val="000000"/>
+                </a:solidFill>
+                <a:latin typeface="Courier New"/>
+              </a:rPr>
+              <a:t>StubbedXMLSender</a:t>
+            </a:r>
+            <a:r>
+              <a:rPr lang="en-GB" sz="1200" dirty="0" smtClean="0">
+                <a:solidFill>
+                  <a:srgbClr val="000000"/>
+                </a:solidFill>
+                <a:latin typeface="Courier New"/>
+              </a:rPr>
+              <a:t>(Logger </a:t>
+            </a:r>
+            <a:r>
+              <a:rPr lang="en-GB" sz="1200" dirty="0" err="1" smtClean="0">
+                <a:solidFill>
+                  <a:srgbClr val="000000"/>
+                </a:solidFill>
+                <a:latin typeface="Courier New"/>
+              </a:rPr>
+              <a:t>logger</a:t>
+            </a:r>
+            <a:r>
+              <a:rPr lang="en-GB" sz="1200" dirty="0" smtClean="0">
+                <a:solidFill>
+                  <a:srgbClr val="000000"/>
+                </a:solidFill>
+                <a:latin typeface="Courier New"/>
+              </a:rPr>
+              <a:t>, String text, String </a:t>
+            </a:r>
+            <a:r>
+              <a:rPr lang="en-GB" sz="1200" dirty="0" err="1" smtClean="0">
+                <a:solidFill>
+                  <a:srgbClr val="000000"/>
+                </a:solidFill>
+                <a:latin typeface="Courier New"/>
+              </a:rPr>
+              <a:t>messageID</a:t>
+            </a:r>
+            <a:r>
+              <a:rPr lang="en-GB" sz="1200" dirty="0" smtClean="0">
+                <a:solidFill>
+                  <a:srgbClr val="000000"/>
+                </a:solidFill>
+                <a:latin typeface="Courier New"/>
+              </a:rPr>
+              <a:t>, String </a:t>
+            </a:r>
+            <a:r>
+              <a:rPr lang="en-GB" sz="1200" dirty="0" err="1" smtClean="0">
+                <a:solidFill>
+                  <a:srgbClr val="000000"/>
+                </a:solidFill>
+                <a:latin typeface="Courier New"/>
+              </a:rPr>
+              <a:t>senderflag</a:t>
+            </a:r>
+            <a:r>
+              <a:rPr lang="en-GB" sz="1200" dirty="0" smtClean="0">
+                <a:solidFill>
+                  <a:srgbClr val="000000"/>
+                </a:solidFill>
+                <a:latin typeface="Courier New"/>
+              </a:rPr>
+              <a:t>) {</a:t>
+            </a:r>
+          </a:p>
+          <a:p>
+            <a:r>
+              <a:rPr lang="en-GB" sz="1200" dirty="0" smtClean="0">
+                <a:solidFill>
+                  <a:srgbClr val="7F0055"/>
+                </a:solidFill>
+                <a:latin typeface="Courier New"/>
+              </a:rPr>
+              <a:t>   super</a:t>
+            </a:r>
+            <a:r>
+              <a:rPr lang="en-GB" sz="1200" dirty="0" smtClean="0">
+                <a:solidFill>
+                  <a:srgbClr val="000000"/>
+                </a:solidFill>
+                <a:latin typeface="Courier New"/>
+              </a:rPr>
+              <a:t>(logger, text, </a:t>
+            </a:r>
+            <a:r>
+              <a:rPr lang="en-GB" sz="1200" dirty="0" err="1" smtClean="0">
+                <a:solidFill>
+                  <a:srgbClr val="000000"/>
+                </a:solidFill>
+                <a:latin typeface="Courier New"/>
+              </a:rPr>
+              <a:t>messageID</a:t>
+            </a:r>
+            <a:r>
+              <a:rPr lang="en-GB" sz="1200" dirty="0" smtClean="0">
+                <a:solidFill>
+                  <a:srgbClr val="000000"/>
+                </a:solidFill>
+                <a:latin typeface="Courier New"/>
+              </a:rPr>
+              <a:t>, </a:t>
+            </a:r>
+            <a:r>
+              <a:rPr lang="en-GB" sz="1200" dirty="0" err="1" smtClean="0">
+                <a:solidFill>
+                  <a:srgbClr val="000000"/>
+                </a:solidFill>
+                <a:latin typeface="Courier New"/>
+              </a:rPr>
+              <a:t>senderflag</a:t>
+            </a:r>
+            <a:r>
+              <a:rPr lang="en-GB" sz="1200" dirty="0" smtClean="0">
+                <a:solidFill>
+                  <a:srgbClr val="000000"/>
+                </a:solidFill>
+                <a:latin typeface="Courier New"/>
+              </a:rPr>
+              <a:t>);</a:t>
+            </a:r>
+          </a:p>
+          <a:p>
+            <a:r>
+              <a:rPr lang="en-GB" sz="1200" dirty="0" smtClean="0">
+                <a:solidFill>
+                  <a:srgbClr val="000000"/>
+                </a:solidFill>
+                <a:latin typeface="Courier New"/>
+              </a:rPr>
+              <a:t>  }</a:t>
+            </a:r>
+          </a:p>
+          <a:p>
+            <a:endParaRPr lang="en-GB" sz="1200" dirty="0" smtClean="0">
+              <a:latin typeface="Courier New"/>
+            </a:endParaRPr>
+          </a:p>
+          <a:p>
+            <a:r>
+              <a:rPr lang="en-GB" sz="1200" dirty="0" smtClean="0">
+                <a:solidFill>
+                  <a:srgbClr val="3F7F5F"/>
+                </a:solidFill>
+                <a:latin typeface="Courier New"/>
+              </a:rPr>
+              <a:t>  /*</a:t>
+            </a:r>
+          </a:p>
+          <a:p>
+            <a:r>
+              <a:rPr lang="en-GB" sz="1200" dirty="0" smtClean="0">
+                <a:solidFill>
+                  <a:srgbClr val="3F7F5F"/>
+                </a:solidFill>
+                <a:latin typeface="Courier New"/>
+              </a:rPr>
+              <a:t>   * Override the </a:t>
+            </a:r>
+            <a:r>
+              <a:rPr lang="en-GB" sz="1200" dirty="0" err="1" smtClean="0">
+                <a:solidFill>
+                  <a:srgbClr val="3F7F5F"/>
+                </a:solidFill>
+                <a:latin typeface="Courier New"/>
+              </a:rPr>
+              <a:t>sendMessage</a:t>
+            </a:r>
+            <a:r>
+              <a:rPr lang="en-GB" sz="1200" dirty="0" smtClean="0">
+                <a:solidFill>
+                  <a:srgbClr val="3F7F5F"/>
+                </a:solidFill>
+                <a:latin typeface="Courier New"/>
+              </a:rPr>
+              <a:t>() method to allow the constructor to be tested</a:t>
+            </a:r>
+          </a:p>
+          <a:p>
+            <a:r>
+              <a:rPr lang="en-GB" sz="1200" dirty="0" smtClean="0">
+                <a:solidFill>
+                  <a:srgbClr val="3F7F5F"/>
+                </a:solidFill>
+                <a:latin typeface="Courier New"/>
+              </a:rPr>
+              <a:t>   * on it's own</a:t>
+            </a:r>
+          </a:p>
+          <a:p>
+            <a:r>
+              <a:rPr lang="en-GB" sz="1200" dirty="0" smtClean="0">
+                <a:solidFill>
+                  <a:srgbClr val="3F7F5F"/>
+                </a:solidFill>
+                <a:latin typeface="Courier New"/>
+              </a:rPr>
+              <a:t>   */</a:t>
+            </a:r>
+          </a:p>
+          <a:p>
+            <a:r>
+              <a:rPr lang="en-GB" sz="1200" dirty="0" smtClean="0">
+                <a:solidFill>
+                  <a:srgbClr val="646464"/>
+                </a:solidFill>
+                <a:latin typeface="Courier New"/>
+              </a:rPr>
+              <a:t>  @Override</a:t>
+            </a:r>
+          </a:p>
+          <a:p>
+            <a:r>
+              <a:rPr lang="en-GB" sz="1200" dirty="0" smtClean="0">
+                <a:solidFill>
+                  <a:srgbClr val="7F0055"/>
+                </a:solidFill>
+                <a:latin typeface="Courier New"/>
+              </a:rPr>
+              <a:t>  public</a:t>
+            </a:r>
+            <a:r>
+              <a:rPr lang="en-GB" sz="1200" dirty="0" smtClean="0">
+                <a:solidFill>
+                  <a:srgbClr val="000000"/>
+                </a:solidFill>
+                <a:latin typeface="Courier New"/>
+              </a:rPr>
+              <a:t> </a:t>
+            </a:r>
+            <a:r>
+              <a:rPr lang="en-GB" sz="1200" dirty="0" smtClean="0">
+                <a:solidFill>
+                  <a:srgbClr val="7F0055"/>
+                </a:solidFill>
+                <a:latin typeface="Courier New"/>
+              </a:rPr>
+              <a:t>void</a:t>
+            </a:r>
+            <a:r>
+              <a:rPr lang="en-GB" sz="1200" dirty="0" smtClean="0">
+                <a:solidFill>
+                  <a:srgbClr val="000000"/>
+                </a:solidFill>
+                <a:latin typeface="Courier New"/>
+              </a:rPr>
+              <a:t> </a:t>
+            </a:r>
+            <a:r>
+              <a:rPr lang="en-GB" sz="1200" dirty="0" err="1" smtClean="0">
+                <a:solidFill>
+                  <a:srgbClr val="000000"/>
+                </a:solidFill>
+                <a:latin typeface="Courier New"/>
+              </a:rPr>
+              <a:t>sendMessage</a:t>
+            </a:r>
+            <a:r>
+              <a:rPr lang="en-GB" sz="1200" dirty="0" smtClean="0">
+                <a:solidFill>
+                  <a:srgbClr val="000000"/>
+                </a:solidFill>
+                <a:latin typeface="Courier New"/>
+              </a:rPr>
+              <a:t>(String text, String </a:t>
+            </a:r>
+            <a:r>
+              <a:rPr lang="en-GB" sz="1200" dirty="0" err="1" smtClean="0">
+                <a:solidFill>
+                  <a:srgbClr val="000000"/>
+                </a:solidFill>
+                <a:latin typeface="Courier New"/>
+              </a:rPr>
+              <a:t>messageID</a:t>
+            </a:r>
+            <a:r>
+              <a:rPr lang="en-GB" sz="1200" dirty="0" smtClean="0">
+                <a:solidFill>
+                  <a:srgbClr val="000000"/>
+                </a:solidFill>
+                <a:latin typeface="Courier New"/>
+              </a:rPr>
+              <a:t>, String </a:t>
+            </a:r>
+            <a:r>
+              <a:rPr lang="en-GB" sz="1200" dirty="0" err="1" smtClean="0">
+                <a:solidFill>
+                  <a:srgbClr val="000000"/>
+                </a:solidFill>
+                <a:latin typeface="Courier New"/>
+              </a:rPr>
+              <a:t>senderflag</a:t>
+            </a:r>
+            <a:r>
+              <a:rPr lang="en-GB" sz="1200" dirty="0" smtClean="0">
+                <a:solidFill>
+                  <a:srgbClr val="000000"/>
+                </a:solidFill>
+                <a:latin typeface="Courier New"/>
+              </a:rPr>
+              <a:t>) {</a:t>
+            </a:r>
+          </a:p>
+          <a:p>
+            <a:r>
+              <a:rPr lang="en-GB" sz="1200" i="1" dirty="0" smtClean="0">
+                <a:solidFill>
+                  <a:srgbClr val="0000C0"/>
+                </a:solidFill>
+                <a:latin typeface="Courier New"/>
+              </a:rPr>
+              <a:t>    </a:t>
+            </a:r>
+            <a:r>
+              <a:rPr lang="en-GB" sz="1200" i="1" dirty="0" err="1" smtClean="0">
+                <a:solidFill>
+                  <a:srgbClr val="0000C0"/>
+                </a:solidFill>
+                <a:latin typeface="Courier New"/>
+              </a:rPr>
+              <a:t>wasSendMessageCalled</a:t>
+            </a:r>
+            <a:r>
+              <a:rPr lang="en-GB" sz="1200" i="1" dirty="0" smtClean="0">
+                <a:solidFill>
+                  <a:srgbClr val="000000"/>
+                </a:solidFill>
+                <a:latin typeface="Courier New"/>
+              </a:rPr>
+              <a:t> = </a:t>
+            </a:r>
+            <a:r>
+              <a:rPr lang="en-GB" sz="1200" i="1" dirty="0" smtClean="0">
+                <a:solidFill>
+                  <a:srgbClr val="7F0055"/>
+                </a:solidFill>
+                <a:latin typeface="Courier New"/>
+              </a:rPr>
+              <a:t>true</a:t>
+            </a:r>
+            <a:r>
+              <a:rPr lang="en-GB" sz="1200" i="1" dirty="0" smtClean="0">
+                <a:solidFill>
+                  <a:srgbClr val="000000"/>
+                </a:solidFill>
+                <a:latin typeface="Courier New"/>
+              </a:rPr>
+              <a:t>;</a:t>
+            </a:r>
+          </a:p>
+          <a:p>
+            <a:r>
+              <a:rPr lang="en-GB" sz="1200" dirty="0" smtClean="0">
+                <a:solidFill>
+                  <a:srgbClr val="000000"/>
+                </a:solidFill>
+                <a:latin typeface="Courier New"/>
+              </a:rPr>
+              <a:t>  }</a:t>
+            </a:r>
+            <a:endParaRPr lang="en-GB" sz="1200" dirty="0" smtClean="0">
+              <a:latin typeface="Courier New"/>
+            </a:endParaRPr>
+          </a:p>
+          <a:p>
+            <a:r>
+              <a:rPr lang="en-GB" sz="1200" dirty="0" smtClean="0">
+                <a:solidFill>
+                  <a:srgbClr val="000000"/>
+                </a:solidFill>
+                <a:latin typeface="Courier New"/>
+              </a:rPr>
+              <a:t>}</a:t>
+            </a:r>
+            <a:endParaRPr lang="en-GB" sz="1200" dirty="0"/>
+          </a:p>
+        </p:txBody>
+      </p:sp>
+      <p:sp>
+        <p:nvSpPr>
+          <p:cNvPr id="9" name="Title 1"/>
+          <p:cNvSpPr>
+            <a:spLocks noGrp="1"/>
+          </p:cNvSpPr>
+          <p:nvPr>
+            <p:ph type="title"/>
+          </p:nvPr>
+        </p:nvSpPr>
+        <p:spPr>
+          <a:xfrm>
+            <a:off x="457200" y="274638"/>
+            <a:ext cx="8229600" cy="1143000"/>
+          </a:xfrm>
+        </p:spPr>
+        <p:txBody>
+          <a:bodyPr/>
+          <a:lstStyle/>
+          <a:p>
+            <a:r>
+              <a:rPr lang="en-GB" dirty="0" smtClean="0"/>
+              <a:t>Testing the Constructor</a:t>
+            </a:r>
+            <a:endParaRPr lang="en-GB" dirty="0"/>
+          </a:p>
+        </p:txBody>
+      </p:sp>
+      <p:sp>
+        <p:nvSpPr>
+          <p:cNvPr id="10" name="TextBox 9"/>
+          <p:cNvSpPr txBox="1"/>
+          <p:nvPr/>
+        </p:nvSpPr>
+        <p:spPr>
+          <a:xfrm>
+            <a:off x="285720" y="1214422"/>
+            <a:ext cx="5542608" cy="369332"/>
+          </a:xfrm>
+          <a:prstGeom prst="rect">
+            <a:avLst/>
+          </a:prstGeom>
+          <a:noFill/>
+        </p:spPr>
+        <p:txBody>
+          <a:bodyPr wrap="none" rtlCol="0">
+            <a:spAutoFit/>
+          </a:bodyPr>
+          <a:lstStyle/>
+          <a:p>
+            <a:r>
+              <a:rPr lang="en-GB" dirty="0" smtClean="0">
+                <a:solidFill>
+                  <a:schemeClr val="bg1"/>
+                </a:solidFill>
+              </a:rPr>
+              <a:t>Create a subclass and override the business logic method</a:t>
+            </a:r>
+            <a:endParaRPr lang="en-GB" dirty="0">
+              <a:solidFill>
+                <a:schemeClr val="bg1"/>
+              </a:solidFill>
+            </a:endParaRPr>
+          </a:p>
+        </p:txBody>
+      </p:sp>
+      <p:sp>
+        <p:nvSpPr>
+          <p:cNvPr id="12" name="TextBox 11"/>
+          <p:cNvSpPr txBox="1"/>
+          <p:nvPr/>
+        </p:nvSpPr>
+        <p:spPr>
+          <a:xfrm>
+            <a:off x="285720" y="5572140"/>
+            <a:ext cx="7786742" cy="1015663"/>
+          </a:xfrm>
+          <a:prstGeom prst="rect">
+            <a:avLst/>
+          </a:prstGeom>
+          <a:solidFill>
+            <a:schemeClr val="bg1"/>
+          </a:solidFill>
+          <a:scene3d>
+            <a:camera prst="orthographicFront"/>
+            <a:lightRig rig="threePt" dir="t"/>
+          </a:scene3d>
+          <a:sp3d>
+            <a:bevelT w="165100" prst="coolSlant"/>
+          </a:sp3d>
+        </p:spPr>
+        <p:txBody>
+          <a:bodyPr wrap="square" rtlCol="0">
+            <a:spAutoFit/>
+          </a:bodyPr>
+          <a:lstStyle/>
+          <a:p>
+            <a:r>
+              <a:rPr lang="en-GB" sz="1200" dirty="0" smtClean="0">
+                <a:solidFill>
+                  <a:srgbClr val="646464"/>
+                </a:solidFill>
+                <a:latin typeface="Courier New"/>
+              </a:rPr>
+              <a:t>@Test</a:t>
+            </a:r>
+          </a:p>
+          <a:p>
+            <a:r>
+              <a:rPr lang="en-GB" sz="1200" dirty="0" smtClean="0">
+                <a:solidFill>
+                  <a:srgbClr val="7F0055"/>
+                </a:solidFill>
+                <a:latin typeface="Courier New"/>
+              </a:rPr>
+              <a:t>public</a:t>
+            </a:r>
+            <a:r>
+              <a:rPr lang="en-GB" sz="1200" dirty="0" smtClean="0">
+                <a:solidFill>
+                  <a:srgbClr val="000000"/>
+                </a:solidFill>
+                <a:latin typeface="Courier New"/>
+              </a:rPr>
+              <a:t> </a:t>
+            </a:r>
+            <a:r>
+              <a:rPr lang="en-GB" sz="1200" dirty="0" smtClean="0">
+                <a:solidFill>
+                  <a:srgbClr val="7F0055"/>
+                </a:solidFill>
+                <a:latin typeface="Courier New"/>
+              </a:rPr>
+              <a:t>void</a:t>
+            </a:r>
+            <a:r>
+              <a:rPr lang="en-GB" sz="1200" dirty="0" smtClean="0">
+                <a:solidFill>
+                  <a:srgbClr val="000000"/>
+                </a:solidFill>
+                <a:latin typeface="Courier New"/>
+              </a:rPr>
+              <a:t> </a:t>
+            </a:r>
+            <a:r>
+              <a:rPr lang="en-GB" sz="1200" dirty="0" err="1" smtClean="0">
+                <a:solidFill>
+                  <a:srgbClr val="000000"/>
+                </a:solidFill>
+                <a:latin typeface="Courier New"/>
+              </a:rPr>
+              <a:t>shouldBeAbleToInstantiateAnXMLSender</a:t>
+            </a:r>
+            <a:r>
+              <a:rPr lang="en-GB" sz="1200" dirty="0" smtClean="0">
+                <a:solidFill>
+                  <a:srgbClr val="000000"/>
+                </a:solidFill>
+                <a:latin typeface="Courier New"/>
+              </a:rPr>
+              <a:t>() {</a:t>
+            </a:r>
+          </a:p>
+          <a:p>
+            <a:r>
+              <a:rPr lang="en-GB" sz="1200" dirty="0" smtClean="0">
+                <a:solidFill>
+                  <a:srgbClr val="7F0055"/>
+                </a:solidFill>
+                <a:latin typeface="Courier New"/>
+              </a:rPr>
+              <a:t>  new</a:t>
+            </a:r>
+            <a:r>
+              <a:rPr lang="en-GB" sz="1200" dirty="0" smtClean="0">
+                <a:solidFill>
+                  <a:srgbClr val="000000"/>
+                </a:solidFill>
+                <a:latin typeface="Courier New"/>
+              </a:rPr>
+              <a:t> </a:t>
+            </a:r>
+            <a:r>
+              <a:rPr lang="en-GB" sz="1200" dirty="0" err="1" smtClean="0">
+                <a:solidFill>
+                  <a:srgbClr val="000000"/>
+                </a:solidFill>
+                <a:latin typeface="Courier New"/>
+              </a:rPr>
+              <a:t>StubbedXMLSender</a:t>
+            </a:r>
+            <a:r>
+              <a:rPr lang="en-GB" sz="1200" dirty="0" smtClean="0">
+                <a:solidFill>
+                  <a:srgbClr val="000000"/>
+                </a:solidFill>
+                <a:latin typeface="Courier New"/>
+              </a:rPr>
+              <a:t>(</a:t>
+            </a:r>
+            <a:r>
+              <a:rPr lang="en-GB" sz="1200" dirty="0" smtClean="0">
+                <a:solidFill>
+                  <a:srgbClr val="7F0055"/>
+                </a:solidFill>
+                <a:latin typeface="Courier New"/>
+              </a:rPr>
+              <a:t>null</a:t>
+            </a:r>
+            <a:r>
+              <a:rPr lang="en-GB" sz="1200" dirty="0" smtClean="0">
+                <a:solidFill>
+                  <a:srgbClr val="000000"/>
+                </a:solidFill>
+                <a:latin typeface="Courier New"/>
+              </a:rPr>
+              <a:t>, </a:t>
+            </a:r>
+            <a:r>
+              <a:rPr lang="en-GB" sz="1200" dirty="0" smtClean="0">
+                <a:solidFill>
+                  <a:srgbClr val="7F0055"/>
+                </a:solidFill>
+                <a:latin typeface="Courier New"/>
+              </a:rPr>
+              <a:t>null</a:t>
+            </a:r>
+            <a:r>
+              <a:rPr lang="en-GB" sz="1200" dirty="0" smtClean="0">
+                <a:solidFill>
+                  <a:srgbClr val="000000"/>
+                </a:solidFill>
+                <a:latin typeface="Courier New"/>
+              </a:rPr>
+              <a:t>, </a:t>
+            </a:r>
+            <a:r>
+              <a:rPr lang="en-GB" sz="1200" dirty="0" smtClean="0">
+                <a:solidFill>
+                  <a:srgbClr val="7F0055"/>
+                </a:solidFill>
+                <a:latin typeface="Courier New"/>
+              </a:rPr>
+              <a:t>null</a:t>
+            </a:r>
+            <a:r>
+              <a:rPr lang="en-GB" sz="1200" dirty="0" smtClean="0">
+                <a:solidFill>
+                  <a:srgbClr val="000000"/>
+                </a:solidFill>
+                <a:latin typeface="Courier New"/>
+              </a:rPr>
+              <a:t>, </a:t>
+            </a:r>
+            <a:r>
+              <a:rPr lang="en-GB" sz="1200" dirty="0" smtClean="0">
+                <a:solidFill>
+                  <a:srgbClr val="7F0055"/>
+                </a:solidFill>
+                <a:latin typeface="Courier New"/>
+              </a:rPr>
+              <a:t>null</a:t>
+            </a:r>
+            <a:r>
+              <a:rPr lang="en-GB" sz="1200" dirty="0" smtClean="0">
+                <a:solidFill>
+                  <a:srgbClr val="000000"/>
+                </a:solidFill>
+                <a:latin typeface="Courier New"/>
+              </a:rPr>
+              <a:t>);</a:t>
+            </a:r>
+          </a:p>
+          <a:p>
+            <a:r>
+              <a:rPr lang="en-GB" sz="1200" i="1" dirty="0" smtClean="0">
+                <a:solidFill>
+                  <a:srgbClr val="000000"/>
+                </a:solidFill>
+                <a:latin typeface="Courier New"/>
+              </a:rPr>
+              <a:t>  </a:t>
+            </a:r>
+            <a:r>
+              <a:rPr lang="en-GB" sz="1200" i="1" dirty="0" err="1" smtClean="0">
+                <a:solidFill>
+                  <a:srgbClr val="000000"/>
+                </a:solidFill>
+                <a:latin typeface="Courier New"/>
+              </a:rPr>
+              <a:t>assertTrue</a:t>
+            </a:r>
+            <a:r>
+              <a:rPr lang="en-GB" sz="1200" i="1" dirty="0" smtClean="0">
+                <a:solidFill>
+                  <a:srgbClr val="000000"/>
+                </a:solidFill>
+                <a:latin typeface="Courier New"/>
+              </a:rPr>
+              <a:t>(</a:t>
+            </a:r>
+            <a:r>
+              <a:rPr lang="en-GB" sz="1200" i="1" dirty="0" err="1" smtClean="0">
+                <a:solidFill>
+                  <a:srgbClr val="000000"/>
+                </a:solidFill>
+                <a:latin typeface="Courier New"/>
+              </a:rPr>
+              <a:t>StubbedXMLSender.</a:t>
+            </a:r>
+            <a:r>
+              <a:rPr lang="en-GB" sz="1200" i="1" dirty="0" err="1" smtClean="0">
+                <a:solidFill>
+                  <a:srgbClr val="0000C0"/>
+                </a:solidFill>
+                <a:latin typeface="Courier New"/>
+              </a:rPr>
+              <a:t>wasSendMessageCalled</a:t>
+            </a:r>
+            <a:r>
+              <a:rPr lang="en-GB" sz="1200" i="1" dirty="0" smtClean="0">
+                <a:solidFill>
+                  <a:srgbClr val="000000"/>
+                </a:solidFill>
+                <a:latin typeface="Courier New"/>
+              </a:rPr>
+              <a:t>);</a:t>
+            </a:r>
+          </a:p>
+          <a:p>
+            <a:r>
+              <a:rPr lang="en-GB" sz="1200" dirty="0" smtClean="0">
+                <a:solidFill>
+                  <a:srgbClr val="000000"/>
+                </a:solidFill>
+                <a:latin typeface="Courier New"/>
+              </a:rPr>
+              <a:t>}</a:t>
+            </a:r>
+            <a:endParaRPr lang="en-GB" sz="1200" dirty="0"/>
+          </a:p>
+        </p:txBody>
+      </p:sp>
+      <p:sp>
+        <p:nvSpPr>
+          <p:cNvPr id="13" name="TextBox 12"/>
+          <p:cNvSpPr txBox="1"/>
+          <p:nvPr/>
+        </p:nvSpPr>
+        <p:spPr>
+          <a:xfrm>
+            <a:off x="285720" y="4929198"/>
+            <a:ext cx="6031331" cy="646331"/>
+          </a:xfrm>
+          <a:prstGeom prst="rect">
+            <a:avLst/>
+          </a:prstGeom>
+          <a:noFill/>
+        </p:spPr>
+        <p:txBody>
+          <a:bodyPr wrap="square" rtlCol="0">
+            <a:spAutoFit/>
+          </a:bodyPr>
+          <a:lstStyle/>
+          <a:p>
+            <a:r>
+              <a:rPr lang="en-GB" dirty="0" smtClean="0">
+                <a:solidFill>
+                  <a:schemeClr val="bg1"/>
+                </a:solidFill>
+              </a:rPr>
+              <a:t>Instantiate the subclass and assert using the sensing variable.  </a:t>
+            </a:r>
+          </a:p>
+          <a:p>
+            <a:r>
+              <a:rPr lang="en-GB" dirty="0" smtClean="0">
+                <a:solidFill>
+                  <a:schemeClr val="bg1"/>
+                </a:solidFill>
+              </a:rPr>
+              <a:t>(The static factory method is still called though)</a:t>
+            </a:r>
           </a:p>
         </p:txBody>
       </p:sp>

--- a/presentation/Retrofitting Tests.pptx
+++ b/presentation/Retrofitting Tests.pptx
@@ -5998,7 +5998,7 @@
         </p:spPr>
         <p:txBody>
           <a:bodyPr>
-            <a:normAutofit fontScale="85000" lnSpcReduction="20000"/>
+            <a:normAutofit fontScale="70000" lnSpcReduction="20000"/>
           </a:bodyPr>
           <a:lstStyle/>
           <a:p>
@@ -6049,7 +6049,29 @@
             </a:r>
           </a:p>
           <a:p>
-            <a:endParaRPr lang="en-GB" dirty="0"/>
+            <a:pPr lvl="2">
+              <a:buNone/>
+            </a:pPr>
+            <a:endParaRPr lang="en-GB" i="1" dirty="0"/>
+          </a:p>
+          <a:p>
+            <a:endParaRPr lang="en-GB" sz="2300" b="1" dirty="0" smtClean="0"/>
+          </a:p>
+          <a:p>
+            <a:endParaRPr lang="en-GB" sz="2300" b="1" dirty="0"/>
+          </a:p>
+          <a:p>
+            <a:endParaRPr lang="en-GB" sz="2300" b="1" dirty="0" smtClean="0"/>
+          </a:p>
+          <a:p>
+            <a:pPr>
+              <a:buNone/>
+            </a:pPr>
+            <a:r>
+              <a:rPr lang="en-GB" sz="2300" i="1" dirty="0" smtClean="0"/>
+              <a:t>Working Effectively with Legacy Code (Michael Feathers)</a:t>
+            </a:r>
+            <a:endParaRPr lang="en-GB" i="1" dirty="0" smtClean="0"/>
           </a:p>
         </p:txBody>
       </p:sp>
@@ -6075,6 +6097,40 @@
           <a:prstGeom prst="rect">
             <a:avLst/>
           </a:prstGeom>
+        </p:spPr>
+      </p:pic>
+      <p:pic>
+        <p:nvPicPr>
+          <p:cNvPr id="1026" name="Picture 2"/>
+          <p:cNvPicPr>
+            <a:picLocks noChangeAspect="1" noChangeArrowheads="1"/>
+          </p:cNvPicPr>
+          <p:nvPr/>
+        </p:nvPicPr>
+        <p:blipFill>
+          <a:blip r:embed="rId4">
+            <a:lum bright="2000"/>
+          </a:blip>
+          <a:srcRect/>
+          <a:stretch>
+            <a:fillRect/>
+          </a:stretch>
+        </p:blipFill>
+        <p:spPr bwMode="auto">
+          <a:xfrm>
+            <a:off x="5214942" y="5286388"/>
+            <a:ext cx="1071538" cy="1071554"/>
+          </a:xfrm>
+          <a:prstGeom prst="rect">
+            <a:avLst/>
+          </a:prstGeom>
+          <a:noFill/>
+          <a:ln w="9525">
+            <a:noFill/>
+            <a:miter lim="800000"/>
+            <a:headEnd/>
+            <a:tailEnd/>
+          </a:ln>
         </p:spPr>
       </p:pic>
     </p:spTree>
